--- a/lectures/Первая_лекция_GitHub_Classroom.pptx
+++ b/lectures/Первая_лекция_GitHub_Classroom.pptx
@@ -3158,26 +3158,50 @@
           <a:lstStyle/>
           <a:p>
             <a:r>
-              <a:rPr lang="ru-RU" dirty="0"/>
+              <a:rPr lang="ru-RU" dirty="0">
+                <a:solidFill>
+                  <a:schemeClr val="tx1"/>
+                </a:solidFill>
+              </a:rPr>
               <a:t>Ознакомительная лекция </a:t>
             </a:r>
-            <a:endParaRPr dirty="0"/>
-          </a:p>
-          <a:p>
-            <a:r>
-              <a:rPr dirty="0" err="1"/>
+            <a:endParaRPr dirty="0">
+              <a:solidFill>
+                <a:schemeClr val="tx1"/>
+              </a:solidFill>
+            </a:endParaRPr>
+          </a:p>
+          <a:p>
+            <a:r>
+              <a:rPr dirty="0" err="1">
+                <a:solidFill>
+                  <a:schemeClr val="tx1"/>
+                </a:solidFill>
+              </a:rPr>
               <a:t>Преподаватель</a:t>
             </a:r>
             <a:r>
-              <a:rPr dirty="0"/>
+              <a:rPr dirty="0">
+                <a:solidFill>
+                  <a:schemeClr val="tx1"/>
+                </a:solidFill>
+              </a:rPr>
               <a:t>: </a:t>
             </a:r>
             <a:r>
-              <a:rPr dirty="0" err="1"/>
+              <a:rPr dirty="0" err="1">
+                <a:solidFill>
+                  <a:schemeClr val="tx1"/>
+                </a:solidFill>
+              </a:rPr>
               <a:t>Тропин</a:t>
             </a:r>
             <a:r>
-              <a:rPr dirty="0"/>
+              <a:rPr dirty="0">
+                <a:solidFill>
+                  <a:schemeClr val="tx1"/>
+                </a:solidFill>
+              </a:rPr>
               <a:t> Д.А.</a:t>
             </a:r>
           </a:p>
@@ -3655,11 +3679,14 @@
         </p:nvSpPr>
         <p:spPr/>
         <p:txBody>
-          <a:bodyPr/>
-          <a:lstStyle/>
-          <a:p>
-            <a:r>
-              <a:t>Цели курса</a:t>
+          <a:bodyPr>
+            <a:noAutofit/>
+          </a:bodyPr>
+          <a:lstStyle/>
+          <a:p>
+            <a:r>
+              <a:rPr lang="ru-RU" sz="3200" dirty="0"/>
+              <a:t>Цель дисциплины «Инженерно-техническая поддержка и сопровождение ИС» </a:t>
             </a:r>
           </a:p>
         </p:txBody>
@@ -3674,159 +3701,24 @@
             <p:ph idx="1"/>
           </p:nvPr>
         </p:nvSpPr>
-        <p:spPr/>
-        <p:txBody>
-          <a:bodyPr/>
+        <p:spPr>
+          <a:xfrm>
+            <a:off x="457200" y="1819373"/>
+            <a:ext cx="8229600" cy="4525963"/>
+          </a:xfrm>
+        </p:spPr>
+        <p:txBody>
+          <a:bodyPr>
+            <a:normAutofit/>
+          </a:bodyPr>
           <a:lstStyle/>
           <a:p>
             <a:pPr marL="0" indent="0">
               <a:buNone/>
             </a:pPr>
             <a:r>
-              <a:rPr dirty="0" err="1"/>
-              <a:t>Научить</a:t>
-            </a:r>
-            <a:r>
-              <a:rPr dirty="0"/>
-              <a:t> </a:t>
-            </a:r>
-            <a:r>
-              <a:rPr dirty="0" err="1"/>
-              <a:t>работать</a:t>
-            </a:r>
-            <a:r>
-              <a:rPr dirty="0"/>
-              <a:t> с </a:t>
-            </a:r>
-            <a:r>
-              <a:rPr dirty="0" err="1"/>
-              <a:t>системами</a:t>
-            </a:r>
-            <a:r>
-              <a:rPr dirty="0"/>
-              <a:t> </a:t>
-            </a:r>
-            <a:r>
-              <a:rPr dirty="0" err="1"/>
-              <a:t>контроля</a:t>
-            </a:r>
-            <a:r>
-              <a:rPr dirty="0"/>
-              <a:t> </a:t>
-            </a:r>
-            <a:r>
-              <a:rPr dirty="0" err="1"/>
-              <a:t>версий</a:t>
-            </a:r>
-            <a:endParaRPr dirty="0"/>
-          </a:p>
-          <a:p>
-            <a:pPr marL="0" indent="0">
-              <a:buNone/>
-            </a:pPr>
-            <a:r>
-              <a:rPr dirty="0" err="1"/>
-              <a:t>Освоить</a:t>
-            </a:r>
-            <a:r>
-              <a:rPr dirty="0"/>
-              <a:t> </a:t>
-            </a:r>
-            <a:r>
-              <a:rPr dirty="0" err="1"/>
-              <a:t>сопровождение</a:t>
-            </a:r>
-            <a:r>
-              <a:rPr dirty="0"/>
-              <a:t> </a:t>
-            </a:r>
-            <a:r>
-              <a:rPr dirty="0" err="1"/>
-              <a:t>информационных</a:t>
-            </a:r>
-            <a:r>
-              <a:rPr dirty="0"/>
-              <a:t> </a:t>
-            </a:r>
-            <a:r>
-              <a:rPr dirty="0" err="1"/>
-              <a:t>систем</a:t>
-            </a:r>
-            <a:endParaRPr dirty="0"/>
-          </a:p>
-          <a:p>
-            <a:pPr marL="0" indent="0">
-              <a:buNone/>
-            </a:pPr>
-            <a:r>
-              <a:rPr dirty="0" err="1"/>
-              <a:t>Развить</a:t>
-            </a:r>
-            <a:r>
-              <a:rPr dirty="0"/>
-              <a:t> </a:t>
-            </a:r>
-            <a:r>
-              <a:rPr dirty="0" err="1"/>
-              <a:t>навыки</a:t>
-            </a:r>
-            <a:r>
-              <a:rPr dirty="0"/>
-              <a:t> </a:t>
-            </a:r>
-            <a:r>
-              <a:rPr dirty="0" err="1"/>
-              <a:t>документирования</a:t>
-            </a:r>
-            <a:r>
-              <a:rPr dirty="0"/>
-              <a:t> и </a:t>
-            </a:r>
-            <a:r>
-              <a:rPr dirty="0" err="1"/>
-              <a:t>отчетности</a:t>
-            </a:r>
-            <a:endParaRPr dirty="0"/>
-          </a:p>
-          <a:p>
-            <a:pPr marL="0" indent="0">
-              <a:buNone/>
-            </a:pPr>
-            <a:r>
-              <a:rPr dirty="0" err="1"/>
-              <a:t>Получить</a:t>
-            </a:r>
-            <a:r>
-              <a:rPr dirty="0"/>
-              <a:t> </a:t>
-            </a:r>
-            <a:r>
-              <a:rPr dirty="0" err="1"/>
-              <a:t>опыт</a:t>
-            </a:r>
-            <a:r>
-              <a:rPr dirty="0"/>
-              <a:t> </a:t>
-            </a:r>
-            <a:r>
-              <a:rPr dirty="0" err="1"/>
-              <a:t>командной</a:t>
-            </a:r>
-            <a:r>
-              <a:rPr dirty="0"/>
-              <a:t> </a:t>
-            </a:r>
-            <a:r>
-              <a:rPr dirty="0" err="1"/>
-              <a:t>работы</a:t>
-            </a:r>
-            <a:r>
-              <a:rPr dirty="0"/>
-              <a:t> в ИТ-</a:t>
-            </a:r>
-            <a:r>
-              <a:rPr dirty="0" err="1"/>
-              <a:t>среде</a:t>
+              <a:rPr lang="ru-RU" dirty="0"/>
+              <a:t>Формирование знаний и практических навыков, необходимых для установки, настройки, эксплуатации и сопровождения информационных систем, включая администрирование аппаратных и программных ресурсов, диагностику и устранение неисправностей, а также документирование выполненных работ</a:t>
             </a:r>
             <a:endParaRPr dirty="0"/>
           </a:p>
@@ -3869,7 +3761,7 @@
         </p:nvSpPr>
         <p:spPr>
           <a:xfrm>
-            <a:off x="4204354" y="274637"/>
+            <a:off x="4445143" y="76674"/>
             <a:ext cx="4482445" cy="1921807"/>
           </a:xfrm>
         </p:spPr>
@@ -3879,7 +3771,6 @@
           </a:bodyPr>
           <a:lstStyle/>
           <a:p>
-            <a:pPr algn="r"/>
             <a:r>
               <a:rPr dirty="0" err="1"/>
               <a:t>Правила</a:t>
@@ -3908,8 +3799,8 @@
         </p:nvSpPr>
         <p:spPr>
           <a:xfrm>
-            <a:off x="94268" y="3779521"/>
-            <a:ext cx="8917757" cy="3405432"/>
+            <a:off x="160257" y="1497783"/>
+            <a:ext cx="4788816" cy="4751110"/>
           </a:xfrm>
         </p:spPr>
         <p:txBody>
@@ -3918,7 +3809,7 @@
           </a:bodyPr>
           <a:lstStyle/>
           <a:p>
-            <a:pPr marL="0" indent="0" algn="just">
+            <a:pPr marL="0" indent="0">
               <a:buNone/>
             </a:pPr>
             <a:r>
@@ -3956,7 +3847,7 @@
             <a:endParaRPr sz="2800" dirty="0"/>
           </a:p>
           <a:p>
-            <a:pPr marL="0" indent="0" algn="just">
+            <a:pPr marL="0" indent="0">
               <a:buNone/>
             </a:pPr>
             <a:r>
@@ -3990,7 +3881,7 @@
             <a:endParaRPr sz="2800" dirty="0"/>
           </a:p>
           <a:p>
-            <a:pPr marL="0" indent="0" algn="just">
+            <a:pPr marL="0" indent="0">
               <a:buNone/>
             </a:pPr>
             <a:r>
@@ -4056,7 +3947,7 @@
             <a:endParaRPr sz="2800" dirty="0"/>
           </a:p>
           <a:p>
-            <a:pPr marL="0" indent="0" algn="just">
+            <a:pPr marL="0" indent="0">
               <a:buNone/>
             </a:pPr>
             <a:r>
@@ -4113,7 +4004,7 @@
         </p:blipFill>
         <p:spPr>
           <a:xfrm>
-            <a:off x="368050" y="134960"/>
+            <a:off x="5206559" y="1998481"/>
             <a:ext cx="2959611" cy="3521562"/>
           </a:xfrm>
           <a:prstGeom prst="rect">

--- a/lectures/Первая_лекция_GitHub_Classroom.pptx
+++ b/lectures/Первая_лекция_GitHub_Classroom.pptx
@@ -4,18 +4,25 @@
   <p:sldMasterIdLst>
     <p:sldMasterId id="2147483648" r:id="rId1"/>
   </p:sldMasterIdLst>
+  <p:notesMasterIdLst>
+    <p:notesMasterId r:id="rId14"/>
+  </p:notesMasterIdLst>
+  <p:handoutMasterIdLst>
+    <p:handoutMasterId r:id="rId15"/>
+  </p:handoutMasterIdLst>
   <p:sldIdLst>
     <p:sldId id="256" r:id="rId2"/>
     <p:sldId id="257" r:id="rId3"/>
-    <p:sldId id="258" r:id="rId4"/>
-    <p:sldId id="259" r:id="rId5"/>
-    <p:sldId id="260" r:id="rId6"/>
-    <p:sldId id="261" r:id="rId7"/>
-    <p:sldId id="262" r:id="rId8"/>
-    <p:sldId id="263" r:id="rId9"/>
-    <p:sldId id="264" r:id="rId10"/>
-    <p:sldId id="265" r:id="rId11"/>
-    <p:sldId id="266" r:id="rId12"/>
+    <p:sldId id="267" r:id="rId4"/>
+    <p:sldId id="258" r:id="rId5"/>
+    <p:sldId id="268" r:id="rId6"/>
+    <p:sldId id="262" r:id="rId7"/>
+    <p:sldId id="270" r:id="rId8"/>
+    <p:sldId id="259" r:id="rId9"/>
+    <p:sldId id="261" r:id="rId10"/>
+    <p:sldId id="264" r:id="rId11"/>
+    <p:sldId id="269" r:id="rId12"/>
+    <p:sldId id="265" r:id="rId13"/>
   </p:sldIdLst>
   <p:sldSz cx="9144000" cy="6858000" type="screen4x3"/>
   <p:notesSz cx="6858000" cy="9144000"/>
@@ -117,12 +124,12 @@
   <p:extLst>
     <p:ext uri="{EFAFB233-063F-42B5-8137-9DF3F51BA10A}">
       <p15:sldGuideLst xmlns:p15="http://schemas.microsoft.com/office/powerpoint/2012/main">
-        <p15:guide id="1" orient="horz" pos="2160">
+        <p15:guide id="1" orient="horz" pos="2160" userDrawn="1">
           <p15:clr>
             <a:srgbClr val="A4A3A4"/>
           </p15:clr>
         </p15:guide>
-        <p15:guide id="2" pos="2880">
+        <p15:guide id="2" pos="2880" userDrawn="1">
           <p15:clr>
             <a:srgbClr val="A4A3A4"/>
           </p15:clr>
@@ -131,6 +138,544 @@
     </p:ext>
   </p:extLst>
 </p:presentation>
+</file>
+
+<file path=ppt/handoutMasters/handoutMaster1.xml><?xml version="1.0" encoding="utf-8"?>
+<p:handoutMaster xmlns:a="http://schemas.openxmlformats.org/drawingml/2006/main" xmlns:r="http://schemas.openxmlformats.org/officeDocument/2006/relationships" xmlns:p="http://schemas.openxmlformats.org/presentationml/2006/main">
+  <p:cSld>
+    <p:bg>
+      <p:bgRef idx="1001">
+        <a:schemeClr val="bg1"/>
+      </p:bgRef>
+    </p:bg>
+    <p:spTree>
+      <p:nvGrpSpPr>
+        <p:cNvPr id="1" name=""/>
+        <p:cNvGrpSpPr/>
+        <p:nvPr/>
+      </p:nvGrpSpPr>
+      <p:grpSpPr>
+        <a:xfrm>
+          <a:off x="0" y="0"/>
+          <a:ext cx="0" cy="0"/>
+          <a:chOff x="0" y="0"/>
+          <a:chExt cx="0" cy="0"/>
+        </a:xfrm>
+      </p:grpSpPr>
+      <p:sp>
+        <p:nvSpPr>
+          <p:cNvPr id="2" name="Верхний колонтитул 1">
+            <a:extLst>
+              <a:ext uri="{FF2B5EF4-FFF2-40B4-BE49-F238E27FC236}">
+                <a16:creationId xmlns:a16="http://schemas.microsoft.com/office/drawing/2014/main" id="{E5900440-D3CB-48E5-A052-3C4A4747E7E6}"/>
+              </a:ext>
+            </a:extLst>
+          </p:cNvPr>
+          <p:cNvSpPr>
+            <a:spLocks noGrp="1"/>
+          </p:cNvSpPr>
+          <p:nvPr>
+            <p:ph type="hdr" sz="quarter"/>
+          </p:nvPr>
+        </p:nvSpPr>
+        <p:spPr>
+          <a:xfrm>
+            <a:off x="0" y="0"/>
+            <a:ext cx="2971800" cy="458788"/>
+          </a:xfrm>
+          <a:prstGeom prst="rect">
+            <a:avLst/>
+          </a:prstGeom>
+        </p:spPr>
+        <p:txBody>
+          <a:bodyPr vert="horz" lIns="91440" tIns="45720" rIns="91440" bIns="45720" rtlCol="0"/>
+          <a:lstStyle>
+            <a:lvl1pPr algn="l">
+              <a:defRPr sz="1200"/>
+            </a:lvl1pPr>
+          </a:lstStyle>
+          <a:p>
+            <a:endParaRPr lang="ru-RU"/>
+          </a:p>
+        </p:txBody>
+      </p:sp>
+      <p:sp>
+        <p:nvSpPr>
+          <p:cNvPr id="3" name="Дата 2">
+            <a:extLst>
+              <a:ext uri="{FF2B5EF4-FFF2-40B4-BE49-F238E27FC236}">
+                <a16:creationId xmlns:a16="http://schemas.microsoft.com/office/drawing/2014/main" id="{92AC6D95-528E-49B2-A3E5-18B794DC8FDF}"/>
+              </a:ext>
+            </a:extLst>
+          </p:cNvPr>
+          <p:cNvSpPr>
+            <a:spLocks noGrp="1"/>
+          </p:cNvSpPr>
+          <p:nvPr>
+            <p:ph type="dt" sz="quarter" idx="1"/>
+          </p:nvPr>
+        </p:nvSpPr>
+        <p:spPr>
+          <a:xfrm>
+            <a:off x="3884613" y="0"/>
+            <a:ext cx="2971800" cy="458788"/>
+          </a:xfrm>
+          <a:prstGeom prst="rect">
+            <a:avLst/>
+          </a:prstGeom>
+        </p:spPr>
+        <p:txBody>
+          <a:bodyPr vert="horz" lIns="91440" tIns="45720" rIns="91440" bIns="45720" rtlCol="0"/>
+          <a:lstStyle>
+            <a:lvl1pPr algn="r">
+              <a:defRPr sz="1200"/>
+            </a:lvl1pPr>
+          </a:lstStyle>
+          <a:p>
+            <a:fld id="{5478DF29-452A-4A83-91E9-CF5A4DE259F4}" type="datetimeFigureOut">
+              <a:rPr lang="ru-RU" smtClean="0"/>
+              <a:t>31.08.2025</a:t>
+            </a:fld>
+            <a:endParaRPr lang="ru-RU"/>
+          </a:p>
+        </p:txBody>
+      </p:sp>
+      <p:sp>
+        <p:nvSpPr>
+          <p:cNvPr id="4" name="Нижний колонтитул 3">
+            <a:extLst>
+              <a:ext uri="{FF2B5EF4-FFF2-40B4-BE49-F238E27FC236}">
+                <a16:creationId xmlns:a16="http://schemas.microsoft.com/office/drawing/2014/main" id="{E5FE36F5-F5F4-4B17-A42E-507A4A48AFDA}"/>
+              </a:ext>
+            </a:extLst>
+          </p:cNvPr>
+          <p:cNvSpPr>
+            <a:spLocks noGrp="1"/>
+          </p:cNvSpPr>
+          <p:nvPr>
+            <p:ph type="ftr" sz="quarter" idx="2"/>
+          </p:nvPr>
+        </p:nvSpPr>
+        <p:spPr>
+          <a:xfrm>
+            <a:off x="0" y="8685213"/>
+            <a:ext cx="2971800" cy="458787"/>
+          </a:xfrm>
+          <a:prstGeom prst="rect">
+            <a:avLst/>
+          </a:prstGeom>
+        </p:spPr>
+        <p:txBody>
+          <a:bodyPr vert="horz" lIns="91440" tIns="45720" rIns="91440" bIns="45720" rtlCol="0" anchor="b"/>
+          <a:lstStyle>
+            <a:lvl1pPr algn="l">
+              <a:defRPr sz="1200"/>
+            </a:lvl1pPr>
+          </a:lstStyle>
+          <a:p>
+            <a:endParaRPr lang="ru-RU"/>
+          </a:p>
+        </p:txBody>
+      </p:sp>
+      <p:sp>
+        <p:nvSpPr>
+          <p:cNvPr id="5" name="Номер слайда 4">
+            <a:extLst>
+              <a:ext uri="{FF2B5EF4-FFF2-40B4-BE49-F238E27FC236}">
+                <a16:creationId xmlns:a16="http://schemas.microsoft.com/office/drawing/2014/main" id="{2940DB32-2375-4199-ACEC-A873EA922A07}"/>
+              </a:ext>
+            </a:extLst>
+          </p:cNvPr>
+          <p:cNvSpPr>
+            <a:spLocks noGrp="1"/>
+          </p:cNvSpPr>
+          <p:nvPr>
+            <p:ph type="sldNum" sz="quarter" idx="3"/>
+          </p:nvPr>
+        </p:nvSpPr>
+        <p:spPr>
+          <a:xfrm>
+            <a:off x="3884613" y="8685213"/>
+            <a:ext cx="2971800" cy="458787"/>
+          </a:xfrm>
+          <a:prstGeom prst="rect">
+            <a:avLst/>
+          </a:prstGeom>
+        </p:spPr>
+        <p:txBody>
+          <a:bodyPr vert="horz" lIns="91440" tIns="45720" rIns="91440" bIns="45720" rtlCol="0" anchor="b"/>
+          <a:lstStyle>
+            <a:lvl1pPr algn="r">
+              <a:defRPr sz="1200"/>
+            </a:lvl1pPr>
+          </a:lstStyle>
+          <a:p>
+            <a:fld id="{2161BAF9-FFF2-4491-B5FD-8AC2153F3D5F}" type="slidenum">
+              <a:rPr lang="ru-RU" smtClean="0"/>
+              <a:t>‹#›</a:t>
+            </a:fld>
+            <a:endParaRPr lang="ru-RU"/>
+          </a:p>
+        </p:txBody>
+      </p:sp>
+    </p:spTree>
+    <p:extLst>
+      <p:ext uri="{BB962C8B-B14F-4D97-AF65-F5344CB8AC3E}">
+        <p14:creationId xmlns:p14="http://schemas.microsoft.com/office/powerpoint/2010/main" val="4239279993"/>
+      </p:ext>
+    </p:extLst>
+  </p:cSld>
+  <p:clrMap bg1="lt1" tx1="dk1" bg2="lt2" tx2="dk2" accent1="accent1" accent2="accent2" accent3="accent3" accent4="accent4" accent5="accent5" accent6="accent6" hlink="hlink" folHlink="folHlink"/>
+</p:handoutMaster>
+</file>
+
+<file path=ppt/notesMasters/notesMaster1.xml><?xml version="1.0" encoding="utf-8"?>
+<p:notesMaster xmlns:a="http://schemas.openxmlformats.org/drawingml/2006/main" xmlns:r="http://schemas.openxmlformats.org/officeDocument/2006/relationships" xmlns:p="http://schemas.openxmlformats.org/presentationml/2006/main">
+  <p:cSld>
+    <p:bg>
+      <p:bgRef idx="1001">
+        <a:schemeClr val="bg1"/>
+      </p:bgRef>
+    </p:bg>
+    <p:spTree>
+      <p:nvGrpSpPr>
+        <p:cNvPr id="1" name=""/>
+        <p:cNvGrpSpPr/>
+        <p:nvPr/>
+      </p:nvGrpSpPr>
+      <p:grpSpPr>
+        <a:xfrm>
+          <a:off x="0" y="0"/>
+          <a:ext cx="0" cy="0"/>
+          <a:chOff x="0" y="0"/>
+          <a:chExt cx="0" cy="0"/>
+        </a:xfrm>
+      </p:grpSpPr>
+      <p:sp>
+        <p:nvSpPr>
+          <p:cNvPr id="2" name="Верхний колонтитул 1"/>
+          <p:cNvSpPr>
+            <a:spLocks noGrp="1"/>
+          </p:cNvSpPr>
+          <p:nvPr>
+            <p:ph type="hdr" sz="quarter"/>
+          </p:nvPr>
+        </p:nvSpPr>
+        <p:spPr>
+          <a:xfrm>
+            <a:off x="0" y="0"/>
+            <a:ext cx="2971800" cy="458788"/>
+          </a:xfrm>
+          <a:prstGeom prst="rect">
+            <a:avLst/>
+          </a:prstGeom>
+        </p:spPr>
+        <p:txBody>
+          <a:bodyPr vert="horz" lIns="91440" tIns="45720" rIns="91440" bIns="45720" rtlCol="0"/>
+          <a:lstStyle>
+            <a:lvl1pPr algn="l">
+              <a:defRPr sz="1200"/>
+            </a:lvl1pPr>
+          </a:lstStyle>
+          <a:p>
+            <a:endParaRPr lang="ru-RU"/>
+          </a:p>
+        </p:txBody>
+      </p:sp>
+      <p:sp>
+        <p:nvSpPr>
+          <p:cNvPr id="3" name="Дата 2"/>
+          <p:cNvSpPr>
+            <a:spLocks noGrp="1"/>
+          </p:cNvSpPr>
+          <p:nvPr>
+            <p:ph type="dt" idx="1"/>
+          </p:nvPr>
+        </p:nvSpPr>
+        <p:spPr>
+          <a:xfrm>
+            <a:off x="3884613" y="0"/>
+            <a:ext cx="2971800" cy="458788"/>
+          </a:xfrm>
+          <a:prstGeom prst="rect">
+            <a:avLst/>
+          </a:prstGeom>
+        </p:spPr>
+        <p:txBody>
+          <a:bodyPr vert="horz" lIns="91440" tIns="45720" rIns="91440" bIns="45720" rtlCol="0"/>
+          <a:lstStyle>
+            <a:lvl1pPr algn="r">
+              <a:defRPr sz="1200"/>
+            </a:lvl1pPr>
+          </a:lstStyle>
+          <a:p>
+            <a:fld id="{DF1C5888-F6D7-40B5-8B7F-FD293149ED4A}" type="datetimeFigureOut">
+              <a:rPr lang="ru-RU" smtClean="0"/>
+              <a:t>31.08.2025</a:t>
+            </a:fld>
+            <a:endParaRPr lang="ru-RU"/>
+          </a:p>
+        </p:txBody>
+      </p:sp>
+      <p:sp>
+        <p:nvSpPr>
+          <p:cNvPr id="4" name="Образ слайда 3"/>
+          <p:cNvSpPr>
+            <a:spLocks noGrp="1" noRot="1" noChangeAspect="1"/>
+          </p:cNvSpPr>
+          <p:nvPr>
+            <p:ph type="sldImg" idx="2"/>
+          </p:nvPr>
+        </p:nvSpPr>
+        <p:spPr>
+          <a:xfrm>
+            <a:off x="1371600" y="1143000"/>
+            <a:ext cx="4114800" cy="3086100"/>
+          </a:xfrm>
+          <a:prstGeom prst="rect">
+            <a:avLst/>
+          </a:prstGeom>
+          <a:noFill/>
+          <a:ln w="12700">
+            <a:solidFill>
+              <a:prstClr val="black"/>
+            </a:solidFill>
+          </a:ln>
+        </p:spPr>
+        <p:txBody>
+          <a:bodyPr vert="horz" lIns="91440" tIns="45720" rIns="91440" bIns="45720" rtlCol="0" anchor="ctr"/>
+          <a:lstStyle/>
+          <a:p>
+            <a:endParaRPr lang="ru-RU"/>
+          </a:p>
+        </p:txBody>
+      </p:sp>
+      <p:sp>
+        <p:nvSpPr>
+          <p:cNvPr id="5" name="Заметки 4"/>
+          <p:cNvSpPr>
+            <a:spLocks noGrp="1"/>
+          </p:cNvSpPr>
+          <p:nvPr>
+            <p:ph type="body" sz="quarter" idx="3"/>
+          </p:nvPr>
+        </p:nvSpPr>
+        <p:spPr>
+          <a:xfrm>
+            <a:off x="685800" y="4400550"/>
+            <a:ext cx="5486400" cy="3600450"/>
+          </a:xfrm>
+          <a:prstGeom prst="rect">
+            <a:avLst/>
+          </a:prstGeom>
+        </p:spPr>
+        <p:txBody>
+          <a:bodyPr vert="horz" lIns="91440" tIns="45720" rIns="91440" bIns="45720" rtlCol="0"/>
+          <a:lstStyle/>
+          <a:p>
+            <a:pPr lvl="0"/>
+            <a:r>
+              <a:rPr lang="ru-RU"/>
+              <a:t>Образец текста</a:t>
+            </a:r>
+          </a:p>
+          <a:p>
+            <a:pPr lvl="1"/>
+            <a:r>
+              <a:rPr lang="ru-RU"/>
+              <a:t>Второй уровень</a:t>
+            </a:r>
+          </a:p>
+          <a:p>
+            <a:pPr lvl="2"/>
+            <a:r>
+              <a:rPr lang="ru-RU"/>
+              <a:t>Третий уровень</a:t>
+            </a:r>
+          </a:p>
+          <a:p>
+            <a:pPr lvl="3"/>
+            <a:r>
+              <a:rPr lang="ru-RU"/>
+              <a:t>Четвертый уровень</a:t>
+            </a:r>
+          </a:p>
+          <a:p>
+            <a:pPr lvl="4"/>
+            <a:r>
+              <a:rPr lang="ru-RU"/>
+              <a:t>Пятый уровень</a:t>
+            </a:r>
+          </a:p>
+        </p:txBody>
+      </p:sp>
+      <p:sp>
+        <p:nvSpPr>
+          <p:cNvPr id="6" name="Нижний колонтитул 5"/>
+          <p:cNvSpPr>
+            <a:spLocks noGrp="1"/>
+          </p:cNvSpPr>
+          <p:nvPr>
+            <p:ph type="ftr" sz="quarter" idx="4"/>
+          </p:nvPr>
+        </p:nvSpPr>
+        <p:spPr>
+          <a:xfrm>
+            <a:off x="0" y="8685213"/>
+            <a:ext cx="2971800" cy="458787"/>
+          </a:xfrm>
+          <a:prstGeom prst="rect">
+            <a:avLst/>
+          </a:prstGeom>
+        </p:spPr>
+        <p:txBody>
+          <a:bodyPr vert="horz" lIns="91440" tIns="45720" rIns="91440" bIns="45720" rtlCol="0" anchor="b"/>
+          <a:lstStyle>
+            <a:lvl1pPr algn="l">
+              <a:defRPr sz="1200"/>
+            </a:lvl1pPr>
+          </a:lstStyle>
+          <a:p>
+            <a:endParaRPr lang="ru-RU"/>
+          </a:p>
+        </p:txBody>
+      </p:sp>
+      <p:sp>
+        <p:nvSpPr>
+          <p:cNvPr id="7" name="Номер слайда 6"/>
+          <p:cNvSpPr>
+            <a:spLocks noGrp="1"/>
+          </p:cNvSpPr>
+          <p:nvPr>
+            <p:ph type="sldNum" sz="quarter" idx="5"/>
+          </p:nvPr>
+        </p:nvSpPr>
+        <p:spPr>
+          <a:xfrm>
+            <a:off x="3884613" y="8685213"/>
+            <a:ext cx="2971800" cy="458787"/>
+          </a:xfrm>
+          <a:prstGeom prst="rect">
+            <a:avLst/>
+          </a:prstGeom>
+        </p:spPr>
+        <p:txBody>
+          <a:bodyPr vert="horz" lIns="91440" tIns="45720" rIns="91440" bIns="45720" rtlCol="0" anchor="b"/>
+          <a:lstStyle>
+            <a:lvl1pPr algn="r">
+              <a:defRPr sz="1200"/>
+            </a:lvl1pPr>
+          </a:lstStyle>
+          <a:p>
+            <a:fld id="{9C4E1B54-6C35-48CB-8BA8-F571AC10C189}" type="slidenum">
+              <a:rPr lang="ru-RU" smtClean="0"/>
+              <a:t>‹#›</a:t>
+            </a:fld>
+            <a:endParaRPr lang="ru-RU"/>
+          </a:p>
+        </p:txBody>
+      </p:sp>
+    </p:spTree>
+    <p:extLst>
+      <p:ext uri="{BB962C8B-B14F-4D97-AF65-F5344CB8AC3E}">
+        <p14:creationId xmlns:p14="http://schemas.microsoft.com/office/powerpoint/2010/main" val="1740250356"/>
+      </p:ext>
+    </p:extLst>
+  </p:cSld>
+  <p:clrMap bg1="lt1" tx1="dk1" bg2="lt2" tx2="dk2" accent1="accent1" accent2="accent2" accent3="accent3" accent4="accent4" accent5="accent5" accent6="accent6" hlink="hlink" folHlink="folHlink"/>
+  <p:notesStyle>
+    <a:lvl1pPr marL="0" algn="l" defTabSz="914400" rtl="0" eaLnBrk="1" latinLnBrk="0" hangingPunct="1">
+      <a:defRPr sz="1200" kern="1200">
+        <a:solidFill>
+          <a:schemeClr val="tx1"/>
+        </a:solidFill>
+        <a:latin typeface="+mn-lt"/>
+        <a:ea typeface="+mn-ea"/>
+        <a:cs typeface="+mn-cs"/>
+      </a:defRPr>
+    </a:lvl1pPr>
+    <a:lvl2pPr marL="457200" algn="l" defTabSz="914400" rtl="0" eaLnBrk="1" latinLnBrk="0" hangingPunct="1">
+      <a:defRPr sz="1200" kern="1200">
+        <a:solidFill>
+          <a:schemeClr val="tx1"/>
+        </a:solidFill>
+        <a:latin typeface="+mn-lt"/>
+        <a:ea typeface="+mn-ea"/>
+        <a:cs typeface="+mn-cs"/>
+      </a:defRPr>
+    </a:lvl2pPr>
+    <a:lvl3pPr marL="914400" algn="l" defTabSz="914400" rtl="0" eaLnBrk="1" latinLnBrk="0" hangingPunct="1">
+      <a:defRPr sz="1200" kern="1200">
+        <a:solidFill>
+          <a:schemeClr val="tx1"/>
+        </a:solidFill>
+        <a:latin typeface="+mn-lt"/>
+        <a:ea typeface="+mn-ea"/>
+        <a:cs typeface="+mn-cs"/>
+      </a:defRPr>
+    </a:lvl3pPr>
+    <a:lvl4pPr marL="1371600" algn="l" defTabSz="914400" rtl="0" eaLnBrk="1" latinLnBrk="0" hangingPunct="1">
+      <a:defRPr sz="1200" kern="1200">
+        <a:solidFill>
+          <a:schemeClr val="tx1"/>
+        </a:solidFill>
+        <a:latin typeface="+mn-lt"/>
+        <a:ea typeface="+mn-ea"/>
+        <a:cs typeface="+mn-cs"/>
+      </a:defRPr>
+    </a:lvl4pPr>
+    <a:lvl5pPr marL="1828800" algn="l" defTabSz="914400" rtl="0" eaLnBrk="1" latinLnBrk="0" hangingPunct="1">
+      <a:defRPr sz="1200" kern="1200">
+        <a:solidFill>
+          <a:schemeClr val="tx1"/>
+        </a:solidFill>
+        <a:latin typeface="+mn-lt"/>
+        <a:ea typeface="+mn-ea"/>
+        <a:cs typeface="+mn-cs"/>
+      </a:defRPr>
+    </a:lvl5pPr>
+    <a:lvl6pPr marL="2286000" algn="l" defTabSz="914400" rtl="0" eaLnBrk="1" latinLnBrk="0" hangingPunct="1">
+      <a:defRPr sz="1200" kern="1200">
+        <a:solidFill>
+          <a:schemeClr val="tx1"/>
+        </a:solidFill>
+        <a:latin typeface="+mn-lt"/>
+        <a:ea typeface="+mn-ea"/>
+        <a:cs typeface="+mn-cs"/>
+      </a:defRPr>
+    </a:lvl6pPr>
+    <a:lvl7pPr marL="2743200" algn="l" defTabSz="914400" rtl="0" eaLnBrk="1" latinLnBrk="0" hangingPunct="1">
+      <a:defRPr sz="1200" kern="1200">
+        <a:solidFill>
+          <a:schemeClr val="tx1"/>
+        </a:solidFill>
+        <a:latin typeface="+mn-lt"/>
+        <a:ea typeface="+mn-ea"/>
+        <a:cs typeface="+mn-cs"/>
+      </a:defRPr>
+    </a:lvl7pPr>
+    <a:lvl8pPr marL="3200400" algn="l" defTabSz="914400" rtl="0" eaLnBrk="1" latinLnBrk="0" hangingPunct="1">
+      <a:defRPr sz="1200" kern="1200">
+        <a:solidFill>
+          <a:schemeClr val="tx1"/>
+        </a:solidFill>
+        <a:latin typeface="+mn-lt"/>
+        <a:ea typeface="+mn-ea"/>
+        <a:cs typeface="+mn-cs"/>
+      </a:defRPr>
+    </a:lvl8pPr>
+    <a:lvl9pPr marL="3657600" algn="l" defTabSz="914400" rtl="0" eaLnBrk="1" latinLnBrk="0" hangingPunct="1">
+      <a:defRPr sz="1200" kern="1200">
+        <a:solidFill>
+          <a:schemeClr val="tx1"/>
+        </a:solidFill>
+        <a:latin typeface="+mn-lt"/>
+        <a:ea typeface="+mn-ea"/>
+        <a:cs typeface="+mn-cs"/>
+      </a:defRPr>
+    </a:lvl9pPr>
+  </p:notesStyle>
+</p:notesMaster>
 </file>
 
 <file path=ppt/slideLayouts/slideLayout1.xml><?xml version="1.0" encoding="utf-8"?>
@@ -162,7 +707,7 @@
         </p:nvSpPr>
         <p:spPr>
           <a:xfrm>
-            <a:off x="685800" y="2130425"/>
+            <a:off x="685800" y="2130429"/>
             <a:ext cx="7772400" cy="1470025"/>
           </a:xfrm>
         </p:spPr>
@@ -310,9 +855,9 @@
           <a:bodyPr/>
           <a:lstStyle/>
           <a:p>
-            <a:fld id="{5BCAD085-E8A6-8845-BD4E-CB4CCA059FC4}" type="datetimeFigureOut">
+            <a:fld id="{3F2DF288-DA8A-4571-9FE7-91D9B02A3E41}" type="datetime1">
               <a:rPr lang="en-US" smtClean="0"/>
-              <a:t>8/26/2025</a:t>
+              <a:t>8/31/2025</a:t>
             </a:fld>
             <a:endParaRPr lang="en-US"/>
           </a:p>
@@ -478,9 +1023,9 @@
           <a:bodyPr/>
           <a:lstStyle/>
           <a:p>
-            <a:fld id="{5BCAD085-E8A6-8845-BD4E-CB4CCA059FC4}" type="datetimeFigureOut">
+            <a:fld id="{2689C7F0-5690-4889-8DF1-FA12547F9E80}" type="datetime1">
               <a:rPr lang="en-US" smtClean="0"/>
-              <a:t>8/26/2025</a:t>
+              <a:t>8/31/2025</a:t>
             </a:fld>
             <a:endParaRPr lang="en-US"/>
           </a:p>
@@ -570,7 +1115,7 @@
         </p:nvSpPr>
         <p:spPr>
           <a:xfrm>
-            <a:off x="6629400" y="274638"/>
+            <a:off x="6629400" y="274642"/>
             <a:ext cx="2057400" cy="5851525"/>
           </a:xfrm>
         </p:spPr>
@@ -597,7 +1142,7 @@
         </p:nvSpPr>
         <p:spPr>
           <a:xfrm>
-            <a:off x="457200" y="274638"/>
+            <a:off x="457200" y="274642"/>
             <a:ext cx="6019800" cy="5851525"/>
           </a:xfrm>
         </p:spPr>
@@ -656,9 +1201,9 @@
           <a:bodyPr/>
           <a:lstStyle/>
           <a:p>
-            <a:fld id="{5BCAD085-E8A6-8845-BD4E-CB4CCA059FC4}" type="datetimeFigureOut">
+            <a:fld id="{02815693-DDA9-4AF9-A4C2-62CD2B106A61}" type="datetime1">
               <a:rPr lang="en-US" smtClean="0"/>
-              <a:t>8/26/2025</a:t>
+              <a:t>8/31/2025</a:t>
             </a:fld>
             <a:endParaRPr lang="en-US"/>
           </a:p>
@@ -824,9 +1369,9 @@
           <a:bodyPr/>
           <a:lstStyle/>
           <a:p>
-            <a:fld id="{5BCAD085-E8A6-8845-BD4E-CB4CCA059FC4}" type="datetimeFigureOut">
+            <a:fld id="{AE6BA04B-DBF8-4B66-BC4C-1DFA91660ECA}" type="datetime1">
               <a:rPr lang="en-US" smtClean="0"/>
-              <a:t>8/26/2025</a:t>
+              <a:t>8/31/2025</a:t>
             </a:fld>
             <a:endParaRPr lang="en-US"/>
           </a:p>
@@ -916,7 +1461,7 @@
         </p:nvSpPr>
         <p:spPr>
           <a:xfrm>
-            <a:off x="722313" y="4406900"/>
+            <a:off x="722313" y="4406904"/>
             <a:ext cx="7772400" cy="1362075"/>
           </a:xfrm>
         </p:spPr>
@@ -1069,9 +1614,9 @@
           <a:bodyPr/>
           <a:lstStyle/>
           <a:p>
-            <a:fld id="{5BCAD085-E8A6-8845-BD4E-CB4CCA059FC4}" type="datetimeFigureOut">
+            <a:fld id="{92C695E9-0256-45CA-8F60-8DBBB619B93C}" type="datetime1">
               <a:rPr lang="en-US" smtClean="0"/>
-              <a:t>8/26/2025</a:t>
+              <a:t>8/31/2025</a:t>
             </a:fld>
             <a:endParaRPr lang="en-US"/>
           </a:p>
@@ -1183,7 +1728,7 @@
         </p:nvSpPr>
         <p:spPr>
           <a:xfrm>
-            <a:off x="457200" y="1600200"/>
+            <a:off x="457200" y="1600204"/>
             <a:ext cx="4038600" cy="4525963"/>
           </a:xfrm>
         </p:spPr>
@@ -1267,7 +1812,7 @@
         </p:nvSpPr>
         <p:spPr>
           <a:xfrm>
-            <a:off x="4648200" y="1600200"/>
+            <a:off x="4648200" y="1600204"/>
             <a:ext cx="4038600" cy="4525963"/>
           </a:xfrm>
         </p:spPr>
@@ -1354,9 +1899,9 @@
           <a:bodyPr/>
           <a:lstStyle/>
           <a:p>
-            <a:fld id="{5BCAD085-E8A6-8845-BD4E-CB4CCA059FC4}" type="datetimeFigureOut">
+            <a:fld id="{563934A3-80C6-419E-B80C-C21E5A09F83D}" type="datetime1">
               <a:rPr lang="en-US" smtClean="0"/>
-              <a:t>8/26/2025</a:t>
+              <a:t>8/31/2025</a:t>
             </a:fld>
             <a:endParaRPr lang="en-US"/>
           </a:p>
@@ -1621,7 +2166,7 @@
         </p:nvSpPr>
         <p:spPr>
           <a:xfrm>
-            <a:off x="4645025" y="1535113"/>
+            <a:off x="4645027" y="1535113"/>
             <a:ext cx="4041775" cy="639762"/>
           </a:xfrm>
         </p:spPr>
@@ -1686,7 +2231,7 @@
         </p:nvSpPr>
         <p:spPr>
           <a:xfrm>
-            <a:off x="4645025" y="2174875"/>
+            <a:off x="4645027" y="2174875"/>
             <a:ext cx="4041775" cy="3951288"/>
           </a:xfrm>
         </p:spPr>
@@ -1773,9 +2318,9 @@
           <a:bodyPr/>
           <a:lstStyle/>
           <a:p>
-            <a:fld id="{5BCAD085-E8A6-8845-BD4E-CB4CCA059FC4}" type="datetimeFigureOut">
+            <a:fld id="{9AB9BFCF-0A3F-474F-AFD0-2443B46E406D}" type="datetime1">
               <a:rPr lang="en-US" smtClean="0"/>
-              <a:t>8/26/2025</a:t>
+              <a:t>8/31/2025</a:t>
             </a:fld>
             <a:endParaRPr lang="en-US"/>
           </a:p>
@@ -1890,9 +2435,9 @@
           <a:bodyPr/>
           <a:lstStyle/>
           <a:p>
-            <a:fld id="{5BCAD085-E8A6-8845-BD4E-CB4CCA059FC4}" type="datetimeFigureOut">
+            <a:fld id="{81C51DA5-9BB9-4175-BAF8-73BB4163F257}" type="datetime1">
               <a:rPr lang="en-US" smtClean="0"/>
-              <a:t>8/26/2025</a:t>
+              <a:t>8/31/2025</a:t>
             </a:fld>
             <a:endParaRPr lang="en-US"/>
           </a:p>
@@ -1985,9 +2530,9 @@
           <a:bodyPr/>
           <a:lstStyle/>
           <a:p>
-            <a:fld id="{5BCAD085-E8A6-8845-BD4E-CB4CCA059FC4}" type="datetimeFigureOut">
+            <a:fld id="{8BAF2BF3-B4BB-455D-9597-98550E822915}" type="datetime1">
               <a:rPr lang="en-US" smtClean="0"/>
-              <a:t>8/26/2025</a:t>
+              <a:t>8/31/2025</a:t>
             </a:fld>
             <a:endParaRPr lang="en-US"/>
           </a:p>
@@ -2077,7 +2622,7 @@
         </p:nvSpPr>
         <p:spPr>
           <a:xfrm>
-            <a:off x="457200" y="273050"/>
+            <a:off x="457202" y="273050"/>
             <a:ext cx="3008313" cy="1162050"/>
           </a:xfrm>
         </p:spPr>
@@ -2108,7 +2653,7 @@
         </p:nvSpPr>
         <p:spPr>
           <a:xfrm>
-            <a:off x="3575050" y="273050"/>
+            <a:off x="3575050" y="273054"/>
             <a:ext cx="5111750" cy="5853113"/>
           </a:xfrm>
         </p:spPr>
@@ -2192,7 +2737,7 @@
         </p:nvSpPr>
         <p:spPr>
           <a:xfrm>
-            <a:off x="457200" y="1435100"/>
+            <a:off x="457202" y="1435103"/>
             <a:ext cx="3008313" cy="4691063"/>
           </a:xfrm>
         </p:spPr>
@@ -2260,9 +2805,9 @@
           <a:bodyPr/>
           <a:lstStyle/>
           <a:p>
-            <a:fld id="{5BCAD085-E8A6-8845-BD4E-CB4CCA059FC4}" type="datetimeFigureOut">
+            <a:fld id="{C91E461A-8A39-4D77-A583-0EDCAECE8BD8}" type="datetime1">
               <a:rPr lang="en-US" smtClean="0"/>
-              <a:t>8/26/2025</a:t>
+              <a:t>8/31/2025</a:t>
             </a:fld>
             <a:endParaRPr lang="en-US"/>
           </a:p>
@@ -2512,9 +3057,9 @@
           <a:bodyPr/>
           <a:lstStyle/>
           <a:p>
-            <a:fld id="{5BCAD085-E8A6-8845-BD4E-CB4CCA059FC4}" type="datetimeFigureOut">
+            <a:fld id="{D0780154-F561-4BF3-8244-43CD345B7627}" type="datetime1">
               <a:rPr lang="en-US" smtClean="0"/>
-              <a:t>8/26/2025</a:t>
+              <a:t>8/31/2025</a:t>
             </a:fld>
             <a:endParaRPr lang="en-US"/>
           </a:p>
@@ -2641,7 +3186,7 @@
         </p:nvSpPr>
         <p:spPr>
           <a:xfrm>
-            <a:off x="457200" y="1600200"/>
+            <a:off x="457200" y="1600204"/>
             <a:ext cx="8229600" cy="4525963"/>
           </a:xfrm>
           <a:prstGeom prst="rect">
@@ -2702,7 +3247,7 @@
         </p:nvSpPr>
         <p:spPr>
           <a:xfrm>
-            <a:off x="457200" y="6356350"/>
+            <a:off x="457200" y="6356354"/>
             <a:ext cx="2133600" cy="365125"/>
           </a:xfrm>
           <a:prstGeom prst="rect">
@@ -2723,9 +3268,9 @@
             </a:lvl1pPr>
           </a:lstStyle>
           <a:p>
-            <a:fld id="{5BCAD085-E8A6-8845-BD4E-CB4CCA059FC4}" type="datetimeFigureOut">
+            <a:fld id="{18F5CBAA-2FD1-4F57-A547-46F38B422BE4}" type="datetime1">
               <a:rPr lang="en-US" smtClean="0"/>
-              <a:t>8/26/2025</a:t>
+              <a:t>8/31/2025</a:t>
             </a:fld>
             <a:endParaRPr lang="en-US"/>
           </a:p>
@@ -2743,7 +3288,7 @@
         </p:nvSpPr>
         <p:spPr>
           <a:xfrm>
-            <a:off x="3124200" y="6356350"/>
+            <a:off x="3124200" y="6356354"/>
             <a:ext cx="2895600" cy="365125"/>
           </a:xfrm>
           <a:prstGeom prst="rect">
@@ -2780,7 +3325,7 @@
         </p:nvSpPr>
         <p:spPr>
           <a:xfrm>
-            <a:off x="6553200" y="6356350"/>
+            <a:off x="6553200" y="6356354"/>
             <a:ext cx="2133600" cy="365125"/>
           </a:xfrm>
           <a:prstGeom prst="rect">
@@ -2830,6 +3375,7 @@
     <p:sldLayoutId id="2147483658" r:id="rId10"/>
     <p:sldLayoutId id="2147483659" r:id="rId11"/>
   </p:sldLayoutIdLst>
+  <p:hf hdr="0" ftr="0" dt="0"/>
   <p:txStyles>
     <p:titleStyle>
       <a:lvl1pPr algn="ctr" defTabSz="457200" rtl="0" eaLnBrk="1" latinLnBrk="0" hangingPunct="1">
@@ -3116,27 +3662,45 @@
           <a:lstStyle/>
           <a:p>
             <a:r>
-              <a:rPr dirty="0" err="1"/>
+              <a:rPr dirty="0" err="1">
+                <a:latin typeface="Times New Roman" panose="02020603050405020304" pitchFamily="18" charset="0"/>
+                <a:cs typeface="Times New Roman" panose="02020603050405020304" pitchFamily="18" charset="0"/>
+              </a:rPr>
               <a:t>Инженерно-техническая</a:t>
             </a:r>
             <a:r>
-              <a:rPr dirty="0"/>
+              <a:rPr dirty="0">
+                <a:latin typeface="Times New Roman" panose="02020603050405020304" pitchFamily="18" charset="0"/>
+                <a:cs typeface="Times New Roman" panose="02020603050405020304" pitchFamily="18" charset="0"/>
+              </a:rPr>
               <a:t> </a:t>
             </a:r>
             <a:r>
-              <a:rPr dirty="0" err="1"/>
+              <a:rPr dirty="0" err="1">
+                <a:latin typeface="Times New Roman" panose="02020603050405020304" pitchFamily="18" charset="0"/>
+                <a:cs typeface="Times New Roman" panose="02020603050405020304" pitchFamily="18" charset="0"/>
+              </a:rPr>
               <a:t>поддержка</a:t>
             </a:r>
             <a:r>
-              <a:rPr dirty="0"/>
+              <a:rPr dirty="0">
+                <a:latin typeface="Times New Roman" panose="02020603050405020304" pitchFamily="18" charset="0"/>
+                <a:cs typeface="Times New Roman" panose="02020603050405020304" pitchFamily="18" charset="0"/>
+              </a:rPr>
               <a:t> </a:t>
             </a:r>
             <a:r>
-              <a:rPr dirty="0" err="1"/>
+              <a:rPr dirty="0" err="1">
+                <a:latin typeface="Times New Roman" panose="02020603050405020304" pitchFamily="18" charset="0"/>
+                <a:cs typeface="Times New Roman" panose="02020603050405020304" pitchFamily="18" charset="0"/>
+              </a:rPr>
               <a:t>сопровождения</a:t>
             </a:r>
             <a:r>
-              <a:rPr dirty="0"/>
+              <a:rPr dirty="0">
+                <a:latin typeface="Times New Roman" panose="02020603050405020304" pitchFamily="18" charset="0"/>
+                <a:cs typeface="Times New Roman" panose="02020603050405020304" pitchFamily="18" charset="0"/>
+              </a:rPr>
               <a:t> ИС</a:t>
             </a:r>
           </a:p>
@@ -3162,6 +3726,8 @@
                 <a:solidFill>
                   <a:schemeClr val="tx1"/>
                 </a:solidFill>
+                <a:latin typeface="Times New Roman" panose="02020603050405020304" pitchFamily="18" charset="0"/>
+                <a:cs typeface="Times New Roman" panose="02020603050405020304" pitchFamily="18" charset="0"/>
               </a:rPr>
               <a:t>Ознакомительная лекция </a:t>
             </a:r>
@@ -3169,6 +3735,8 @@
               <a:solidFill>
                 <a:schemeClr val="tx1"/>
               </a:solidFill>
+              <a:latin typeface="Times New Roman" panose="02020603050405020304" pitchFamily="18" charset="0"/>
+              <a:cs typeface="Times New Roman" panose="02020603050405020304" pitchFamily="18" charset="0"/>
             </a:endParaRPr>
           </a:p>
           <a:p>
@@ -3177,6 +3745,8 @@
                 <a:solidFill>
                   <a:schemeClr val="tx1"/>
                 </a:solidFill>
+                <a:latin typeface="Times New Roman" panose="02020603050405020304" pitchFamily="18" charset="0"/>
+                <a:cs typeface="Times New Roman" panose="02020603050405020304" pitchFamily="18" charset="0"/>
               </a:rPr>
               <a:t>Преподаватель</a:t>
             </a:r>
@@ -3185,6 +3755,8 @@
                 <a:solidFill>
                   <a:schemeClr val="tx1"/>
                 </a:solidFill>
+                <a:latin typeface="Times New Roman" panose="02020603050405020304" pitchFamily="18" charset="0"/>
+                <a:cs typeface="Times New Roman" panose="02020603050405020304" pitchFamily="18" charset="0"/>
               </a:rPr>
               <a:t>: </a:t>
             </a:r>
@@ -3193,6 +3765,8 @@
                 <a:solidFill>
                   <a:schemeClr val="tx1"/>
                 </a:solidFill>
+                <a:latin typeface="Times New Roman" panose="02020603050405020304" pitchFamily="18" charset="0"/>
+                <a:cs typeface="Times New Roman" panose="02020603050405020304" pitchFamily="18" charset="0"/>
               </a:rPr>
               <a:t>Тропин</a:t>
             </a:r>
@@ -3201,6 +3775,8 @@
                 <a:solidFill>
                   <a:schemeClr val="tx1"/>
                 </a:solidFill>
+                <a:latin typeface="Times New Roman" panose="02020603050405020304" pitchFamily="18" charset="0"/>
+                <a:cs typeface="Times New Roman" panose="02020603050405020304" pitchFamily="18" charset="0"/>
               </a:rPr>
               <a:t> Д.А.</a:t>
             </a:r>
@@ -3244,23 +3820,379 @@
         </p:nvSpPr>
         <p:spPr/>
         <p:txBody>
+          <a:bodyPr>
+            <a:normAutofit/>
+          </a:bodyPr>
+          <a:lstStyle/>
+          <a:p>
+            <a:r>
+              <a:rPr sz="3600" dirty="0" err="1">
+                <a:latin typeface="Times New Roman" panose="02020603050405020304" pitchFamily="18" charset="0"/>
+                <a:cs typeface="Times New Roman" panose="02020603050405020304" pitchFamily="18" charset="0"/>
+              </a:rPr>
+              <a:t>Пример</a:t>
+            </a:r>
+            <a:r>
+              <a:rPr sz="3600" dirty="0">
+                <a:latin typeface="Times New Roman" panose="02020603050405020304" pitchFamily="18" charset="0"/>
+                <a:cs typeface="Times New Roman" panose="02020603050405020304" pitchFamily="18" charset="0"/>
+              </a:rPr>
+              <a:t> </a:t>
+            </a:r>
+            <a:r>
+              <a:rPr sz="3600" dirty="0" err="1">
+                <a:latin typeface="Times New Roman" panose="02020603050405020304" pitchFamily="18" charset="0"/>
+                <a:cs typeface="Times New Roman" panose="02020603050405020304" pitchFamily="18" charset="0"/>
+              </a:rPr>
+              <a:t>работы</a:t>
+            </a:r>
+            <a:r>
+              <a:rPr sz="3600" dirty="0">
+                <a:latin typeface="Times New Roman" panose="02020603050405020304" pitchFamily="18" charset="0"/>
+                <a:cs typeface="Times New Roman" panose="02020603050405020304" pitchFamily="18" charset="0"/>
+              </a:rPr>
+              <a:t> в GitHub Classroom</a:t>
+            </a:r>
+          </a:p>
+        </p:txBody>
+      </p:sp>
+      <p:sp>
+        <p:nvSpPr>
+          <p:cNvPr id="3" name="Content Placeholder 2"/>
+          <p:cNvSpPr>
+            <a:spLocks noGrp="1"/>
+          </p:cNvSpPr>
+          <p:nvPr>
+            <p:ph idx="1"/>
+          </p:nvPr>
+        </p:nvSpPr>
+        <p:spPr/>
+        <p:txBody>
           <a:bodyPr/>
           <a:lstStyle/>
           <a:p>
-            <a:r>
-              <a:t>Практическое задание (Лаба 0)</a:t>
-            </a:r>
-          </a:p>
-        </p:txBody>
-      </p:sp>
-      <p:sp>
-        <p:nvSpPr>
-          <p:cNvPr id="3" name="Content Placeholder 2"/>
-          <p:cNvSpPr>
-            <a:spLocks noGrp="1"/>
-          </p:cNvSpPr>
-          <p:nvPr>
-            <p:ph idx="1"/>
+            <a:pPr marL="0" indent="0">
+              <a:buNone/>
+            </a:pPr>
+            <a:r>
+              <a:rPr dirty="0">
+                <a:latin typeface="Times New Roman" panose="02020603050405020304" pitchFamily="18" charset="0"/>
+                <a:cs typeface="Times New Roman" panose="02020603050405020304" pitchFamily="18" charset="0"/>
+              </a:rPr>
+              <a:t>1.</a:t>
+            </a:r>
+            <a:r>
+              <a:rPr lang="ru-RU" dirty="0">
+                <a:latin typeface="Times New Roman" panose="02020603050405020304" pitchFamily="18" charset="0"/>
+                <a:cs typeface="Times New Roman" panose="02020603050405020304" pitchFamily="18" charset="0"/>
+              </a:rPr>
+              <a:t> </a:t>
+            </a:r>
+            <a:r>
+              <a:rPr dirty="0" err="1">
+                <a:latin typeface="Times New Roman" panose="02020603050405020304" pitchFamily="18" charset="0"/>
+                <a:cs typeface="Times New Roman" panose="02020603050405020304" pitchFamily="18" charset="0"/>
+              </a:rPr>
+              <a:t>Студент</a:t>
+            </a:r>
+            <a:r>
+              <a:rPr dirty="0">
+                <a:latin typeface="Times New Roman" panose="02020603050405020304" pitchFamily="18" charset="0"/>
+                <a:cs typeface="Times New Roman" panose="02020603050405020304" pitchFamily="18" charset="0"/>
+              </a:rPr>
+              <a:t> </a:t>
+            </a:r>
+            <a:r>
+              <a:rPr dirty="0" err="1">
+                <a:latin typeface="Times New Roman" panose="02020603050405020304" pitchFamily="18" charset="0"/>
+                <a:cs typeface="Times New Roman" panose="02020603050405020304" pitchFamily="18" charset="0"/>
+              </a:rPr>
+              <a:t>получает</a:t>
+            </a:r>
+            <a:r>
+              <a:rPr dirty="0">
+                <a:latin typeface="Times New Roman" panose="02020603050405020304" pitchFamily="18" charset="0"/>
+                <a:cs typeface="Times New Roman" panose="02020603050405020304" pitchFamily="18" charset="0"/>
+              </a:rPr>
+              <a:t> </a:t>
+            </a:r>
+            <a:r>
+              <a:rPr dirty="0" err="1">
+                <a:latin typeface="Times New Roman" panose="02020603050405020304" pitchFamily="18" charset="0"/>
+                <a:cs typeface="Times New Roman" panose="02020603050405020304" pitchFamily="18" charset="0"/>
+              </a:rPr>
+              <a:t>ссылку</a:t>
+            </a:r>
+            <a:r>
+              <a:rPr dirty="0">
+                <a:latin typeface="Times New Roman" panose="02020603050405020304" pitchFamily="18" charset="0"/>
+                <a:cs typeface="Times New Roman" panose="02020603050405020304" pitchFamily="18" charset="0"/>
+              </a:rPr>
+              <a:t> и </a:t>
+            </a:r>
+            <a:r>
+              <a:rPr dirty="0" err="1">
+                <a:latin typeface="Times New Roman" panose="02020603050405020304" pitchFamily="18" charset="0"/>
+                <a:cs typeface="Times New Roman" panose="02020603050405020304" pitchFamily="18" charset="0"/>
+              </a:rPr>
+              <a:t>принимает</a:t>
+            </a:r>
+            <a:r>
+              <a:rPr dirty="0">
+                <a:latin typeface="Times New Roman" panose="02020603050405020304" pitchFamily="18" charset="0"/>
+                <a:cs typeface="Times New Roman" panose="02020603050405020304" pitchFamily="18" charset="0"/>
+              </a:rPr>
+              <a:t> </a:t>
+            </a:r>
+            <a:r>
+              <a:rPr dirty="0" err="1">
+                <a:latin typeface="Times New Roman" panose="02020603050405020304" pitchFamily="18" charset="0"/>
+                <a:cs typeface="Times New Roman" panose="02020603050405020304" pitchFamily="18" charset="0"/>
+              </a:rPr>
+              <a:t>задание</a:t>
+            </a:r>
+            <a:endParaRPr dirty="0">
+              <a:latin typeface="Times New Roman" panose="02020603050405020304" pitchFamily="18" charset="0"/>
+              <a:cs typeface="Times New Roman" panose="02020603050405020304" pitchFamily="18" charset="0"/>
+            </a:endParaRPr>
+          </a:p>
+          <a:p>
+            <a:pPr marL="0" indent="0">
+              <a:buNone/>
+            </a:pPr>
+            <a:r>
+              <a:rPr dirty="0">
+                <a:latin typeface="Times New Roman" panose="02020603050405020304" pitchFamily="18" charset="0"/>
+                <a:cs typeface="Times New Roman" panose="02020603050405020304" pitchFamily="18" charset="0"/>
+              </a:rPr>
+              <a:t>2. </a:t>
+            </a:r>
+            <a:r>
+              <a:rPr dirty="0" err="1">
+                <a:latin typeface="Times New Roman" panose="02020603050405020304" pitchFamily="18" charset="0"/>
+                <a:cs typeface="Times New Roman" panose="02020603050405020304" pitchFamily="18" charset="0"/>
+              </a:rPr>
+              <a:t>Клонирует</a:t>
+            </a:r>
+            <a:r>
+              <a:rPr dirty="0">
+                <a:latin typeface="Times New Roman" panose="02020603050405020304" pitchFamily="18" charset="0"/>
+                <a:cs typeface="Times New Roman" panose="02020603050405020304" pitchFamily="18" charset="0"/>
+              </a:rPr>
+              <a:t> </a:t>
+            </a:r>
+            <a:r>
+              <a:rPr dirty="0" err="1">
+                <a:latin typeface="Times New Roman" panose="02020603050405020304" pitchFamily="18" charset="0"/>
+                <a:cs typeface="Times New Roman" panose="02020603050405020304" pitchFamily="18" charset="0"/>
+              </a:rPr>
+              <a:t>свой</a:t>
+            </a:r>
+            <a:r>
+              <a:rPr dirty="0">
+                <a:latin typeface="Times New Roman" panose="02020603050405020304" pitchFamily="18" charset="0"/>
+                <a:cs typeface="Times New Roman" panose="02020603050405020304" pitchFamily="18" charset="0"/>
+              </a:rPr>
+              <a:t> </a:t>
+            </a:r>
+            <a:r>
+              <a:rPr dirty="0" err="1">
+                <a:latin typeface="Times New Roman" panose="02020603050405020304" pitchFamily="18" charset="0"/>
+                <a:cs typeface="Times New Roman" panose="02020603050405020304" pitchFamily="18" charset="0"/>
+              </a:rPr>
+              <a:t>приватный</a:t>
+            </a:r>
+            <a:r>
+              <a:rPr dirty="0">
+                <a:latin typeface="Times New Roman" panose="02020603050405020304" pitchFamily="18" charset="0"/>
+                <a:cs typeface="Times New Roman" panose="02020603050405020304" pitchFamily="18" charset="0"/>
+              </a:rPr>
+              <a:t> </a:t>
+            </a:r>
+            <a:r>
+              <a:rPr dirty="0" err="1">
+                <a:latin typeface="Times New Roman" panose="02020603050405020304" pitchFamily="18" charset="0"/>
+                <a:cs typeface="Times New Roman" panose="02020603050405020304" pitchFamily="18" charset="0"/>
+              </a:rPr>
+              <a:t>репозиторий</a:t>
+            </a:r>
+            <a:endParaRPr dirty="0">
+              <a:latin typeface="Times New Roman" panose="02020603050405020304" pitchFamily="18" charset="0"/>
+              <a:cs typeface="Times New Roman" panose="02020603050405020304" pitchFamily="18" charset="0"/>
+            </a:endParaRPr>
+          </a:p>
+          <a:p>
+            <a:pPr marL="0" indent="0">
+              <a:buNone/>
+            </a:pPr>
+            <a:r>
+              <a:rPr dirty="0">
+                <a:latin typeface="Times New Roman" panose="02020603050405020304" pitchFamily="18" charset="0"/>
+                <a:cs typeface="Times New Roman" panose="02020603050405020304" pitchFamily="18" charset="0"/>
+              </a:rPr>
+              <a:t>3. </a:t>
+            </a:r>
+            <a:r>
+              <a:rPr dirty="0" err="1">
+                <a:latin typeface="Times New Roman" panose="02020603050405020304" pitchFamily="18" charset="0"/>
+                <a:cs typeface="Times New Roman" panose="02020603050405020304" pitchFamily="18" charset="0"/>
+              </a:rPr>
+              <a:t>Добавляет</a:t>
+            </a:r>
+            <a:r>
+              <a:rPr dirty="0">
+                <a:latin typeface="Times New Roman" panose="02020603050405020304" pitchFamily="18" charset="0"/>
+                <a:cs typeface="Times New Roman" panose="02020603050405020304" pitchFamily="18" charset="0"/>
+              </a:rPr>
+              <a:t> </a:t>
+            </a:r>
+            <a:r>
+              <a:rPr dirty="0" err="1">
+                <a:latin typeface="Times New Roman" panose="02020603050405020304" pitchFamily="18" charset="0"/>
+                <a:cs typeface="Times New Roman" panose="02020603050405020304" pitchFamily="18" charset="0"/>
+              </a:rPr>
+              <a:t>отчёт</a:t>
+            </a:r>
+            <a:r>
+              <a:rPr dirty="0">
+                <a:latin typeface="Times New Roman" panose="02020603050405020304" pitchFamily="18" charset="0"/>
+                <a:cs typeface="Times New Roman" panose="02020603050405020304" pitchFamily="18" charset="0"/>
+              </a:rPr>
+              <a:t> и </a:t>
+            </a:r>
+            <a:r>
+              <a:rPr dirty="0" err="1">
+                <a:latin typeface="Times New Roman" panose="02020603050405020304" pitchFamily="18" charset="0"/>
+                <a:cs typeface="Times New Roman" panose="02020603050405020304" pitchFamily="18" charset="0"/>
+              </a:rPr>
+              <a:t>файлы</a:t>
+            </a:r>
+            <a:endParaRPr dirty="0">
+              <a:latin typeface="Times New Roman" panose="02020603050405020304" pitchFamily="18" charset="0"/>
+              <a:cs typeface="Times New Roman" panose="02020603050405020304" pitchFamily="18" charset="0"/>
+            </a:endParaRPr>
+          </a:p>
+          <a:p>
+            <a:pPr marL="0" indent="0">
+              <a:buNone/>
+            </a:pPr>
+            <a:r>
+              <a:rPr dirty="0">
+                <a:latin typeface="Times New Roman" panose="02020603050405020304" pitchFamily="18" charset="0"/>
+                <a:cs typeface="Times New Roman" panose="02020603050405020304" pitchFamily="18" charset="0"/>
+              </a:rPr>
+              <a:t>4. </a:t>
+            </a:r>
+            <a:r>
+              <a:rPr dirty="0" err="1">
+                <a:latin typeface="Times New Roman" panose="02020603050405020304" pitchFamily="18" charset="0"/>
+                <a:cs typeface="Times New Roman" panose="02020603050405020304" pitchFamily="18" charset="0"/>
+              </a:rPr>
+              <a:t>Делает</a:t>
+            </a:r>
+            <a:r>
+              <a:rPr dirty="0">
+                <a:latin typeface="Times New Roman" panose="02020603050405020304" pitchFamily="18" charset="0"/>
+                <a:cs typeface="Times New Roman" panose="02020603050405020304" pitchFamily="18" charset="0"/>
+              </a:rPr>
+              <a:t> commit и push</a:t>
+            </a:r>
+          </a:p>
+          <a:p>
+            <a:pPr marL="0" indent="0">
+              <a:buNone/>
+            </a:pPr>
+            <a:r>
+              <a:rPr dirty="0">
+                <a:latin typeface="Times New Roman" panose="02020603050405020304" pitchFamily="18" charset="0"/>
+                <a:cs typeface="Times New Roman" panose="02020603050405020304" pitchFamily="18" charset="0"/>
+              </a:rPr>
+              <a:t>5. </a:t>
+            </a:r>
+            <a:r>
+              <a:rPr dirty="0" err="1">
+                <a:latin typeface="Times New Roman" panose="02020603050405020304" pitchFamily="18" charset="0"/>
+                <a:cs typeface="Times New Roman" panose="02020603050405020304" pitchFamily="18" charset="0"/>
+              </a:rPr>
+              <a:t>Преподаватель</a:t>
+            </a:r>
+            <a:r>
+              <a:rPr dirty="0">
+                <a:latin typeface="Times New Roman" panose="02020603050405020304" pitchFamily="18" charset="0"/>
+                <a:cs typeface="Times New Roman" panose="02020603050405020304" pitchFamily="18" charset="0"/>
+              </a:rPr>
+              <a:t> </a:t>
+            </a:r>
+            <a:r>
+              <a:rPr dirty="0" err="1">
+                <a:latin typeface="Times New Roman" panose="02020603050405020304" pitchFamily="18" charset="0"/>
+                <a:cs typeface="Times New Roman" panose="02020603050405020304" pitchFamily="18" charset="0"/>
+              </a:rPr>
+              <a:t>видит</a:t>
+            </a:r>
+            <a:r>
+              <a:rPr dirty="0">
+                <a:latin typeface="Times New Roman" panose="02020603050405020304" pitchFamily="18" charset="0"/>
+                <a:cs typeface="Times New Roman" panose="02020603050405020304" pitchFamily="18" charset="0"/>
+              </a:rPr>
+              <a:t> </a:t>
+            </a:r>
+            <a:r>
+              <a:rPr dirty="0" err="1">
+                <a:latin typeface="Times New Roman" panose="02020603050405020304" pitchFamily="18" charset="0"/>
+                <a:cs typeface="Times New Roman" panose="02020603050405020304" pitchFamily="18" charset="0"/>
+              </a:rPr>
+              <a:t>изменения</a:t>
+            </a:r>
+            <a:r>
+              <a:rPr dirty="0">
+                <a:latin typeface="Times New Roman" panose="02020603050405020304" pitchFamily="18" charset="0"/>
+                <a:cs typeface="Times New Roman" panose="02020603050405020304" pitchFamily="18" charset="0"/>
+              </a:rPr>
+              <a:t> и </a:t>
+            </a:r>
+            <a:r>
+              <a:rPr dirty="0" err="1">
+                <a:latin typeface="Times New Roman" panose="02020603050405020304" pitchFamily="18" charset="0"/>
+                <a:cs typeface="Times New Roman" panose="02020603050405020304" pitchFamily="18" charset="0"/>
+              </a:rPr>
+              <a:t>выставляет</a:t>
+            </a:r>
+            <a:r>
+              <a:rPr dirty="0">
+                <a:latin typeface="Times New Roman" panose="02020603050405020304" pitchFamily="18" charset="0"/>
+                <a:cs typeface="Times New Roman" panose="02020603050405020304" pitchFamily="18" charset="0"/>
+              </a:rPr>
+              <a:t> </a:t>
+            </a:r>
+            <a:r>
+              <a:rPr dirty="0" err="1">
+                <a:latin typeface="Times New Roman" panose="02020603050405020304" pitchFamily="18" charset="0"/>
+                <a:cs typeface="Times New Roman" panose="02020603050405020304" pitchFamily="18" charset="0"/>
+              </a:rPr>
+              <a:t>баллы</a:t>
+            </a:r>
+            <a:endParaRPr dirty="0">
+              <a:latin typeface="Times New Roman" panose="02020603050405020304" pitchFamily="18" charset="0"/>
+              <a:cs typeface="Times New Roman" panose="02020603050405020304" pitchFamily="18" charset="0"/>
+            </a:endParaRPr>
+          </a:p>
+        </p:txBody>
+      </p:sp>
+      <p:sp>
+        <p:nvSpPr>
+          <p:cNvPr id="4" name="Номер слайда 3">
+            <a:extLst>
+              <a:ext uri="{FF2B5EF4-FFF2-40B4-BE49-F238E27FC236}">
+                <a16:creationId xmlns:a16="http://schemas.microsoft.com/office/drawing/2014/main" id="{59A45030-6981-42B5-A94B-FC49045F84DB}"/>
+              </a:ext>
+            </a:extLst>
+          </p:cNvPr>
+          <p:cNvSpPr>
+            <a:spLocks noGrp="1"/>
+          </p:cNvSpPr>
+          <p:nvPr>
+            <p:ph type="sldNum" sz="quarter" idx="12"/>
           </p:nvPr>
         </p:nvSpPr>
         <p:spPr/>
@@ -3268,141 +4200,11 @@
           <a:bodyPr/>
           <a:lstStyle/>
           <a:p>
-            <a:pPr marL="0" indent="0">
-              <a:buNone/>
-            </a:pPr>
-            <a:r>
-              <a:rPr lang="ru-RU" dirty="0"/>
-              <a:t>1. </a:t>
-            </a:r>
-            <a:r>
-              <a:rPr dirty="0"/>
-              <a:t> </a:t>
-            </a:r>
-            <a:r>
-              <a:rPr dirty="0" err="1"/>
-              <a:t>Создать</a:t>
-            </a:r>
-            <a:r>
-              <a:rPr dirty="0"/>
-              <a:t> </a:t>
-            </a:r>
-            <a:r>
-              <a:rPr dirty="0" err="1"/>
-              <a:t>файл</a:t>
-            </a:r>
-            <a:r>
-              <a:rPr dirty="0"/>
-              <a:t> README.md</a:t>
-            </a:r>
-          </a:p>
-          <a:p>
-            <a:pPr marL="0" indent="0">
-              <a:buNone/>
-            </a:pPr>
-            <a:r>
-              <a:rPr lang="ru-RU" dirty="0"/>
-              <a:t>2.</a:t>
-            </a:r>
-            <a:r>
-              <a:rPr dirty="0"/>
-              <a:t> </a:t>
-            </a:r>
-            <a:r>
-              <a:rPr dirty="0" err="1"/>
-              <a:t>Написать</a:t>
-            </a:r>
-            <a:r>
-              <a:rPr dirty="0"/>
-              <a:t>: </a:t>
-            </a:r>
-            <a:r>
-              <a:rPr dirty="0" err="1"/>
-              <a:t>Фамилия</a:t>
-            </a:r>
-            <a:r>
-              <a:rPr dirty="0"/>
-              <a:t> </a:t>
-            </a:r>
-            <a:r>
-              <a:rPr dirty="0" err="1"/>
-              <a:t>Имя</a:t>
-            </a:r>
-            <a:r>
-              <a:rPr dirty="0"/>
-              <a:t>, </a:t>
-            </a:r>
-            <a:r>
-              <a:rPr dirty="0" err="1"/>
-              <a:t>Группа</a:t>
-            </a:r>
-            <a:endParaRPr dirty="0"/>
-          </a:p>
-          <a:p>
-            <a:pPr marL="0" indent="0">
-              <a:buNone/>
-            </a:pPr>
-            <a:r>
-              <a:rPr lang="ru-RU" dirty="0"/>
-              <a:t>3.</a:t>
-            </a:r>
-            <a:r>
-              <a:rPr dirty="0"/>
-              <a:t> </a:t>
-            </a:r>
-            <a:r>
-              <a:rPr dirty="0" err="1"/>
-              <a:t>Сделать</a:t>
-            </a:r>
-            <a:r>
-              <a:rPr dirty="0"/>
-              <a:t> commit и push</a:t>
-            </a:r>
-          </a:p>
-          <a:p>
-            <a:pPr marL="0" indent="0">
-              <a:buNone/>
-            </a:pPr>
-            <a:r>
-              <a:rPr lang="ru-RU" dirty="0"/>
-              <a:t>4.</a:t>
-            </a:r>
-            <a:r>
-              <a:rPr dirty="0"/>
-              <a:t> </a:t>
-            </a:r>
-            <a:r>
-              <a:rPr dirty="0" err="1"/>
-              <a:t>Цель</a:t>
-            </a:r>
-            <a:r>
-              <a:rPr dirty="0"/>
-              <a:t>: </a:t>
-            </a:r>
-            <a:r>
-              <a:rPr dirty="0" err="1"/>
-              <a:t>проверить</a:t>
-            </a:r>
-            <a:r>
-              <a:rPr dirty="0"/>
-              <a:t> </a:t>
-            </a:r>
-            <a:r>
-              <a:rPr dirty="0" err="1"/>
-              <a:t>установку</a:t>
-            </a:r>
-            <a:r>
-              <a:rPr dirty="0"/>
-              <a:t> Git и </a:t>
-            </a:r>
-            <a:r>
-              <a:rPr dirty="0" err="1"/>
-              <a:t>доступ</a:t>
-            </a:r>
-            <a:r>
-              <a:rPr dirty="0"/>
-              <a:t> к GitHub</a:t>
-            </a:r>
+            <a:fld id="{C1FF6DA9-008F-8B48-92A6-B652298478BF}" type="slidenum">
+              <a:rPr lang="en-US" sz="2000" smtClean="0"/>
+              <a:t>10</a:t>
+            </a:fld>
+            <a:endParaRPr lang="en-US" sz="2000" dirty="0"/>
           </a:p>
         </p:txBody>
       </p:sp>
@@ -3431,14 +4233,49 @@
           <a:chExt cx="0" cy="0"/>
         </a:xfrm>
       </p:grpSpPr>
-      <p:sp>
-        <p:nvSpPr>
-          <p:cNvPr id="2" name="Title 1"/>
-          <p:cNvSpPr>
-            <a:spLocks noGrp="1"/>
-          </p:cNvSpPr>
-          <p:nvPr>
-            <p:ph type="title"/>
+      <p:pic>
+        <p:nvPicPr>
+          <p:cNvPr id="8" name="Объект 7">
+            <a:extLst>
+              <a:ext uri="{FF2B5EF4-FFF2-40B4-BE49-F238E27FC236}">
+                <a16:creationId xmlns:a16="http://schemas.microsoft.com/office/drawing/2014/main" id="{2374E6F0-17DA-43A7-BD95-25594F0D7887}"/>
+              </a:ext>
+            </a:extLst>
+          </p:cNvPr>
+          <p:cNvPicPr>
+            <a:picLocks noGrp="1" noChangeAspect="1"/>
+          </p:cNvPicPr>
+          <p:nvPr>
+            <p:ph idx="1"/>
+          </p:nvPr>
+        </p:nvPicPr>
+        <p:blipFill>
+          <a:blip r:embed="rId2"/>
+          <a:stretch>
+            <a:fillRect/>
+          </a:stretch>
+        </p:blipFill>
+        <p:spPr>
+          <a:xfrm>
+            <a:off x="457200" y="2271230"/>
+            <a:ext cx="8229600" cy="1600200"/>
+          </a:xfrm>
+        </p:spPr>
+      </p:pic>
+      <p:sp>
+        <p:nvSpPr>
+          <p:cNvPr id="4" name="Номер слайда 3">
+            <a:extLst>
+              <a:ext uri="{FF2B5EF4-FFF2-40B4-BE49-F238E27FC236}">
+                <a16:creationId xmlns:a16="http://schemas.microsoft.com/office/drawing/2014/main" id="{0F1F2A9F-C953-4059-A5E6-CE2261F7D4D2}"/>
+              </a:ext>
+            </a:extLst>
+          </p:cNvPr>
+          <p:cNvSpPr>
+            <a:spLocks noGrp="1"/>
+          </p:cNvSpPr>
+          <p:nvPr>
+            <p:ph type="sldNum" sz="quarter" idx="12"/>
           </p:nvPr>
         </p:nvSpPr>
         <p:spPr/>
@@ -3446,8 +4283,102 @@
           <a:bodyPr/>
           <a:lstStyle/>
           <a:p>
-            <a:r>
-              <a:t>Завершение</a:t>
+            <a:fld id="{C1FF6DA9-008F-8B48-92A6-B652298478BF}" type="slidenum">
+              <a:rPr lang="en-US" sz="2000" smtClean="0"/>
+              <a:t>11</a:t>
+            </a:fld>
+            <a:endParaRPr lang="en-US" sz="2000" dirty="0"/>
+          </a:p>
+        </p:txBody>
+      </p:sp>
+    </p:spTree>
+    <p:extLst>
+      <p:ext uri="{BB962C8B-B14F-4D97-AF65-F5344CB8AC3E}">
+        <p14:creationId xmlns:p14="http://schemas.microsoft.com/office/powerpoint/2010/main" val="1218013749"/>
+      </p:ext>
+    </p:extLst>
+  </p:cSld>
+  <p:clrMapOvr>
+    <a:masterClrMapping/>
+  </p:clrMapOvr>
+</p:sld>
+</file>
+
+<file path=ppt/slides/slide12.xml><?xml version="1.0" encoding="utf-8"?>
+<p:sld xmlns:a="http://schemas.openxmlformats.org/drawingml/2006/main" xmlns:r="http://schemas.openxmlformats.org/officeDocument/2006/relationships" xmlns:p="http://schemas.openxmlformats.org/presentationml/2006/main">
+  <p:cSld>
+    <p:spTree>
+      <p:nvGrpSpPr>
+        <p:cNvPr id="1" name=""/>
+        <p:cNvGrpSpPr/>
+        <p:nvPr/>
+      </p:nvGrpSpPr>
+      <p:grpSpPr>
+        <a:xfrm>
+          <a:off x="0" y="0"/>
+          <a:ext cx="0" cy="0"/>
+          <a:chOff x="0" y="0"/>
+          <a:chExt cx="0" cy="0"/>
+        </a:xfrm>
+      </p:grpSpPr>
+      <p:sp>
+        <p:nvSpPr>
+          <p:cNvPr id="2" name="Title 1"/>
+          <p:cNvSpPr>
+            <a:spLocks noGrp="1"/>
+          </p:cNvSpPr>
+          <p:nvPr>
+            <p:ph type="title"/>
+          </p:nvPr>
+        </p:nvSpPr>
+        <p:spPr/>
+        <p:txBody>
+          <a:bodyPr>
+            <a:normAutofit/>
+          </a:bodyPr>
+          <a:lstStyle/>
+          <a:p>
+            <a:r>
+              <a:rPr sz="3600" dirty="0" err="1">
+                <a:latin typeface="Times New Roman" panose="02020603050405020304" pitchFamily="18" charset="0"/>
+                <a:cs typeface="Times New Roman" panose="02020603050405020304" pitchFamily="18" charset="0"/>
+              </a:rPr>
+              <a:t>Практическое</a:t>
+            </a:r>
+            <a:r>
+              <a:rPr sz="3600" dirty="0">
+                <a:latin typeface="Times New Roman" panose="02020603050405020304" pitchFamily="18" charset="0"/>
+                <a:cs typeface="Times New Roman" panose="02020603050405020304" pitchFamily="18" charset="0"/>
+              </a:rPr>
+              <a:t> </a:t>
+            </a:r>
+            <a:r>
+              <a:rPr sz="3600" dirty="0" err="1">
+                <a:latin typeface="Times New Roman" panose="02020603050405020304" pitchFamily="18" charset="0"/>
+                <a:cs typeface="Times New Roman" panose="02020603050405020304" pitchFamily="18" charset="0"/>
+              </a:rPr>
+              <a:t>задание</a:t>
+            </a:r>
+            <a:r>
+              <a:rPr sz="3600" dirty="0">
+                <a:latin typeface="Times New Roman" panose="02020603050405020304" pitchFamily="18" charset="0"/>
+                <a:cs typeface="Times New Roman" panose="02020603050405020304" pitchFamily="18" charset="0"/>
+              </a:rPr>
+              <a:t> (</a:t>
+            </a:r>
+            <a:r>
+              <a:rPr sz="3600" dirty="0" err="1">
+                <a:latin typeface="Times New Roman" panose="02020603050405020304" pitchFamily="18" charset="0"/>
+                <a:cs typeface="Times New Roman" panose="02020603050405020304" pitchFamily="18" charset="0"/>
+              </a:rPr>
+              <a:t>Лаба</a:t>
+            </a:r>
+            <a:r>
+              <a:rPr sz="3600" dirty="0">
+                <a:latin typeface="Times New Roman" panose="02020603050405020304" pitchFamily="18" charset="0"/>
+                <a:cs typeface="Times New Roman" panose="02020603050405020304" pitchFamily="18" charset="0"/>
+              </a:rPr>
+              <a:t> 0)</a:t>
             </a:r>
           </a:p>
         </p:txBody>
@@ -3460,6 +4391,255 @@
           </p:cNvSpPr>
           <p:nvPr>
             <p:ph idx="1"/>
+          </p:nvPr>
+        </p:nvSpPr>
+        <p:spPr>
+          <a:xfrm>
+            <a:off x="457200" y="2195516"/>
+            <a:ext cx="8229600" cy="4525963"/>
+          </a:xfrm>
+        </p:spPr>
+        <p:txBody>
+          <a:bodyPr>
+            <a:normAutofit/>
+          </a:bodyPr>
+          <a:lstStyle/>
+          <a:p>
+            <a:pPr marL="0" indent="0">
+              <a:buNone/>
+            </a:pPr>
+            <a:r>
+              <a:rPr lang="ru-RU" sz="2800" dirty="0">
+                <a:latin typeface="Times New Roman" panose="02020603050405020304" pitchFamily="18" charset="0"/>
+                <a:cs typeface="Times New Roman" panose="02020603050405020304" pitchFamily="18" charset="0"/>
+              </a:rPr>
+              <a:t>1. </a:t>
+            </a:r>
+            <a:r>
+              <a:rPr sz="2800" dirty="0" err="1">
+                <a:latin typeface="Times New Roman" panose="02020603050405020304" pitchFamily="18" charset="0"/>
+                <a:cs typeface="Times New Roman" panose="02020603050405020304" pitchFamily="18" charset="0"/>
+              </a:rPr>
+              <a:t>Создать</a:t>
+            </a:r>
+            <a:r>
+              <a:rPr sz="2800" dirty="0">
+                <a:latin typeface="Times New Roman" panose="02020603050405020304" pitchFamily="18" charset="0"/>
+                <a:cs typeface="Times New Roman" panose="02020603050405020304" pitchFamily="18" charset="0"/>
+              </a:rPr>
+              <a:t> </a:t>
+            </a:r>
+            <a:r>
+              <a:rPr sz="2800" dirty="0" err="1">
+                <a:latin typeface="Times New Roman" panose="02020603050405020304" pitchFamily="18" charset="0"/>
+                <a:cs typeface="Times New Roman" panose="02020603050405020304" pitchFamily="18" charset="0"/>
+              </a:rPr>
+              <a:t>файл</a:t>
+            </a:r>
+            <a:r>
+              <a:rPr sz="2800" dirty="0">
+                <a:latin typeface="Times New Roman" panose="02020603050405020304" pitchFamily="18" charset="0"/>
+                <a:cs typeface="Times New Roman" panose="02020603050405020304" pitchFamily="18" charset="0"/>
+              </a:rPr>
+              <a:t> README.md</a:t>
+            </a:r>
+          </a:p>
+          <a:p>
+            <a:pPr marL="0" indent="0">
+              <a:buNone/>
+            </a:pPr>
+            <a:r>
+              <a:rPr lang="ru-RU" sz="2800" dirty="0">
+                <a:latin typeface="Times New Roman" panose="02020603050405020304" pitchFamily="18" charset="0"/>
+                <a:cs typeface="Times New Roman" panose="02020603050405020304" pitchFamily="18" charset="0"/>
+              </a:rPr>
+              <a:t>2.</a:t>
+            </a:r>
+            <a:r>
+              <a:rPr sz="2800" dirty="0">
+                <a:latin typeface="Times New Roman" panose="02020603050405020304" pitchFamily="18" charset="0"/>
+                <a:cs typeface="Times New Roman" panose="02020603050405020304" pitchFamily="18" charset="0"/>
+              </a:rPr>
+              <a:t> </a:t>
+            </a:r>
+            <a:r>
+              <a:rPr sz="2800" dirty="0" err="1">
+                <a:latin typeface="Times New Roman" panose="02020603050405020304" pitchFamily="18" charset="0"/>
+                <a:cs typeface="Times New Roman" panose="02020603050405020304" pitchFamily="18" charset="0"/>
+              </a:rPr>
+              <a:t>Написать</a:t>
+            </a:r>
+            <a:r>
+              <a:rPr sz="2800" dirty="0">
+                <a:latin typeface="Times New Roman" panose="02020603050405020304" pitchFamily="18" charset="0"/>
+                <a:cs typeface="Times New Roman" panose="02020603050405020304" pitchFamily="18" charset="0"/>
+              </a:rPr>
+              <a:t>: </a:t>
+            </a:r>
+            <a:r>
+              <a:rPr sz="2800" dirty="0" err="1">
+                <a:latin typeface="Times New Roman" panose="02020603050405020304" pitchFamily="18" charset="0"/>
+                <a:cs typeface="Times New Roman" panose="02020603050405020304" pitchFamily="18" charset="0"/>
+              </a:rPr>
+              <a:t>Фамилия</a:t>
+            </a:r>
+            <a:r>
+              <a:rPr sz="2800" dirty="0">
+                <a:latin typeface="Times New Roman" panose="02020603050405020304" pitchFamily="18" charset="0"/>
+                <a:cs typeface="Times New Roman" panose="02020603050405020304" pitchFamily="18" charset="0"/>
+              </a:rPr>
+              <a:t> </a:t>
+            </a:r>
+            <a:r>
+              <a:rPr sz="2800" dirty="0" err="1">
+                <a:latin typeface="Times New Roman" panose="02020603050405020304" pitchFamily="18" charset="0"/>
+                <a:cs typeface="Times New Roman" panose="02020603050405020304" pitchFamily="18" charset="0"/>
+              </a:rPr>
+              <a:t>Имя</a:t>
+            </a:r>
+            <a:r>
+              <a:rPr sz="2800" dirty="0">
+                <a:latin typeface="Times New Roman" panose="02020603050405020304" pitchFamily="18" charset="0"/>
+                <a:cs typeface="Times New Roman" panose="02020603050405020304" pitchFamily="18" charset="0"/>
+              </a:rPr>
+              <a:t>, </a:t>
+            </a:r>
+            <a:r>
+              <a:rPr sz="2800" dirty="0" err="1">
+                <a:latin typeface="Times New Roman" panose="02020603050405020304" pitchFamily="18" charset="0"/>
+                <a:cs typeface="Times New Roman" panose="02020603050405020304" pitchFamily="18" charset="0"/>
+              </a:rPr>
+              <a:t>Группа</a:t>
+            </a:r>
+            <a:endParaRPr sz="2800" dirty="0">
+              <a:latin typeface="Times New Roman" panose="02020603050405020304" pitchFamily="18" charset="0"/>
+              <a:cs typeface="Times New Roman" panose="02020603050405020304" pitchFamily="18" charset="0"/>
+            </a:endParaRPr>
+          </a:p>
+          <a:p>
+            <a:pPr marL="0" indent="0">
+              <a:buNone/>
+            </a:pPr>
+            <a:r>
+              <a:rPr lang="ru-RU" sz="2800" dirty="0">
+                <a:latin typeface="Times New Roman" panose="02020603050405020304" pitchFamily="18" charset="0"/>
+                <a:cs typeface="Times New Roman" panose="02020603050405020304" pitchFamily="18" charset="0"/>
+              </a:rPr>
+              <a:t>3.</a:t>
+            </a:r>
+            <a:r>
+              <a:rPr sz="2800" dirty="0">
+                <a:latin typeface="Times New Roman" panose="02020603050405020304" pitchFamily="18" charset="0"/>
+                <a:cs typeface="Times New Roman" panose="02020603050405020304" pitchFamily="18" charset="0"/>
+              </a:rPr>
+              <a:t> </a:t>
+            </a:r>
+            <a:r>
+              <a:rPr sz="2800" dirty="0" err="1">
+                <a:latin typeface="Times New Roman" panose="02020603050405020304" pitchFamily="18" charset="0"/>
+                <a:cs typeface="Times New Roman" panose="02020603050405020304" pitchFamily="18" charset="0"/>
+              </a:rPr>
+              <a:t>Сделать</a:t>
+            </a:r>
+            <a:r>
+              <a:rPr sz="2800" dirty="0">
+                <a:latin typeface="Times New Roman" panose="02020603050405020304" pitchFamily="18" charset="0"/>
+                <a:cs typeface="Times New Roman" panose="02020603050405020304" pitchFamily="18" charset="0"/>
+              </a:rPr>
+              <a:t> commit и push</a:t>
+            </a:r>
+          </a:p>
+          <a:p>
+            <a:pPr marL="0" indent="0">
+              <a:buNone/>
+            </a:pPr>
+            <a:r>
+              <a:rPr lang="ru-RU" sz="2800" dirty="0">
+                <a:latin typeface="Times New Roman" panose="02020603050405020304" pitchFamily="18" charset="0"/>
+                <a:cs typeface="Times New Roman" panose="02020603050405020304" pitchFamily="18" charset="0"/>
+              </a:rPr>
+              <a:t>4.</a:t>
+            </a:r>
+            <a:r>
+              <a:rPr sz="2800" dirty="0">
+                <a:latin typeface="Times New Roman" panose="02020603050405020304" pitchFamily="18" charset="0"/>
+                <a:cs typeface="Times New Roman" panose="02020603050405020304" pitchFamily="18" charset="0"/>
+              </a:rPr>
+              <a:t> </a:t>
+            </a:r>
+            <a:r>
+              <a:rPr sz="2800" dirty="0" err="1">
+                <a:latin typeface="Times New Roman" panose="02020603050405020304" pitchFamily="18" charset="0"/>
+                <a:cs typeface="Times New Roman" panose="02020603050405020304" pitchFamily="18" charset="0"/>
+              </a:rPr>
+              <a:t>Цель</a:t>
+            </a:r>
+            <a:r>
+              <a:rPr sz="2800" dirty="0">
+                <a:latin typeface="Times New Roman" panose="02020603050405020304" pitchFamily="18" charset="0"/>
+                <a:cs typeface="Times New Roman" panose="02020603050405020304" pitchFamily="18" charset="0"/>
+              </a:rPr>
+              <a:t>: </a:t>
+            </a:r>
+            <a:r>
+              <a:rPr sz="2800" dirty="0" err="1">
+                <a:latin typeface="Times New Roman" panose="02020603050405020304" pitchFamily="18" charset="0"/>
+                <a:cs typeface="Times New Roman" panose="02020603050405020304" pitchFamily="18" charset="0"/>
+              </a:rPr>
+              <a:t>проверить</a:t>
+            </a:r>
+            <a:r>
+              <a:rPr sz="2800" dirty="0">
+                <a:latin typeface="Times New Roman" panose="02020603050405020304" pitchFamily="18" charset="0"/>
+                <a:cs typeface="Times New Roman" panose="02020603050405020304" pitchFamily="18" charset="0"/>
+              </a:rPr>
+              <a:t> </a:t>
+            </a:r>
+            <a:r>
+              <a:rPr sz="2800" dirty="0" err="1">
+                <a:latin typeface="Times New Roman" panose="02020603050405020304" pitchFamily="18" charset="0"/>
+                <a:cs typeface="Times New Roman" panose="02020603050405020304" pitchFamily="18" charset="0"/>
+              </a:rPr>
+              <a:t>установку</a:t>
+            </a:r>
+            <a:r>
+              <a:rPr sz="2800" dirty="0">
+                <a:latin typeface="Times New Roman" panose="02020603050405020304" pitchFamily="18" charset="0"/>
+                <a:cs typeface="Times New Roman" panose="02020603050405020304" pitchFamily="18" charset="0"/>
+              </a:rPr>
+              <a:t> Git и </a:t>
+            </a:r>
+            <a:r>
+              <a:rPr sz="2800" dirty="0" err="1">
+                <a:latin typeface="Times New Roman" panose="02020603050405020304" pitchFamily="18" charset="0"/>
+                <a:cs typeface="Times New Roman" panose="02020603050405020304" pitchFamily="18" charset="0"/>
+              </a:rPr>
+              <a:t>доступ</a:t>
+            </a:r>
+            <a:r>
+              <a:rPr sz="2800" dirty="0">
+                <a:latin typeface="Times New Roman" panose="02020603050405020304" pitchFamily="18" charset="0"/>
+                <a:cs typeface="Times New Roman" panose="02020603050405020304" pitchFamily="18" charset="0"/>
+              </a:rPr>
+              <a:t> к GitHub</a:t>
+            </a:r>
+          </a:p>
+        </p:txBody>
+      </p:sp>
+      <p:sp>
+        <p:nvSpPr>
+          <p:cNvPr id="4" name="Номер слайда 3">
+            <a:extLst>
+              <a:ext uri="{FF2B5EF4-FFF2-40B4-BE49-F238E27FC236}">
+                <a16:creationId xmlns:a16="http://schemas.microsoft.com/office/drawing/2014/main" id="{85D6E2C6-2682-4A31-A8CA-F271CF5F985A}"/>
+              </a:ext>
+            </a:extLst>
+          </p:cNvPr>
+          <p:cNvSpPr>
+            <a:spLocks noGrp="1"/>
+          </p:cNvSpPr>
+          <p:nvPr>
+            <p:ph type="sldNum" sz="quarter" idx="12"/>
           </p:nvPr>
         </p:nvSpPr>
         <p:spPr/>
@@ -3467,178 +4647,11 @@
           <a:bodyPr/>
           <a:lstStyle/>
           <a:p>
-            <a:pPr marL="0" indent="0">
-              <a:buNone/>
-            </a:pPr>
-            <a:r>
-              <a:rPr dirty="0" err="1"/>
-              <a:t>Все</a:t>
-            </a:r>
-            <a:r>
-              <a:rPr dirty="0"/>
-              <a:t> </a:t>
-            </a:r>
-            <a:r>
-              <a:rPr dirty="0" err="1"/>
-              <a:t>работы</a:t>
-            </a:r>
-            <a:r>
-              <a:rPr dirty="0"/>
-              <a:t> </a:t>
-            </a:r>
-            <a:r>
-              <a:rPr dirty="0" err="1"/>
-              <a:t>выполняются</a:t>
-            </a:r>
-            <a:r>
-              <a:rPr dirty="0"/>
-              <a:t> </a:t>
-            </a:r>
-            <a:r>
-              <a:rPr dirty="0" err="1"/>
-              <a:t>через</a:t>
-            </a:r>
-            <a:r>
-              <a:rPr dirty="0"/>
-              <a:t> GitHub Classroom</a:t>
-            </a:r>
-          </a:p>
-          <a:p>
-            <a:pPr marL="0" indent="0">
-              <a:buNone/>
-            </a:pPr>
-            <a:r>
-              <a:rPr dirty="0" err="1"/>
-              <a:t>Вопросы</a:t>
-            </a:r>
-            <a:r>
-              <a:rPr dirty="0"/>
-              <a:t> – </a:t>
-            </a:r>
-            <a:r>
-              <a:rPr dirty="0" err="1"/>
-              <a:t>только</a:t>
-            </a:r>
-            <a:r>
-              <a:rPr dirty="0"/>
-              <a:t> </a:t>
-            </a:r>
-            <a:r>
-              <a:rPr dirty="0" err="1"/>
-              <a:t>через</a:t>
-            </a:r>
-            <a:r>
-              <a:rPr dirty="0"/>
-              <a:t> </a:t>
-            </a:r>
-            <a:r>
-              <a:rPr dirty="0" err="1"/>
-              <a:t>старост</a:t>
-            </a:r>
-            <a:r>
-              <a:rPr dirty="0"/>
-              <a:t> </a:t>
-            </a:r>
-            <a:r>
-              <a:rPr dirty="0" err="1"/>
-              <a:t>или</a:t>
-            </a:r>
-            <a:r>
-              <a:rPr dirty="0"/>
-              <a:t> в </a:t>
-            </a:r>
-            <a:r>
-              <a:rPr dirty="0" err="1"/>
-              <a:t>общий</a:t>
-            </a:r>
-            <a:r>
-              <a:rPr dirty="0"/>
-              <a:t> </a:t>
-            </a:r>
-            <a:r>
-              <a:rPr dirty="0" err="1"/>
-              <a:t>канал</a:t>
-            </a:r>
-            <a:endParaRPr dirty="0"/>
-          </a:p>
-          <a:p>
-            <a:pPr marL="0" indent="0">
-              <a:buNone/>
-            </a:pPr>
-            <a:r>
-              <a:rPr dirty="0" err="1"/>
-              <a:t>Лабораторные</a:t>
-            </a:r>
-            <a:r>
-              <a:rPr dirty="0"/>
-              <a:t> </a:t>
-            </a:r>
-            <a:r>
-              <a:rPr dirty="0" err="1"/>
-              <a:t>выполняются</a:t>
-            </a:r>
-            <a:r>
-              <a:rPr dirty="0"/>
-              <a:t> </a:t>
-            </a:r>
-            <a:r>
-              <a:rPr dirty="0" err="1"/>
-              <a:t>по</a:t>
-            </a:r>
-            <a:r>
-              <a:rPr dirty="0"/>
-              <a:t> </a:t>
-            </a:r>
-            <a:r>
-              <a:rPr dirty="0" err="1"/>
-              <a:t>установленному</a:t>
-            </a:r>
-            <a:r>
-              <a:rPr dirty="0"/>
-              <a:t> </a:t>
-            </a:r>
-            <a:r>
-              <a:rPr dirty="0" err="1"/>
-              <a:t>формату</a:t>
-            </a:r>
-            <a:endParaRPr dirty="0"/>
-          </a:p>
-          <a:p>
-            <a:pPr marL="0" indent="0">
-              <a:buNone/>
-            </a:pPr>
-            <a:r>
-              <a:rPr dirty="0" err="1"/>
-              <a:t>Следующая</a:t>
-            </a:r>
-            <a:r>
-              <a:rPr dirty="0"/>
-              <a:t> </a:t>
-            </a:r>
-            <a:r>
-              <a:rPr dirty="0" err="1"/>
-              <a:t>лекция</a:t>
-            </a:r>
-            <a:r>
-              <a:rPr dirty="0"/>
-              <a:t>: </a:t>
-            </a:r>
-            <a:r>
-              <a:rPr dirty="0" err="1"/>
-              <a:t>основы</a:t>
-            </a:r>
-            <a:r>
-              <a:rPr dirty="0"/>
-              <a:t> </a:t>
-            </a:r>
-            <a:r>
-              <a:rPr dirty="0" err="1"/>
-              <a:t>команд</a:t>
-            </a:r>
-            <a:r>
-              <a:rPr dirty="0"/>
-              <a:t> Git</a:t>
-            </a:r>
+            <a:fld id="{C1FF6DA9-008F-8B48-92A6-B652298478BF}" type="slidenum">
+              <a:rPr lang="en-US" sz="2000" smtClean="0"/>
+              <a:t>12</a:t>
+            </a:fld>
+            <a:endParaRPr lang="en-US" sz="2000" dirty="0"/>
           </a:p>
         </p:txBody>
       </p:sp>
@@ -3685,7 +4698,10 @@
           <a:lstStyle/>
           <a:p>
             <a:r>
-              <a:rPr lang="ru-RU" sz="3200" dirty="0"/>
+              <a:rPr lang="ru-RU" sz="3200" dirty="0">
+                <a:latin typeface="Times New Roman" panose="02020603050405020304" pitchFamily="18" charset="0"/>
+                <a:cs typeface="Times New Roman" panose="02020603050405020304" pitchFamily="18" charset="0"/>
+              </a:rPr>
               <a:t>Цель дисциплины «Инженерно-техническая поддержка и сопровождение ИС» </a:t>
             </a:r>
           </a:p>
@@ -3703,7 +4719,7 @@
         </p:nvSpPr>
         <p:spPr>
           <a:xfrm>
-            <a:off x="457200" y="1819373"/>
+            <a:off x="457200" y="1839818"/>
             <a:ext cx="8229600" cy="4525963"/>
           </a:xfrm>
         </p:spPr>
@@ -3717,10 +4733,45 @@
               <a:buNone/>
             </a:pPr>
             <a:r>
-              <a:rPr lang="ru-RU" dirty="0"/>
+              <a:rPr lang="ru-RU" dirty="0">
+                <a:latin typeface="Times New Roman" panose="02020603050405020304" pitchFamily="18" charset="0"/>
+                <a:cs typeface="Times New Roman" panose="02020603050405020304" pitchFamily="18" charset="0"/>
+              </a:rPr>
               <a:t>Формирование знаний и практических навыков, необходимых для установки, настройки, эксплуатации и сопровождения информационных систем, включая администрирование аппаратных и программных ресурсов, диагностику и устранение неисправностей, а также документирование выполненных работ</a:t>
             </a:r>
-            <a:endParaRPr dirty="0"/>
+            <a:endParaRPr dirty="0">
+              <a:latin typeface="Times New Roman" panose="02020603050405020304" pitchFamily="18" charset="0"/>
+              <a:cs typeface="Times New Roman" panose="02020603050405020304" pitchFamily="18" charset="0"/>
+            </a:endParaRPr>
+          </a:p>
+        </p:txBody>
+      </p:sp>
+      <p:sp>
+        <p:nvSpPr>
+          <p:cNvPr id="4" name="Номер слайда 3">
+            <a:extLst>
+              <a:ext uri="{FF2B5EF4-FFF2-40B4-BE49-F238E27FC236}">
+                <a16:creationId xmlns:a16="http://schemas.microsoft.com/office/drawing/2014/main" id="{A8F2A1B5-E71E-4660-97E8-362F631A6BAA}"/>
+              </a:ext>
+            </a:extLst>
+          </p:cNvPr>
+          <p:cNvSpPr>
+            <a:spLocks noGrp="1"/>
+          </p:cNvSpPr>
+          <p:nvPr>
+            <p:ph type="sldNum" sz="quarter" idx="12"/>
+          </p:nvPr>
+        </p:nvSpPr>
+        <p:spPr/>
+        <p:txBody>
+          <a:bodyPr/>
+          <a:lstStyle/>
+          <a:p>
+            <a:fld id="{C1FF6DA9-008F-8B48-92A6-B652298478BF}" type="slidenum">
+              <a:rPr lang="en-US" sz="2000" smtClean="0"/>
+              <a:t>2</a:t>
+            </a:fld>
+            <a:endParaRPr lang="en-US" sz="2000" dirty="0"/>
           </a:p>
         </p:txBody>
       </p:sp>
@@ -3751,18 +4802,18 @@
       </p:grpSpPr>
       <p:sp>
         <p:nvSpPr>
-          <p:cNvPr id="2" name="Title 1"/>
-          <p:cNvSpPr>
-            <a:spLocks noGrp="1"/>
-          </p:cNvSpPr>
-          <p:nvPr>
-            <p:ph type="title"/>
+          <p:cNvPr id="3" name="Content Placeholder 2"/>
+          <p:cNvSpPr>
+            <a:spLocks noGrp="1"/>
+          </p:cNvSpPr>
+          <p:nvPr>
+            <p:ph idx="1"/>
           </p:nvPr>
         </p:nvSpPr>
         <p:spPr>
           <a:xfrm>
-            <a:off x="4445143" y="76674"/>
-            <a:ext cx="4482445" cy="1921807"/>
+            <a:off x="160261" y="794044"/>
+            <a:ext cx="4015817" cy="6063956"/>
           </a:xfrm>
         </p:spPr>
         <p:txBody>
@@ -3771,223 +4822,136 @@
           </a:bodyPr>
           <a:lstStyle/>
           <a:p>
-            <a:r>
-              <a:rPr dirty="0" err="1"/>
-              <a:t>Правила</a:t>
-            </a:r>
-            <a:r>
-              <a:rPr dirty="0"/>
-              <a:t> </a:t>
-            </a:r>
-            <a:r>
-              <a:rPr dirty="0" err="1"/>
-              <a:t>коммуникации</a:t>
-            </a:r>
-            <a:endParaRPr dirty="0"/>
-          </a:p>
-        </p:txBody>
-      </p:sp>
-      <p:sp>
-        <p:nvSpPr>
-          <p:cNvPr id="3" name="Content Placeholder 2"/>
-          <p:cNvSpPr>
-            <a:spLocks noGrp="1"/>
-          </p:cNvSpPr>
-          <p:nvPr>
-            <p:ph idx="1"/>
-          </p:nvPr>
-        </p:nvSpPr>
-        <p:spPr>
-          <a:xfrm>
-            <a:off x="160257" y="1497783"/>
-            <a:ext cx="4788816" cy="4751110"/>
-          </a:xfrm>
-        </p:spPr>
-        <p:txBody>
-          <a:bodyPr>
-            <a:normAutofit/>
-          </a:bodyPr>
+            <a:pPr marL="0" indent="0">
+              <a:buNone/>
+            </a:pPr>
+            <a:r>
+              <a:rPr lang="ru-RU" b="1" dirty="0">
+                <a:solidFill>
+                  <a:srgbClr val="FF0000"/>
+                </a:solidFill>
+                <a:latin typeface="Times New Roman" panose="02020603050405020304" pitchFamily="18" charset="0"/>
+                <a:cs typeface="Times New Roman" panose="02020603050405020304" pitchFamily="18" charset="0"/>
+              </a:rPr>
+              <a:t>!</a:t>
+            </a:r>
+            <a:r>
+              <a:rPr lang="ru-RU" sz="2800" dirty="0">
+                <a:latin typeface="Times New Roman" panose="02020603050405020304" pitchFamily="18" charset="0"/>
+                <a:cs typeface="Times New Roman" panose="02020603050405020304" pitchFamily="18" charset="0"/>
+              </a:rPr>
+              <a:t> Отметиться могут пользователи авторизованные в личном кабинете </a:t>
+            </a:r>
+            <a:br>
+              <a:rPr lang="ru-RU" sz="2800" dirty="0">
+                <a:latin typeface="Times New Roman" panose="02020603050405020304" pitchFamily="18" charset="0"/>
+                <a:cs typeface="Times New Roman" panose="02020603050405020304" pitchFamily="18" charset="0"/>
+              </a:rPr>
+            </a:br>
+            <a:br>
+              <a:rPr lang="ru-RU" sz="2800" dirty="0">
+                <a:latin typeface="Times New Roman" panose="02020603050405020304" pitchFamily="18" charset="0"/>
+                <a:cs typeface="Times New Roman" panose="02020603050405020304" pitchFamily="18" charset="0"/>
+              </a:rPr>
+            </a:br>
+            <a:r>
+              <a:rPr lang="ru-RU" sz="2800" dirty="0">
+                <a:latin typeface="Times New Roman" panose="02020603050405020304" pitchFamily="18" charset="0"/>
+                <a:cs typeface="Times New Roman" panose="02020603050405020304" pitchFamily="18" charset="0"/>
+              </a:rPr>
+              <a:t>Шифр: </a:t>
+            </a:r>
+            <a:r>
+              <a:rPr lang="en-US" sz="2800" dirty="0">
+                <a:latin typeface="Times New Roman" panose="02020603050405020304" pitchFamily="18" charset="0"/>
+                <a:cs typeface="Times New Roman" panose="02020603050405020304" pitchFamily="18" charset="0"/>
+              </a:rPr>
+              <a:t>pibo0122356</a:t>
+            </a:r>
+            <a:br>
+              <a:rPr lang="en-US" sz="2800" dirty="0">
+                <a:latin typeface="Times New Roman" panose="02020603050405020304" pitchFamily="18" charset="0"/>
+                <a:cs typeface="Times New Roman" panose="02020603050405020304" pitchFamily="18" charset="0"/>
+              </a:rPr>
+            </a:br>
+            <a:r>
+              <a:rPr lang="ru-RU" sz="2800" dirty="0">
+                <a:latin typeface="Times New Roman" panose="02020603050405020304" pitchFamily="18" charset="0"/>
+                <a:cs typeface="Times New Roman" panose="02020603050405020304" pitchFamily="18" charset="0"/>
+              </a:rPr>
+              <a:t>Пароль: ****</a:t>
+            </a:r>
+            <a:br>
+              <a:rPr lang="ru-RU" sz="2800" dirty="0">
+                <a:latin typeface="Times New Roman" panose="02020603050405020304" pitchFamily="18" charset="0"/>
+                <a:cs typeface="Times New Roman" panose="02020603050405020304" pitchFamily="18" charset="0"/>
+              </a:rPr>
+            </a:br>
+            <a:br>
+              <a:rPr lang="ru-RU" sz="2800" dirty="0">
+                <a:latin typeface="Times New Roman" panose="02020603050405020304" pitchFamily="18" charset="0"/>
+                <a:cs typeface="Times New Roman" panose="02020603050405020304" pitchFamily="18" charset="0"/>
+              </a:rPr>
+            </a:br>
+            <a:r>
+              <a:rPr lang="ru-RU" sz="2800" dirty="0">
+                <a:latin typeface="Times New Roman" panose="02020603050405020304" pitchFamily="18" charset="0"/>
+                <a:cs typeface="Times New Roman" panose="02020603050405020304" pitchFamily="18" charset="0"/>
+              </a:rPr>
+              <a:t>В начале лекции в течении 15 минут, потом </a:t>
+            </a:r>
+            <a:r>
+              <a:rPr lang="en-US" sz="2800" dirty="0">
+                <a:latin typeface="Times New Roman" panose="02020603050405020304" pitchFamily="18" charset="0"/>
+                <a:cs typeface="Times New Roman" panose="02020603050405020304" pitchFamily="18" charset="0"/>
+              </a:rPr>
+              <a:t>QR </a:t>
+            </a:r>
+            <a:r>
+              <a:rPr lang="ru-RU" sz="2800" dirty="0">
+                <a:latin typeface="Times New Roman" panose="02020603050405020304" pitchFamily="18" charset="0"/>
+                <a:cs typeface="Times New Roman" panose="02020603050405020304" pitchFamily="18" charset="0"/>
+              </a:rPr>
+              <a:t>не доступен </a:t>
+            </a:r>
+          </a:p>
+        </p:txBody>
+      </p:sp>
+      <p:sp>
+        <p:nvSpPr>
+          <p:cNvPr id="4" name="Номер слайда 3">
+            <a:extLst>
+              <a:ext uri="{FF2B5EF4-FFF2-40B4-BE49-F238E27FC236}">
+                <a16:creationId xmlns:a16="http://schemas.microsoft.com/office/drawing/2014/main" id="{7D652ADA-0FA5-482C-81EB-3E4FB8443F7F}"/>
+              </a:ext>
+            </a:extLst>
+          </p:cNvPr>
+          <p:cNvSpPr>
+            <a:spLocks noGrp="1"/>
+          </p:cNvSpPr>
+          <p:nvPr>
+            <p:ph type="sldNum" sz="quarter" idx="12"/>
+          </p:nvPr>
+        </p:nvSpPr>
+        <p:spPr/>
+        <p:txBody>
+          <a:bodyPr/>
           <a:lstStyle/>
           <a:p>
-            <a:pPr marL="0" indent="0">
-              <a:buNone/>
-            </a:pPr>
-            <a:r>
-              <a:rPr sz="2800" dirty="0" err="1"/>
-              <a:t>Основная</a:t>
-            </a:r>
-            <a:r>
-              <a:rPr sz="2800" dirty="0"/>
-              <a:t> </a:t>
-            </a:r>
-            <a:r>
-              <a:rPr sz="2800" dirty="0" err="1"/>
-              <a:t>связь</a:t>
-            </a:r>
-            <a:r>
-              <a:rPr sz="2800" dirty="0"/>
-              <a:t> –</a:t>
-            </a:r>
-            <a:r>
-              <a:rPr lang="ru-RU" sz="2800" dirty="0"/>
-              <a:t> </a:t>
-            </a:r>
-            <a:r>
-              <a:rPr sz="2800" dirty="0" err="1"/>
-              <a:t>общий</a:t>
-            </a:r>
-            <a:r>
-              <a:rPr sz="2800" dirty="0"/>
-              <a:t> Telegram-</a:t>
-            </a:r>
-            <a:r>
-              <a:rPr sz="2800" dirty="0" err="1"/>
-              <a:t>канал</a:t>
-            </a:r>
-            <a:endParaRPr sz="2800" dirty="0"/>
-          </a:p>
-          <a:p>
-            <a:pPr marL="0" indent="0">
-              <a:buNone/>
-            </a:pPr>
-            <a:r>
-              <a:rPr sz="2800" dirty="0" err="1"/>
-              <a:t>Личных</a:t>
-            </a:r>
-            <a:r>
-              <a:rPr sz="2800" dirty="0"/>
-              <a:t> </a:t>
-            </a:r>
-            <a:r>
-              <a:rPr sz="2800" dirty="0" err="1"/>
-              <a:t>сообщений</a:t>
-            </a:r>
-            <a:r>
-              <a:rPr sz="2800" dirty="0"/>
-              <a:t> </a:t>
-            </a:r>
-            <a:r>
-              <a:rPr sz="2800" dirty="0" err="1"/>
-              <a:t>преподавателю</a:t>
-            </a:r>
-            <a:r>
-              <a:rPr sz="2800" dirty="0"/>
-              <a:t> – </a:t>
-            </a:r>
-            <a:r>
-              <a:rPr sz="2800" dirty="0" err="1"/>
-              <a:t>нет</a:t>
-            </a:r>
-            <a:endParaRPr sz="2800" dirty="0"/>
-          </a:p>
-          <a:p>
-            <a:pPr marL="0" indent="0">
-              <a:buNone/>
-            </a:pPr>
-            <a:r>
-              <a:rPr sz="2800" dirty="0" err="1"/>
-              <a:t>Все</a:t>
-            </a:r>
-            <a:r>
-              <a:rPr sz="2800" dirty="0"/>
-              <a:t> </a:t>
-            </a:r>
-            <a:r>
-              <a:rPr sz="2800" dirty="0" err="1"/>
-              <a:t>вопросы</a:t>
-            </a:r>
-            <a:r>
-              <a:rPr sz="2800" dirty="0"/>
-              <a:t> </a:t>
-            </a:r>
-            <a:r>
-              <a:rPr sz="2800" dirty="0" err="1"/>
-              <a:t>задаются</a:t>
-            </a:r>
-            <a:r>
-              <a:rPr sz="2800" dirty="0"/>
-              <a:t> </a:t>
-            </a:r>
-            <a:r>
-              <a:rPr sz="2800" dirty="0" err="1"/>
-              <a:t>структурированно</a:t>
-            </a:r>
-            <a:r>
-              <a:rPr sz="2800" dirty="0"/>
-              <a:t>, </a:t>
-            </a:r>
-            <a:r>
-              <a:rPr sz="2800" dirty="0" err="1"/>
-              <a:t>чтобы</a:t>
-            </a:r>
-            <a:r>
-              <a:rPr sz="2800" dirty="0"/>
-              <a:t> </a:t>
-            </a:r>
-            <a:r>
-              <a:rPr sz="2800" dirty="0" err="1"/>
-              <a:t>не</a:t>
-            </a:r>
-            <a:r>
-              <a:rPr sz="2800" dirty="0"/>
-              <a:t> </a:t>
-            </a:r>
-            <a:r>
-              <a:rPr sz="2800" dirty="0" err="1"/>
-              <a:t>было</a:t>
-            </a:r>
-            <a:r>
-              <a:rPr sz="2800" dirty="0"/>
-              <a:t> </a:t>
-            </a:r>
-            <a:r>
-              <a:rPr sz="2800" dirty="0" err="1"/>
-              <a:t>хаоса</a:t>
-            </a:r>
-            <a:endParaRPr sz="2800" dirty="0"/>
-          </a:p>
-          <a:p>
-            <a:pPr marL="0" indent="0">
-              <a:buNone/>
-            </a:pPr>
-            <a:r>
-              <a:rPr sz="2800" dirty="0" err="1"/>
-              <a:t>Весь</a:t>
-            </a:r>
-            <a:r>
-              <a:rPr sz="2800" dirty="0"/>
-              <a:t> </a:t>
-            </a:r>
-            <a:r>
-              <a:rPr sz="2800" dirty="0" err="1"/>
-              <a:t>учебный</a:t>
-            </a:r>
-            <a:r>
-              <a:rPr sz="2800" dirty="0"/>
-              <a:t> </a:t>
-            </a:r>
-            <a:r>
-              <a:rPr sz="2800" dirty="0" err="1"/>
-              <a:t>процесс</a:t>
-            </a:r>
-            <a:r>
-              <a:rPr sz="2800" dirty="0"/>
-              <a:t> </a:t>
-            </a:r>
-            <a:r>
-              <a:rPr sz="2800" dirty="0" err="1"/>
-              <a:t>формализован</a:t>
-            </a:r>
-            <a:endParaRPr sz="2800" dirty="0"/>
+            <a:fld id="{C1FF6DA9-008F-8B48-92A6-B652298478BF}" type="slidenum">
+              <a:rPr lang="en-US" sz="2000" smtClean="0"/>
+              <a:t>3</a:t>
+            </a:fld>
+            <a:endParaRPr lang="en-US" sz="2000" dirty="0"/>
           </a:p>
         </p:txBody>
       </p:sp>
       <p:pic>
         <p:nvPicPr>
-          <p:cNvPr id="9" name="Рисунок 8">
+          <p:cNvPr id="8" name="Рисунок 7">
             <a:extLst>
               <a:ext uri="{FF2B5EF4-FFF2-40B4-BE49-F238E27FC236}">
-                <a16:creationId xmlns:a16="http://schemas.microsoft.com/office/drawing/2014/main" id="{45C87589-77D1-4FFA-9FF2-B0E2D26E448D}"/>
+                <a16:creationId xmlns:a16="http://schemas.microsoft.com/office/drawing/2014/main" id="{DD3431BD-E817-49E1-AEF5-25271E1B7538}"/>
               </a:ext>
             </a:extLst>
           </p:cNvPr>
@@ -4004,8 +4968,8 @@
         </p:blipFill>
         <p:spPr>
           <a:xfrm>
-            <a:off x="5206559" y="1998481"/>
-            <a:ext cx="2959611" cy="3521562"/>
+            <a:off x="4176078" y="805832"/>
+            <a:ext cx="4659983" cy="4659983"/>
           </a:xfrm>
           <a:prstGeom prst="rect">
             <a:avLst/>
@@ -4013,6 +4977,11 @@
         </p:spPr>
       </p:pic>
     </p:spTree>
+    <p:extLst>
+      <p:ext uri="{BB962C8B-B14F-4D97-AF65-F5344CB8AC3E}">
+        <p14:creationId xmlns:p14="http://schemas.microsoft.com/office/powerpoint/2010/main" val="2755838531"/>
+      </p:ext>
+    </p:extLst>
   </p:cSld>
   <p:clrMapOvr>
     <a:masterClrMapping/>
@@ -4047,190 +5016,406 @@
             <p:ph type="title"/>
           </p:nvPr>
         </p:nvSpPr>
+        <p:spPr>
+          <a:xfrm>
+            <a:off x="4445147" y="76678"/>
+            <a:ext cx="4482445" cy="1921807"/>
+          </a:xfrm>
+        </p:spPr>
+        <p:txBody>
+          <a:bodyPr>
+            <a:normAutofit/>
+          </a:bodyPr>
+          <a:lstStyle/>
+          <a:p>
+            <a:r>
+              <a:rPr sz="3600" dirty="0">
+                <a:latin typeface="Times New Roman" panose="02020603050405020304" pitchFamily="18" charset="0"/>
+                <a:cs typeface="Times New Roman" panose="02020603050405020304" pitchFamily="18" charset="0"/>
+              </a:rPr>
+              <a:t>Правила </a:t>
+            </a:r>
+            <a:r>
+              <a:rPr sz="3600" dirty="0" err="1">
+                <a:latin typeface="Times New Roman" panose="02020603050405020304" pitchFamily="18" charset="0"/>
+                <a:cs typeface="Times New Roman" panose="02020603050405020304" pitchFamily="18" charset="0"/>
+              </a:rPr>
+              <a:t>коммуникации</a:t>
+            </a:r>
+            <a:endParaRPr sz="3600" dirty="0">
+              <a:latin typeface="Times New Roman" panose="02020603050405020304" pitchFamily="18" charset="0"/>
+              <a:cs typeface="Times New Roman" panose="02020603050405020304" pitchFamily="18" charset="0"/>
+            </a:endParaRPr>
+          </a:p>
+        </p:txBody>
+      </p:sp>
+      <p:sp>
+        <p:nvSpPr>
+          <p:cNvPr id="3" name="Content Placeholder 2"/>
+          <p:cNvSpPr>
+            <a:spLocks noGrp="1"/>
+          </p:cNvSpPr>
+          <p:nvPr>
+            <p:ph idx="1"/>
+          </p:nvPr>
+        </p:nvSpPr>
+        <p:spPr>
+          <a:xfrm>
+            <a:off x="94269" y="1858418"/>
+            <a:ext cx="4788816" cy="4751110"/>
+          </a:xfrm>
+        </p:spPr>
+        <p:txBody>
+          <a:bodyPr>
+            <a:normAutofit/>
+          </a:bodyPr>
+          <a:lstStyle/>
+          <a:p>
+            <a:pPr marL="0" indent="0">
+              <a:buNone/>
+            </a:pPr>
+            <a:r>
+              <a:rPr sz="2800" dirty="0" err="1">
+                <a:latin typeface="Times New Roman" panose="02020603050405020304" pitchFamily="18" charset="0"/>
+                <a:cs typeface="Times New Roman" panose="02020603050405020304" pitchFamily="18" charset="0"/>
+              </a:rPr>
+              <a:t>Основная</a:t>
+            </a:r>
+            <a:r>
+              <a:rPr sz="2800" dirty="0">
+                <a:latin typeface="Times New Roman" panose="02020603050405020304" pitchFamily="18" charset="0"/>
+                <a:cs typeface="Times New Roman" panose="02020603050405020304" pitchFamily="18" charset="0"/>
+              </a:rPr>
+              <a:t> </a:t>
+            </a:r>
+            <a:r>
+              <a:rPr sz="2800" dirty="0" err="1">
+                <a:latin typeface="Times New Roman" panose="02020603050405020304" pitchFamily="18" charset="0"/>
+                <a:cs typeface="Times New Roman" panose="02020603050405020304" pitchFamily="18" charset="0"/>
+              </a:rPr>
+              <a:t>связь</a:t>
+            </a:r>
+            <a:r>
+              <a:rPr sz="2800" dirty="0">
+                <a:latin typeface="Times New Roman" panose="02020603050405020304" pitchFamily="18" charset="0"/>
+                <a:cs typeface="Times New Roman" panose="02020603050405020304" pitchFamily="18" charset="0"/>
+              </a:rPr>
+              <a:t> –</a:t>
+            </a:r>
+            <a:r>
+              <a:rPr lang="ru-RU" sz="2800" dirty="0">
+                <a:latin typeface="Times New Roman" panose="02020603050405020304" pitchFamily="18" charset="0"/>
+                <a:cs typeface="Times New Roman" panose="02020603050405020304" pitchFamily="18" charset="0"/>
+              </a:rPr>
+              <a:t> </a:t>
+            </a:r>
+            <a:r>
+              <a:rPr sz="2800" dirty="0" err="1">
+                <a:latin typeface="Times New Roman" panose="02020603050405020304" pitchFamily="18" charset="0"/>
+                <a:cs typeface="Times New Roman" panose="02020603050405020304" pitchFamily="18" charset="0"/>
+              </a:rPr>
+              <a:t>общий</a:t>
+            </a:r>
+            <a:r>
+              <a:rPr sz="2800" dirty="0">
+                <a:latin typeface="Times New Roman" panose="02020603050405020304" pitchFamily="18" charset="0"/>
+                <a:cs typeface="Times New Roman" panose="02020603050405020304" pitchFamily="18" charset="0"/>
+              </a:rPr>
+              <a:t> Telegram-</a:t>
+            </a:r>
+            <a:r>
+              <a:rPr sz="2800" dirty="0" err="1">
+                <a:latin typeface="Times New Roman" panose="02020603050405020304" pitchFamily="18" charset="0"/>
+                <a:cs typeface="Times New Roman" panose="02020603050405020304" pitchFamily="18" charset="0"/>
+              </a:rPr>
+              <a:t>канал</a:t>
+            </a:r>
+            <a:endParaRPr sz="2800" dirty="0">
+              <a:latin typeface="Times New Roman" panose="02020603050405020304" pitchFamily="18" charset="0"/>
+              <a:cs typeface="Times New Roman" panose="02020603050405020304" pitchFamily="18" charset="0"/>
+            </a:endParaRPr>
+          </a:p>
+          <a:p>
+            <a:pPr marL="0" indent="0">
+              <a:buNone/>
+            </a:pPr>
+            <a:r>
+              <a:rPr sz="2800" dirty="0" err="1">
+                <a:latin typeface="Times New Roman" panose="02020603050405020304" pitchFamily="18" charset="0"/>
+                <a:cs typeface="Times New Roman" panose="02020603050405020304" pitchFamily="18" charset="0"/>
+              </a:rPr>
+              <a:t>Личных</a:t>
+            </a:r>
+            <a:r>
+              <a:rPr sz="2800" dirty="0">
+                <a:latin typeface="Times New Roman" panose="02020603050405020304" pitchFamily="18" charset="0"/>
+                <a:cs typeface="Times New Roman" panose="02020603050405020304" pitchFamily="18" charset="0"/>
+              </a:rPr>
+              <a:t> </a:t>
+            </a:r>
+            <a:r>
+              <a:rPr sz="2800" dirty="0" err="1">
+                <a:latin typeface="Times New Roman" panose="02020603050405020304" pitchFamily="18" charset="0"/>
+                <a:cs typeface="Times New Roman" panose="02020603050405020304" pitchFamily="18" charset="0"/>
+              </a:rPr>
+              <a:t>сообщений</a:t>
+            </a:r>
+            <a:r>
+              <a:rPr sz="2800" dirty="0">
+                <a:latin typeface="Times New Roman" panose="02020603050405020304" pitchFamily="18" charset="0"/>
+                <a:cs typeface="Times New Roman" panose="02020603050405020304" pitchFamily="18" charset="0"/>
+              </a:rPr>
+              <a:t> </a:t>
+            </a:r>
+            <a:r>
+              <a:rPr sz="2800" dirty="0" err="1">
+                <a:latin typeface="Times New Roman" panose="02020603050405020304" pitchFamily="18" charset="0"/>
+                <a:cs typeface="Times New Roman" panose="02020603050405020304" pitchFamily="18" charset="0"/>
+              </a:rPr>
+              <a:t>преподавателю</a:t>
+            </a:r>
+            <a:r>
+              <a:rPr sz="2800" dirty="0">
+                <a:latin typeface="Times New Roman" panose="02020603050405020304" pitchFamily="18" charset="0"/>
+                <a:cs typeface="Times New Roman" panose="02020603050405020304" pitchFamily="18" charset="0"/>
+              </a:rPr>
+              <a:t> – </a:t>
+            </a:r>
+            <a:r>
+              <a:rPr sz="2800" dirty="0" err="1">
+                <a:latin typeface="Times New Roman" panose="02020603050405020304" pitchFamily="18" charset="0"/>
+                <a:cs typeface="Times New Roman" panose="02020603050405020304" pitchFamily="18" charset="0"/>
+              </a:rPr>
+              <a:t>нет</a:t>
+            </a:r>
+            <a:endParaRPr sz="2800" dirty="0">
+              <a:latin typeface="Times New Roman" panose="02020603050405020304" pitchFamily="18" charset="0"/>
+              <a:cs typeface="Times New Roman" panose="02020603050405020304" pitchFamily="18" charset="0"/>
+            </a:endParaRPr>
+          </a:p>
+          <a:p>
+            <a:pPr marL="0" indent="0">
+              <a:buNone/>
+            </a:pPr>
+            <a:r>
+              <a:rPr lang="ru-RU" sz="2800" dirty="0">
+                <a:latin typeface="Times New Roman" panose="02020603050405020304" pitchFamily="18" charset="0"/>
+                <a:cs typeface="Times New Roman" panose="02020603050405020304" pitchFamily="18" charset="0"/>
+              </a:rPr>
+              <a:t>В</a:t>
+            </a:r>
+            <a:r>
+              <a:rPr sz="2800" dirty="0" err="1">
+                <a:latin typeface="Times New Roman" panose="02020603050405020304" pitchFamily="18" charset="0"/>
+                <a:cs typeface="Times New Roman" panose="02020603050405020304" pitchFamily="18" charset="0"/>
+              </a:rPr>
+              <a:t>опросы</a:t>
+            </a:r>
+            <a:r>
+              <a:rPr sz="2800" dirty="0">
+                <a:latin typeface="Times New Roman" panose="02020603050405020304" pitchFamily="18" charset="0"/>
+                <a:cs typeface="Times New Roman" panose="02020603050405020304" pitchFamily="18" charset="0"/>
+              </a:rPr>
+              <a:t> </a:t>
+            </a:r>
+            <a:r>
+              <a:rPr sz="2800" dirty="0" err="1">
+                <a:latin typeface="Times New Roman" panose="02020603050405020304" pitchFamily="18" charset="0"/>
+                <a:cs typeface="Times New Roman" panose="02020603050405020304" pitchFamily="18" charset="0"/>
+              </a:rPr>
+              <a:t>задаются</a:t>
+            </a:r>
+            <a:r>
+              <a:rPr sz="2800" dirty="0">
+                <a:latin typeface="Times New Roman" panose="02020603050405020304" pitchFamily="18" charset="0"/>
+                <a:cs typeface="Times New Roman" panose="02020603050405020304" pitchFamily="18" charset="0"/>
+              </a:rPr>
+              <a:t> </a:t>
+            </a:r>
+            <a:r>
+              <a:rPr sz="2800" dirty="0" err="1">
+                <a:latin typeface="Times New Roman" panose="02020603050405020304" pitchFamily="18" charset="0"/>
+                <a:cs typeface="Times New Roman" panose="02020603050405020304" pitchFamily="18" charset="0"/>
+              </a:rPr>
+              <a:t>структурированно</a:t>
+            </a:r>
+            <a:r>
+              <a:rPr sz="2800" dirty="0">
+                <a:latin typeface="Times New Roman" panose="02020603050405020304" pitchFamily="18" charset="0"/>
+                <a:cs typeface="Times New Roman" panose="02020603050405020304" pitchFamily="18" charset="0"/>
+              </a:rPr>
+              <a:t>, </a:t>
+            </a:r>
+            <a:r>
+              <a:rPr sz="2800" dirty="0" err="1">
+                <a:latin typeface="Times New Roman" panose="02020603050405020304" pitchFamily="18" charset="0"/>
+                <a:cs typeface="Times New Roman" panose="02020603050405020304" pitchFamily="18" charset="0"/>
+              </a:rPr>
+              <a:t>чтобы</a:t>
+            </a:r>
+            <a:r>
+              <a:rPr sz="2800" dirty="0">
+                <a:latin typeface="Times New Roman" panose="02020603050405020304" pitchFamily="18" charset="0"/>
+                <a:cs typeface="Times New Roman" panose="02020603050405020304" pitchFamily="18" charset="0"/>
+              </a:rPr>
+              <a:t> </a:t>
+            </a:r>
+            <a:r>
+              <a:rPr sz="2800" dirty="0" err="1">
+                <a:latin typeface="Times New Roman" panose="02020603050405020304" pitchFamily="18" charset="0"/>
+                <a:cs typeface="Times New Roman" panose="02020603050405020304" pitchFamily="18" charset="0"/>
+              </a:rPr>
+              <a:t>не</a:t>
+            </a:r>
+            <a:r>
+              <a:rPr sz="2800" dirty="0">
+                <a:latin typeface="Times New Roman" panose="02020603050405020304" pitchFamily="18" charset="0"/>
+                <a:cs typeface="Times New Roman" panose="02020603050405020304" pitchFamily="18" charset="0"/>
+              </a:rPr>
+              <a:t> </a:t>
+            </a:r>
+            <a:r>
+              <a:rPr sz="2800" dirty="0" err="1">
+                <a:latin typeface="Times New Roman" panose="02020603050405020304" pitchFamily="18" charset="0"/>
+                <a:cs typeface="Times New Roman" panose="02020603050405020304" pitchFamily="18" charset="0"/>
+              </a:rPr>
+              <a:t>было</a:t>
+            </a:r>
+            <a:r>
+              <a:rPr sz="2800" dirty="0">
+                <a:latin typeface="Times New Roman" panose="02020603050405020304" pitchFamily="18" charset="0"/>
+                <a:cs typeface="Times New Roman" panose="02020603050405020304" pitchFamily="18" charset="0"/>
+              </a:rPr>
+              <a:t> </a:t>
+            </a:r>
+            <a:r>
+              <a:rPr sz="2800" dirty="0" err="1">
+                <a:latin typeface="Times New Roman" panose="02020603050405020304" pitchFamily="18" charset="0"/>
+                <a:cs typeface="Times New Roman" panose="02020603050405020304" pitchFamily="18" charset="0"/>
+              </a:rPr>
+              <a:t>хаоса</a:t>
+            </a:r>
+            <a:endParaRPr sz="2800" dirty="0">
+              <a:latin typeface="Times New Roman" panose="02020603050405020304" pitchFamily="18" charset="0"/>
+              <a:cs typeface="Times New Roman" panose="02020603050405020304" pitchFamily="18" charset="0"/>
+            </a:endParaRPr>
+          </a:p>
+          <a:p>
+            <a:pPr marL="0" indent="0">
+              <a:buNone/>
+            </a:pPr>
+            <a:r>
+              <a:rPr sz="2800" dirty="0" err="1">
+                <a:latin typeface="Times New Roman" panose="02020603050405020304" pitchFamily="18" charset="0"/>
+                <a:cs typeface="Times New Roman" panose="02020603050405020304" pitchFamily="18" charset="0"/>
+              </a:rPr>
+              <a:t>Весь</a:t>
+            </a:r>
+            <a:r>
+              <a:rPr sz="2800" dirty="0">
+                <a:latin typeface="Times New Roman" panose="02020603050405020304" pitchFamily="18" charset="0"/>
+                <a:cs typeface="Times New Roman" panose="02020603050405020304" pitchFamily="18" charset="0"/>
+              </a:rPr>
+              <a:t> </a:t>
+            </a:r>
+            <a:r>
+              <a:rPr sz="2800" dirty="0" err="1">
+                <a:latin typeface="Times New Roman" panose="02020603050405020304" pitchFamily="18" charset="0"/>
+                <a:cs typeface="Times New Roman" panose="02020603050405020304" pitchFamily="18" charset="0"/>
+              </a:rPr>
+              <a:t>учебный</a:t>
+            </a:r>
+            <a:r>
+              <a:rPr sz="2800" dirty="0">
+                <a:latin typeface="Times New Roman" panose="02020603050405020304" pitchFamily="18" charset="0"/>
+                <a:cs typeface="Times New Roman" panose="02020603050405020304" pitchFamily="18" charset="0"/>
+              </a:rPr>
+              <a:t> </a:t>
+            </a:r>
+            <a:r>
+              <a:rPr sz="2800" dirty="0" err="1">
+                <a:latin typeface="Times New Roman" panose="02020603050405020304" pitchFamily="18" charset="0"/>
+                <a:cs typeface="Times New Roman" panose="02020603050405020304" pitchFamily="18" charset="0"/>
+              </a:rPr>
+              <a:t>процесс</a:t>
+            </a:r>
+            <a:r>
+              <a:rPr sz="2800" dirty="0">
+                <a:latin typeface="Times New Roman" panose="02020603050405020304" pitchFamily="18" charset="0"/>
+                <a:cs typeface="Times New Roman" panose="02020603050405020304" pitchFamily="18" charset="0"/>
+              </a:rPr>
+              <a:t> </a:t>
+            </a:r>
+            <a:r>
+              <a:rPr sz="2800" dirty="0" err="1">
+                <a:latin typeface="Times New Roman" panose="02020603050405020304" pitchFamily="18" charset="0"/>
+                <a:cs typeface="Times New Roman" panose="02020603050405020304" pitchFamily="18" charset="0"/>
+              </a:rPr>
+              <a:t>формализован</a:t>
+            </a:r>
+            <a:endParaRPr sz="2800" dirty="0">
+              <a:latin typeface="Times New Roman" panose="02020603050405020304" pitchFamily="18" charset="0"/>
+              <a:cs typeface="Times New Roman" panose="02020603050405020304" pitchFamily="18" charset="0"/>
+            </a:endParaRPr>
+          </a:p>
+        </p:txBody>
+      </p:sp>
+      <p:pic>
+        <p:nvPicPr>
+          <p:cNvPr id="9" name="Рисунок 8">
+            <a:extLst>
+              <a:ext uri="{FF2B5EF4-FFF2-40B4-BE49-F238E27FC236}">
+                <a16:creationId xmlns:a16="http://schemas.microsoft.com/office/drawing/2014/main" id="{45C87589-77D1-4FFA-9FF2-B0E2D26E448D}"/>
+              </a:ext>
+            </a:extLst>
+          </p:cNvPr>
+          <p:cNvPicPr>
+            <a:picLocks noChangeAspect="1"/>
+          </p:cNvPicPr>
+          <p:nvPr/>
+        </p:nvPicPr>
+        <p:blipFill>
+          <a:blip r:embed="rId2"/>
+          <a:stretch>
+            <a:fillRect/>
+          </a:stretch>
+        </p:blipFill>
+        <p:spPr>
+          <a:xfrm>
+            <a:off x="4992975" y="1858422"/>
+            <a:ext cx="3386780" cy="4029839"/>
+          </a:xfrm>
+          <a:prstGeom prst="rect">
+            <a:avLst/>
+          </a:prstGeom>
+        </p:spPr>
+      </p:pic>
+      <p:sp>
+        <p:nvSpPr>
+          <p:cNvPr id="4" name="Номер слайда 3">
+            <a:extLst>
+              <a:ext uri="{FF2B5EF4-FFF2-40B4-BE49-F238E27FC236}">
+                <a16:creationId xmlns:a16="http://schemas.microsoft.com/office/drawing/2014/main" id="{7D652ADA-0FA5-482C-81EB-3E4FB8443F7F}"/>
+              </a:ext>
+            </a:extLst>
+          </p:cNvPr>
+          <p:cNvSpPr>
+            <a:spLocks noGrp="1"/>
+          </p:cNvSpPr>
+          <p:nvPr>
+            <p:ph type="sldNum" sz="quarter" idx="12"/>
+          </p:nvPr>
+        </p:nvSpPr>
         <p:spPr/>
         <p:txBody>
           <a:bodyPr/>
           <a:lstStyle/>
           <a:p>
-            <a:r>
-              <a:t>Что такое Git</a:t>
-            </a:r>
-          </a:p>
-        </p:txBody>
-      </p:sp>
-      <p:sp>
-        <p:nvSpPr>
-          <p:cNvPr id="3" name="Content Placeholder 2"/>
-          <p:cNvSpPr>
-            <a:spLocks noGrp="1"/>
-          </p:cNvSpPr>
-          <p:nvPr>
-            <p:ph idx="1"/>
-          </p:nvPr>
-        </p:nvSpPr>
-        <p:spPr/>
-        <p:txBody>
-          <a:bodyPr/>
-          <a:lstStyle/>
-          <a:p>
-            <a:pPr marL="0" indent="0">
-              <a:buNone/>
-            </a:pPr>
-            <a:r>
-              <a:rPr dirty="0" err="1"/>
-              <a:t>Система</a:t>
-            </a:r>
-            <a:r>
-              <a:rPr dirty="0"/>
-              <a:t> </a:t>
-            </a:r>
-            <a:r>
-              <a:rPr dirty="0" err="1"/>
-              <a:t>контроля</a:t>
-            </a:r>
-            <a:r>
-              <a:rPr dirty="0"/>
-              <a:t> </a:t>
-            </a:r>
-            <a:r>
-              <a:rPr dirty="0" err="1"/>
-              <a:t>версий</a:t>
-            </a:r>
-            <a:endParaRPr lang="ru-RU" dirty="0"/>
-          </a:p>
-          <a:p>
-            <a:pPr marL="0" indent="0">
-              <a:buNone/>
-            </a:pPr>
-            <a:r>
-              <a:rPr dirty="0" err="1"/>
-              <a:t>Позволяет</a:t>
-            </a:r>
-            <a:r>
-              <a:rPr dirty="0"/>
-              <a:t> </a:t>
-            </a:r>
-            <a:r>
-              <a:rPr dirty="0" err="1"/>
-              <a:t>хранить</a:t>
-            </a:r>
-            <a:r>
-              <a:rPr dirty="0"/>
-              <a:t> и </a:t>
-            </a:r>
-            <a:r>
-              <a:rPr dirty="0" err="1"/>
-              <a:t>отслеживать</a:t>
-            </a:r>
-            <a:r>
-              <a:rPr dirty="0"/>
-              <a:t> </a:t>
-            </a:r>
-            <a:r>
-              <a:rPr dirty="0" err="1"/>
-              <a:t>изменения</a:t>
-            </a:r>
-            <a:r>
-              <a:rPr dirty="0"/>
-              <a:t> в </a:t>
-            </a:r>
-            <a:r>
-              <a:rPr dirty="0" err="1"/>
-              <a:t>проектах</a:t>
-            </a:r>
-            <a:endParaRPr dirty="0"/>
-          </a:p>
-          <a:p>
-            <a:pPr marL="0" indent="0">
-              <a:buNone/>
-            </a:pPr>
-            <a:r>
-              <a:rPr dirty="0" err="1"/>
-              <a:t>Даёт</a:t>
-            </a:r>
-            <a:r>
-              <a:rPr dirty="0"/>
-              <a:t> </a:t>
-            </a:r>
-            <a:r>
-              <a:rPr dirty="0" err="1"/>
-              <a:t>возможность</a:t>
-            </a:r>
-            <a:r>
-              <a:rPr dirty="0"/>
-              <a:t> </a:t>
-            </a:r>
-            <a:r>
-              <a:rPr dirty="0" err="1"/>
-              <a:t>вернуться</a:t>
-            </a:r>
-            <a:r>
-              <a:rPr dirty="0"/>
-              <a:t> к </a:t>
-            </a:r>
-            <a:r>
-              <a:rPr dirty="0" err="1"/>
-              <a:t>любому</a:t>
-            </a:r>
-            <a:r>
-              <a:rPr dirty="0"/>
-              <a:t> </a:t>
-            </a:r>
-            <a:r>
-              <a:rPr dirty="0" err="1"/>
-              <a:t>состоянию</a:t>
-            </a:r>
-            <a:r>
-              <a:rPr dirty="0"/>
-              <a:t> </a:t>
-            </a:r>
-            <a:r>
-              <a:rPr dirty="0" err="1"/>
-              <a:t>проекта</a:t>
-            </a:r>
-            <a:endParaRPr dirty="0"/>
-          </a:p>
-          <a:p>
-            <a:pPr marL="0" indent="0">
-              <a:buNone/>
-            </a:pPr>
-            <a:r>
-              <a:rPr dirty="0" err="1"/>
-              <a:t>Обязательный</a:t>
-            </a:r>
-            <a:r>
-              <a:rPr dirty="0"/>
-              <a:t> </a:t>
-            </a:r>
-            <a:r>
-              <a:rPr dirty="0" err="1"/>
-              <a:t>инструмент</a:t>
-            </a:r>
-            <a:r>
-              <a:rPr dirty="0"/>
-              <a:t> в </a:t>
-            </a:r>
-            <a:r>
-              <a:rPr dirty="0" err="1"/>
-              <a:t>работе</a:t>
-            </a:r>
-            <a:r>
-              <a:rPr dirty="0"/>
-              <a:t> </a:t>
-            </a:r>
-            <a:r>
-              <a:rPr dirty="0" err="1"/>
-              <a:t>инженеров</a:t>
-            </a:r>
-            <a:r>
-              <a:rPr dirty="0"/>
-              <a:t> и </a:t>
-            </a:r>
-            <a:r>
-              <a:rPr dirty="0" err="1"/>
-              <a:t>разработчиков</a:t>
-            </a:r>
-            <a:endParaRPr dirty="0"/>
+            <a:fld id="{C1FF6DA9-008F-8B48-92A6-B652298478BF}" type="slidenum">
+              <a:rPr lang="en-US" sz="2000" smtClean="0"/>
+              <a:t>4</a:t>
+            </a:fld>
+            <a:endParaRPr lang="en-US" sz="2000" dirty="0"/>
           </a:p>
         </p:txBody>
       </p:sp>
@@ -4261,12 +5446,202 @@
       </p:grpSpPr>
       <p:sp>
         <p:nvSpPr>
-          <p:cNvPr id="2" name="Title 1"/>
+          <p:cNvPr id="2" name="Заголовок 1">
+            <a:extLst>
+              <a:ext uri="{FF2B5EF4-FFF2-40B4-BE49-F238E27FC236}">
+                <a16:creationId xmlns:a16="http://schemas.microsoft.com/office/drawing/2014/main" id="{24DF1351-DAF5-47F9-9694-CB7AC441DDD0}"/>
+              </a:ext>
+            </a:extLst>
+          </p:cNvPr>
           <p:cNvSpPr>
             <a:spLocks noGrp="1"/>
           </p:cNvSpPr>
           <p:nvPr>
             <p:ph type="title"/>
+          </p:nvPr>
+        </p:nvSpPr>
+        <p:spPr/>
+        <p:txBody>
+          <a:bodyPr>
+            <a:normAutofit/>
+          </a:bodyPr>
+          <a:lstStyle/>
+          <a:p>
+            <a:r>
+              <a:rPr lang="ru-RU" sz="3600" dirty="0">
+                <a:latin typeface="Times New Roman" panose="02020603050405020304" pitchFamily="18" charset="0"/>
+                <a:cs typeface="Times New Roman" panose="02020603050405020304" pitchFamily="18" charset="0"/>
+              </a:rPr>
+              <a:t>Система оценивания </a:t>
+            </a:r>
+          </a:p>
+        </p:txBody>
+      </p:sp>
+      <p:sp>
+        <p:nvSpPr>
+          <p:cNvPr id="3" name="Объект 2">
+            <a:extLst>
+              <a:ext uri="{FF2B5EF4-FFF2-40B4-BE49-F238E27FC236}">
+                <a16:creationId xmlns:a16="http://schemas.microsoft.com/office/drawing/2014/main" id="{697EA2F5-12DE-461B-879C-FFA2A836DA64}"/>
+              </a:ext>
+            </a:extLst>
+          </p:cNvPr>
+          <p:cNvSpPr>
+            <a:spLocks noGrp="1"/>
+          </p:cNvSpPr>
+          <p:nvPr>
+            <p:ph idx="1"/>
+          </p:nvPr>
+        </p:nvSpPr>
+        <p:spPr>
+          <a:xfrm>
+            <a:off x="457200" y="1600204"/>
+            <a:ext cx="8229600" cy="4649771"/>
+          </a:xfrm>
+        </p:spPr>
+        <p:txBody>
+          <a:bodyPr>
+            <a:normAutofit fontScale="85000" lnSpcReduction="20000"/>
+          </a:bodyPr>
+          <a:lstStyle/>
+          <a:p>
+            <a:pPr marL="0" indent="0">
+              <a:buNone/>
+            </a:pPr>
+            <a:r>
+              <a:rPr lang="ru-RU" b="1" dirty="0">
+                <a:latin typeface="Times New Roman" panose="02020603050405020304" pitchFamily="18" charset="0"/>
+                <a:cs typeface="Times New Roman" panose="02020603050405020304" pitchFamily="18" charset="0"/>
+              </a:rPr>
+              <a:t>Посещаемость</a:t>
+            </a:r>
+            <a:r>
+              <a:rPr lang="ru-RU" dirty="0">
+                <a:latin typeface="Times New Roman" panose="02020603050405020304" pitchFamily="18" charset="0"/>
+                <a:cs typeface="Times New Roman" panose="02020603050405020304" pitchFamily="18" charset="0"/>
+              </a:rPr>
+              <a:t> – до 0,5 балла (стимул ходить на лекции).</a:t>
+            </a:r>
+          </a:p>
+          <a:p>
+            <a:pPr marL="0" indent="0">
+              <a:buNone/>
+            </a:pPr>
+            <a:r>
+              <a:rPr lang="ru-RU" b="1" dirty="0">
+                <a:latin typeface="Times New Roman" panose="02020603050405020304" pitchFamily="18" charset="0"/>
+                <a:cs typeface="Times New Roman" panose="02020603050405020304" pitchFamily="18" charset="0"/>
+              </a:rPr>
+              <a:t>Лабораторные работы:</a:t>
+            </a:r>
+          </a:p>
+          <a:p>
+            <a:r>
+              <a:rPr lang="ru-RU" dirty="0">
+                <a:latin typeface="Times New Roman" panose="02020603050405020304" pitchFamily="18" charset="0"/>
+                <a:cs typeface="Times New Roman" panose="02020603050405020304" pitchFamily="18" charset="0"/>
+              </a:rPr>
+              <a:t>Выполнение = 0,5 балла (минимум за факт сдачи).</a:t>
+            </a:r>
+          </a:p>
+          <a:p>
+            <a:r>
+              <a:rPr lang="ru-RU" dirty="0">
+                <a:latin typeface="Times New Roman" panose="02020603050405020304" pitchFamily="18" charset="0"/>
+                <a:cs typeface="Times New Roman" panose="02020603050405020304" pitchFamily="18" charset="0"/>
+              </a:rPr>
+              <a:t>Качество выполнения = от 1 до 3 баллов.</a:t>
+            </a:r>
+          </a:p>
+          <a:p>
+            <a:pPr marL="0" indent="0">
+              <a:buNone/>
+            </a:pPr>
+            <a:r>
+              <a:rPr lang="ru-RU" b="1" dirty="0">
+                <a:latin typeface="Times New Roman" panose="02020603050405020304" pitchFamily="18" charset="0"/>
+                <a:cs typeface="Times New Roman" panose="02020603050405020304" pitchFamily="18" charset="0"/>
+              </a:rPr>
+              <a:t>Дополнительные активности </a:t>
+            </a:r>
+            <a:r>
+              <a:rPr lang="ru-RU" dirty="0">
+                <a:latin typeface="Times New Roman" panose="02020603050405020304" pitchFamily="18" charset="0"/>
+                <a:cs typeface="Times New Roman" panose="02020603050405020304" pitchFamily="18" charset="0"/>
+              </a:rPr>
+              <a:t>– выступление с докладом (+1 балл).</a:t>
+            </a:r>
+          </a:p>
+          <a:p>
+            <a:pPr marL="0" indent="0">
+              <a:buNone/>
+            </a:pPr>
+            <a:r>
+              <a:rPr lang="ru-RU" b="1" dirty="0">
+                <a:latin typeface="Times New Roman" panose="02020603050405020304" pitchFamily="18" charset="0"/>
+                <a:cs typeface="Times New Roman" panose="02020603050405020304" pitchFamily="18" charset="0"/>
+              </a:rPr>
+              <a:t>Зачёт/экзамен </a:t>
+            </a:r>
+            <a:r>
+              <a:rPr lang="ru-RU" dirty="0">
+                <a:latin typeface="Times New Roman" panose="02020603050405020304" pitchFamily="18" charset="0"/>
+                <a:cs typeface="Times New Roman" panose="02020603050405020304" pitchFamily="18" charset="0"/>
+              </a:rPr>
+              <a:t>– от 0,5 до 1,5 баллов.</a:t>
+            </a:r>
+          </a:p>
+          <a:p>
+            <a:pPr marL="0" indent="0">
+              <a:buNone/>
+            </a:pPr>
+            <a:endParaRPr lang="ru-RU" dirty="0">
+              <a:latin typeface="Times New Roman" panose="02020603050405020304" pitchFamily="18" charset="0"/>
+              <a:cs typeface="Times New Roman" panose="02020603050405020304" pitchFamily="18" charset="0"/>
+            </a:endParaRPr>
+          </a:p>
+          <a:p>
+            <a:pPr marL="0" indent="0">
+              <a:buNone/>
+            </a:pPr>
+            <a:r>
+              <a:rPr lang="ru-RU" dirty="0">
+                <a:latin typeface="Times New Roman" panose="02020603050405020304" pitchFamily="18" charset="0"/>
+                <a:cs typeface="Times New Roman" panose="02020603050405020304" pitchFamily="18" charset="0"/>
+              </a:rPr>
+              <a:t>Итог = накопительная система, всё фиксируется в Excel и доступно для студентов (файл располагается на </a:t>
+            </a:r>
+            <a:r>
+              <a:rPr lang="ru-RU" dirty="0" err="1">
+                <a:latin typeface="Times New Roman" panose="02020603050405020304" pitchFamily="18" charset="0"/>
+                <a:cs typeface="Times New Roman" panose="02020603050405020304" pitchFamily="18" charset="0"/>
+              </a:rPr>
+              <a:t>репо</a:t>
+            </a:r>
+            <a:r>
+              <a:rPr lang="ru-RU" dirty="0">
+                <a:latin typeface="Times New Roman" panose="02020603050405020304" pitchFamily="18" charset="0"/>
+                <a:cs typeface="Times New Roman" panose="02020603050405020304" pitchFamily="18" charset="0"/>
+              </a:rPr>
+              <a:t>)</a:t>
+            </a:r>
+          </a:p>
+        </p:txBody>
+      </p:sp>
+      <p:sp>
+        <p:nvSpPr>
+          <p:cNvPr id="4" name="Номер слайда 3">
+            <a:extLst>
+              <a:ext uri="{FF2B5EF4-FFF2-40B4-BE49-F238E27FC236}">
+                <a16:creationId xmlns:a16="http://schemas.microsoft.com/office/drawing/2014/main" id="{2629A5AA-2CFF-488E-812C-B41E8A604FA7}"/>
+              </a:ext>
+            </a:extLst>
+          </p:cNvPr>
+          <p:cNvSpPr>
+            <a:spLocks noGrp="1"/>
+          </p:cNvSpPr>
+          <p:nvPr>
+            <p:ph type="sldNum" sz="quarter" idx="12"/>
           </p:nvPr>
         </p:nvSpPr>
         <p:spPr/>
@@ -4274,205 +5649,20 @@
           <a:bodyPr/>
           <a:lstStyle/>
           <a:p>
-            <a:r>
-              <a:t>GitHub</a:t>
-            </a:r>
-          </a:p>
-        </p:txBody>
-      </p:sp>
-      <p:sp>
-        <p:nvSpPr>
-          <p:cNvPr id="3" name="Content Placeholder 2"/>
-          <p:cNvSpPr>
-            <a:spLocks noGrp="1"/>
-          </p:cNvSpPr>
-          <p:nvPr>
-            <p:ph idx="1"/>
-          </p:nvPr>
-        </p:nvSpPr>
-        <p:spPr/>
-        <p:txBody>
-          <a:bodyPr/>
-          <a:lstStyle/>
-          <a:p>
-            <a:pPr marL="0" indent="0">
-              <a:buNone/>
-            </a:pPr>
-            <a:r>
-              <a:rPr dirty="0" err="1"/>
-              <a:t>Онлайн-платформа</a:t>
-            </a:r>
-            <a:r>
-              <a:rPr dirty="0"/>
-              <a:t> </a:t>
-            </a:r>
-            <a:r>
-              <a:rPr dirty="0" err="1"/>
-              <a:t>для</a:t>
-            </a:r>
-            <a:r>
-              <a:rPr dirty="0"/>
-              <a:t> </a:t>
-            </a:r>
-            <a:r>
-              <a:rPr dirty="0" err="1"/>
-              <a:t>хранения</a:t>
-            </a:r>
-            <a:r>
-              <a:rPr dirty="0"/>
-              <a:t> и </a:t>
-            </a:r>
-            <a:r>
-              <a:rPr dirty="0" err="1"/>
-              <a:t>совместной</a:t>
-            </a:r>
-            <a:r>
-              <a:rPr dirty="0"/>
-              <a:t> </a:t>
-            </a:r>
-            <a:r>
-              <a:rPr dirty="0" err="1"/>
-              <a:t>работы</a:t>
-            </a:r>
-            <a:r>
-              <a:rPr dirty="0"/>
-              <a:t> с Git-</a:t>
-            </a:r>
-            <a:r>
-              <a:rPr dirty="0" err="1"/>
-              <a:t>проектами</a:t>
-            </a:r>
-            <a:endParaRPr dirty="0"/>
-          </a:p>
-          <a:p>
-            <a:pPr marL="0" indent="0">
-              <a:buNone/>
-            </a:pPr>
-            <a:r>
-              <a:rPr dirty="0" err="1"/>
-              <a:t>Используется</a:t>
-            </a:r>
-            <a:r>
-              <a:rPr dirty="0"/>
-              <a:t> </a:t>
-            </a:r>
-            <a:r>
-              <a:rPr dirty="0" err="1"/>
-              <a:t>компаниями</a:t>
-            </a:r>
-            <a:r>
-              <a:rPr dirty="0"/>
-              <a:t> </a:t>
-            </a:r>
-            <a:r>
-              <a:rPr dirty="0" err="1"/>
-              <a:t>по</a:t>
-            </a:r>
-            <a:r>
-              <a:rPr dirty="0"/>
-              <a:t> </a:t>
-            </a:r>
-            <a:r>
-              <a:rPr dirty="0" err="1"/>
-              <a:t>всему</a:t>
-            </a:r>
-            <a:r>
-              <a:rPr dirty="0"/>
-              <a:t> </a:t>
-            </a:r>
-            <a:r>
-              <a:rPr dirty="0" err="1"/>
-              <a:t>миру</a:t>
-            </a:r>
-            <a:endParaRPr dirty="0"/>
-          </a:p>
-          <a:p>
-            <a:pPr marL="0" indent="0">
-              <a:buNone/>
-            </a:pPr>
-            <a:r>
-              <a:rPr dirty="0" err="1"/>
-              <a:t>Поддерживает</a:t>
-            </a:r>
-            <a:r>
-              <a:rPr dirty="0"/>
-              <a:t> </a:t>
-            </a:r>
-            <a:r>
-              <a:rPr dirty="0" err="1"/>
-              <a:t>открытые</a:t>
-            </a:r>
-            <a:r>
-              <a:rPr dirty="0"/>
-              <a:t> и </a:t>
-            </a:r>
-            <a:r>
-              <a:rPr dirty="0" err="1"/>
-              <a:t>приватные</a:t>
-            </a:r>
-            <a:r>
-              <a:rPr dirty="0"/>
-              <a:t> </a:t>
-            </a:r>
-            <a:r>
-              <a:rPr dirty="0" err="1"/>
-              <a:t>репозитории</a:t>
-            </a:r>
-            <a:endParaRPr dirty="0"/>
-          </a:p>
-          <a:p>
-            <a:pPr marL="0" indent="0">
-              <a:buNone/>
-            </a:pPr>
-            <a:r>
-              <a:rPr dirty="0" err="1"/>
-              <a:t>Даёт</a:t>
-            </a:r>
-            <a:r>
-              <a:rPr dirty="0"/>
-              <a:t> </a:t>
-            </a:r>
-            <a:r>
-              <a:rPr dirty="0" err="1"/>
-              <a:t>удобный</a:t>
-            </a:r>
-            <a:r>
-              <a:rPr dirty="0"/>
-              <a:t> </a:t>
-            </a:r>
-            <a:r>
-              <a:rPr dirty="0" err="1"/>
-              <a:t>веб-интерфейс</a:t>
-            </a:r>
-            <a:r>
-              <a:rPr dirty="0"/>
-              <a:t> и </a:t>
-            </a:r>
-            <a:r>
-              <a:rPr dirty="0" err="1"/>
-              <a:t>интеграцию</a:t>
-            </a:r>
-            <a:r>
-              <a:rPr dirty="0"/>
-              <a:t> с </a:t>
-            </a:r>
-            <a:r>
-              <a:rPr dirty="0" err="1"/>
-              <a:t>другими</a:t>
-            </a:r>
-            <a:r>
-              <a:rPr dirty="0"/>
-              <a:t> </a:t>
-            </a:r>
-            <a:r>
-              <a:rPr dirty="0" err="1"/>
-              <a:t>сервисами</a:t>
-            </a:r>
-            <a:endParaRPr dirty="0"/>
+            <a:fld id="{C1FF6DA9-008F-8B48-92A6-B652298478BF}" type="slidenum">
+              <a:rPr lang="en-US" sz="2000" smtClean="0"/>
+              <a:t>5</a:t>
+            </a:fld>
+            <a:endParaRPr lang="en-US" sz="2000" dirty="0"/>
           </a:p>
         </p:txBody>
       </p:sp>
     </p:spTree>
+    <p:extLst>
+      <p:ext uri="{BB962C8B-B14F-4D97-AF65-F5344CB8AC3E}">
+        <p14:creationId xmlns:p14="http://schemas.microsoft.com/office/powerpoint/2010/main" val="59856560"/>
+      </p:ext>
+    </p:extLst>
   </p:cSld>
   <p:clrMapOvr>
     <a:masterClrMapping/>
@@ -4509,188 +5699,206 @@
         </p:nvSpPr>
         <p:spPr/>
         <p:txBody>
+          <a:bodyPr>
+            <a:normAutofit/>
+          </a:bodyPr>
+          <a:lstStyle/>
+          <a:p>
+            <a:r>
+              <a:rPr lang="ru-RU" sz="3600" dirty="0">
+                <a:latin typeface="Times New Roman" panose="02020603050405020304" pitchFamily="18" charset="0"/>
+                <a:cs typeface="Times New Roman" panose="02020603050405020304" pitchFamily="18" charset="0"/>
+              </a:rPr>
+              <a:t>Формат сдачи</a:t>
+            </a:r>
+          </a:p>
+        </p:txBody>
+      </p:sp>
+      <p:sp>
+        <p:nvSpPr>
+          <p:cNvPr id="3" name="Content Placeholder 2"/>
+          <p:cNvSpPr>
+            <a:spLocks noGrp="1"/>
+          </p:cNvSpPr>
+          <p:nvPr>
+            <p:ph idx="1"/>
+          </p:nvPr>
+        </p:nvSpPr>
+        <p:spPr/>
+        <p:txBody>
+          <a:bodyPr>
+            <a:normAutofit/>
+          </a:bodyPr>
+          <a:lstStyle/>
+          <a:p>
+            <a:pPr marL="0" indent="0">
+              <a:buNone/>
+            </a:pPr>
+            <a:r>
+              <a:rPr lang="ru-RU" sz="2800" dirty="0">
+                <a:latin typeface="Times New Roman" panose="02020603050405020304" pitchFamily="18" charset="0"/>
+                <a:cs typeface="Times New Roman" panose="02020603050405020304" pitchFamily="18" charset="0"/>
+              </a:rPr>
+              <a:t>Отчёт — в формате .</a:t>
+            </a:r>
+            <a:r>
+              <a:rPr lang="ru-RU" sz="2800" dirty="0" err="1">
+                <a:latin typeface="Times New Roman" panose="02020603050405020304" pitchFamily="18" charset="0"/>
+                <a:cs typeface="Times New Roman" panose="02020603050405020304" pitchFamily="18" charset="0"/>
+              </a:rPr>
+              <a:t>docx</a:t>
+            </a:r>
+            <a:r>
+              <a:rPr lang="ru-RU" sz="2800" dirty="0">
+                <a:latin typeface="Times New Roman" panose="02020603050405020304" pitchFamily="18" charset="0"/>
+                <a:cs typeface="Times New Roman" panose="02020603050405020304" pitchFamily="18" charset="0"/>
+              </a:rPr>
+              <a:t>.</a:t>
+            </a:r>
+          </a:p>
+          <a:p>
+            <a:pPr marL="0" indent="0">
+              <a:buNone/>
+            </a:pPr>
+            <a:r>
+              <a:rPr lang="ru-RU" sz="2800" dirty="0">
+                <a:latin typeface="Times New Roman" panose="02020603050405020304" pitchFamily="18" charset="0"/>
+                <a:cs typeface="Times New Roman" panose="02020603050405020304" pitchFamily="18" charset="0"/>
+              </a:rPr>
+              <a:t>Название файла строго:</a:t>
+            </a:r>
+          </a:p>
+          <a:p>
+            <a:pPr marL="0" indent="0">
+              <a:buNone/>
+            </a:pPr>
+            <a:r>
+              <a:rPr lang="ru-RU" sz="2800" dirty="0">
+                <a:latin typeface="Times New Roman" panose="02020603050405020304" pitchFamily="18" charset="0"/>
+                <a:cs typeface="Times New Roman" panose="02020603050405020304" pitchFamily="18" charset="0"/>
+              </a:rPr>
+              <a:t>Лабораторная работа №___.docx</a:t>
+            </a:r>
+          </a:p>
+          <a:p>
+            <a:pPr marL="0" indent="0">
+              <a:buNone/>
+            </a:pPr>
+            <a:r>
+              <a:rPr lang="ru-RU" sz="2800" dirty="0">
+                <a:latin typeface="Times New Roman" panose="02020603050405020304" pitchFamily="18" charset="0"/>
+                <a:cs typeface="Times New Roman" panose="02020603050405020304" pitchFamily="18" charset="0"/>
+              </a:rPr>
+              <a:t>(например, Лабораторная работа №01.docx).</a:t>
+            </a:r>
+          </a:p>
+          <a:p>
+            <a:pPr marL="0" indent="0">
+              <a:buNone/>
+            </a:pPr>
+            <a:r>
+              <a:rPr lang="ru-RU" sz="2800" dirty="0">
+                <a:latin typeface="Times New Roman" panose="02020603050405020304" pitchFamily="18" charset="0"/>
+                <a:cs typeface="Times New Roman" panose="02020603050405020304" pitchFamily="18" charset="0"/>
+              </a:rPr>
+              <a:t>Исходные файлы — все необходимые скрипты, конфиги, проекты, используемые в работе.</a:t>
+            </a:r>
+          </a:p>
+          <a:p>
+            <a:pPr marL="0" indent="0">
+              <a:buNone/>
+            </a:pPr>
+            <a:r>
+              <a:rPr lang="ru-RU" sz="2800" dirty="0">
+                <a:latin typeface="Times New Roman" panose="02020603050405020304" pitchFamily="18" charset="0"/>
+                <a:cs typeface="Times New Roman" panose="02020603050405020304" pitchFamily="18" charset="0"/>
+              </a:rPr>
+              <a:t>Скриншоты — вставлены в отчёт, иллюстрируют результат выполнения.</a:t>
+            </a:r>
+          </a:p>
+          <a:p>
+            <a:pPr marL="0" indent="0">
+              <a:buNone/>
+            </a:pPr>
+            <a:r>
+              <a:rPr lang="ru-RU" sz="2800" dirty="0">
+                <a:latin typeface="Times New Roman" panose="02020603050405020304" pitchFamily="18" charset="0"/>
+                <a:cs typeface="Times New Roman" panose="02020603050405020304" pitchFamily="18" charset="0"/>
+              </a:rPr>
+              <a:t>Инструкция дублируется на </a:t>
+            </a:r>
+            <a:r>
+              <a:rPr lang="ru-RU" sz="2800" dirty="0" err="1">
+                <a:latin typeface="Times New Roman" panose="02020603050405020304" pitchFamily="18" charset="0"/>
+                <a:cs typeface="Times New Roman" panose="02020603050405020304" pitchFamily="18" charset="0"/>
+              </a:rPr>
+              <a:t>репо</a:t>
+            </a:r>
+            <a:r>
+              <a:rPr lang="ru-RU" sz="2800" dirty="0">
+                <a:latin typeface="Times New Roman" panose="02020603050405020304" pitchFamily="18" charset="0"/>
+                <a:cs typeface="Times New Roman" panose="02020603050405020304" pitchFamily="18" charset="0"/>
+              </a:rPr>
+              <a:t> в файле </a:t>
+            </a:r>
+            <a:r>
+              <a:rPr lang="en-US" sz="2800" b="1" dirty="0">
+                <a:latin typeface="Times New Roman" panose="02020603050405020304" pitchFamily="18" charset="0"/>
+                <a:cs typeface="Times New Roman" panose="02020603050405020304" pitchFamily="18" charset="0"/>
+              </a:rPr>
+              <a:t>README</a:t>
+            </a:r>
+            <a:endParaRPr lang="ru-RU" sz="2800" b="1" dirty="0">
+              <a:latin typeface="Times New Roman" panose="02020603050405020304" pitchFamily="18" charset="0"/>
+              <a:cs typeface="Times New Roman" panose="02020603050405020304" pitchFamily="18" charset="0"/>
+            </a:endParaRPr>
+          </a:p>
+          <a:p>
+            <a:pPr marL="0" indent="0">
+              <a:buNone/>
+            </a:pPr>
+            <a:endParaRPr lang="ru-RU" sz="2800" dirty="0">
+              <a:latin typeface="Times New Roman" panose="02020603050405020304" pitchFamily="18" charset="0"/>
+              <a:cs typeface="Times New Roman" panose="02020603050405020304" pitchFamily="18" charset="0"/>
+            </a:endParaRPr>
+          </a:p>
+          <a:p>
+            <a:pPr marL="0" indent="0">
+              <a:buNone/>
+            </a:pPr>
+            <a:endParaRPr sz="2800" dirty="0">
+              <a:latin typeface="Times New Roman" panose="02020603050405020304" pitchFamily="18" charset="0"/>
+              <a:cs typeface="Times New Roman" panose="02020603050405020304" pitchFamily="18" charset="0"/>
+            </a:endParaRPr>
+          </a:p>
+        </p:txBody>
+      </p:sp>
+      <p:sp>
+        <p:nvSpPr>
+          <p:cNvPr id="4" name="Номер слайда 3">
+            <a:extLst>
+              <a:ext uri="{FF2B5EF4-FFF2-40B4-BE49-F238E27FC236}">
+                <a16:creationId xmlns:a16="http://schemas.microsoft.com/office/drawing/2014/main" id="{D4990046-6C85-4C0B-9B99-B8B23DF134A5}"/>
+              </a:ext>
+            </a:extLst>
+          </p:cNvPr>
+          <p:cNvSpPr>
+            <a:spLocks noGrp="1"/>
+          </p:cNvSpPr>
+          <p:nvPr>
+            <p:ph type="sldNum" sz="quarter" idx="12"/>
+          </p:nvPr>
+        </p:nvSpPr>
+        <p:spPr/>
+        <p:txBody>
           <a:bodyPr/>
           <a:lstStyle/>
           <a:p>
-            <a:r>
-              <a:t>GitHub Classroom</a:t>
-            </a:r>
-          </a:p>
-        </p:txBody>
-      </p:sp>
-      <p:sp>
-        <p:nvSpPr>
-          <p:cNvPr id="3" name="Content Placeholder 2"/>
-          <p:cNvSpPr>
-            <a:spLocks noGrp="1"/>
-          </p:cNvSpPr>
-          <p:nvPr>
-            <p:ph idx="1"/>
-          </p:nvPr>
-        </p:nvSpPr>
-        <p:spPr/>
-        <p:txBody>
-          <a:bodyPr/>
-          <a:lstStyle/>
-          <a:p>
-            <a:pPr marL="0" indent="0">
-              <a:buNone/>
-            </a:pPr>
-            <a:r>
-              <a:rPr dirty="0" err="1"/>
-              <a:t>Создаёт</a:t>
-            </a:r>
-            <a:r>
-              <a:rPr dirty="0"/>
-              <a:t> </a:t>
-            </a:r>
-            <a:r>
-              <a:rPr dirty="0" err="1"/>
-              <a:t>каждому</a:t>
-            </a:r>
-            <a:r>
-              <a:rPr dirty="0"/>
-              <a:t> </a:t>
-            </a:r>
-            <a:r>
-              <a:rPr dirty="0" err="1"/>
-              <a:t>студенту</a:t>
-            </a:r>
-            <a:r>
-              <a:rPr dirty="0"/>
-              <a:t> </a:t>
-            </a:r>
-            <a:r>
-              <a:rPr dirty="0" err="1"/>
-              <a:t>приватный</a:t>
-            </a:r>
-            <a:r>
-              <a:rPr dirty="0"/>
-              <a:t> </a:t>
-            </a:r>
-            <a:r>
-              <a:rPr dirty="0" err="1"/>
-              <a:t>репозиторий</a:t>
-            </a:r>
-            <a:endParaRPr dirty="0"/>
-          </a:p>
-          <a:p>
-            <a:pPr marL="0" indent="0">
-              <a:buNone/>
-            </a:pPr>
-            <a:r>
-              <a:rPr dirty="0" err="1"/>
-              <a:t>Преподаватель</a:t>
-            </a:r>
-            <a:r>
-              <a:rPr dirty="0"/>
-              <a:t> </a:t>
-            </a:r>
-            <a:r>
-              <a:rPr dirty="0" err="1"/>
-              <a:t>автоматически</a:t>
-            </a:r>
-            <a:r>
-              <a:rPr dirty="0"/>
-              <a:t> </a:t>
-            </a:r>
-            <a:r>
-              <a:rPr dirty="0" err="1"/>
-              <a:t>получает</a:t>
-            </a:r>
-            <a:r>
-              <a:rPr dirty="0"/>
-              <a:t> </a:t>
-            </a:r>
-            <a:r>
-              <a:rPr dirty="0" err="1"/>
-              <a:t>доступ</a:t>
-            </a:r>
-            <a:endParaRPr dirty="0"/>
-          </a:p>
-          <a:p>
-            <a:pPr marL="0" indent="0">
-              <a:buNone/>
-            </a:pPr>
-            <a:r>
-              <a:rPr dirty="0" err="1"/>
-              <a:t>Студент</a:t>
-            </a:r>
-            <a:r>
-              <a:rPr dirty="0"/>
-              <a:t> </a:t>
-            </a:r>
-            <a:r>
-              <a:rPr dirty="0" err="1"/>
-              <a:t>работает</a:t>
-            </a:r>
-            <a:r>
-              <a:rPr dirty="0"/>
-              <a:t> </a:t>
-            </a:r>
-            <a:r>
-              <a:rPr dirty="0" err="1"/>
-              <a:t>только</a:t>
-            </a:r>
-            <a:r>
-              <a:rPr dirty="0"/>
-              <a:t> в </a:t>
-            </a:r>
-            <a:r>
-              <a:rPr dirty="0" err="1"/>
-              <a:t>своём</a:t>
-            </a:r>
-            <a:r>
-              <a:rPr dirty="0"/>
-              <a:t> </a:t>
-            </a:r>
-            <a:r>
-              <a:rPr dirty="0" err="1"/>
-              <a:t>репозитории</a:t>
-            </a:r>
-            <a:endParaRPr dirty="0"/>
-          </a:p>
-          <a:p>
-            <a:pPr marL="0" indent="0">
-              <a:buNone/>
-            </a:pPr>
-            <a:r>
-              <a:rPr dirty="0" err="1"/>
-              <a:t>Удобно</a:t>
-            </a:r>
-            <a:r>
-              <a:rPr dirty="0"/>
-              <a:t> </a:t>
-            </a:r>
-            <a:r>
-              <a:rPr dirty="0" err="1"/>
-              <a:t>отслеживать</a:t>
-            </a:r>
-            <a:r>
-              <a:rPr dirty="0"/>
-              <a:t> </a:t>
-            </a:r>
-            <a:r>
-              <a:rPr dirty="0" err="1"/>
-              <a:t>прогресс</a:t>
-            </a:r>
-            <a:r>
-              <a:rPr dirty="0"/>
-              <a:t> и </a:t>
-            </a:r>
-            <a:r>
-              <a:rPr dirty="0" err="1"/>
-              <a:t>проверять</a:t>
-            </a:r>
-            <a:r>
-              <a:rPr dirty="0"/>
-              <a:t> </a:t>
-            </a:r>
-            <a:r>
-              <a:rPr dirty="0" err="1"/>
-              <a:t>работы</a:t>
-            </a:r>
-            <a:endParaRPr dirty="0"/>
+            <a:fld id="{C1FF6DA9-008F-8B48-92A6-B652298478BF}" type="slidenum">
+              <a:rPr lang="en-US" sz="2000" smtClean="0"/>
+              <a:t>6</a:t>
+            </a:fld>
+            <a:endParaRPr lang="en-US" sz="2000" dirty="0"/>
           </a:p>
         </p:txBody>
       </p:sp>
@@ -4721,12 +5929,304 @@
       </p:grpSpPr>
       <p:sp>
         <p:nvSpPr>
-          <p:cNvPr id="2" name="Title 1"/>
+          <p:cNvPr id="2" name="Заголовок 1">
+            <a:extLst>
+              <a:ext uri="{FF2B5EF4-FFF2-40B4-BE49-F238E27FC236}">
+                <a16:creationId xmlns:a16="http://schemas.microsoft.com/office/drawing/2014/main" id="{A8C304DF-7D8F-431F-BDBB-53B37E9C7D9E}"/>
+              </a:ext>
+            </a:extLst>
+          </p:cNvPr>
           <p:cNvSpPr>
             <a:spLocks noGrp="1"/>
           </p:cNvSpPr>
           <p:nvPr>
             <p:ph type="title"/>
+          </p:nvPr>
+        </p:nvSpPr>
+        <p:spPr/>
+        <p:txBody>
+          <a:bodyPr>
+            <a:noAutofit/>
+          </a:bodyPr>
+          <a:lstStyle/>
+          <a:p>
+            <a:r>
+              <a:rPr lang="ru-RU" sz="2800" dirty="0">
+                <a:latin typeface="Times New Roman" panose="02020603050405020304" pitchFamily="18" charset="0"/>
+                <a:cs typeface="Times New Roman" panose="02020603050405020304" pitchFamily="18" charset="0"/>
+              </a:rPr>
+              <a:t>Краткий обзор тем курса </a:t>
+            </a:r>
+            <a:br>
+              <a:rPr lang="ru-RU" sz="2800" dirty="0">
+                <a:latin typeface="Times New Roman" panose="02020603050405020304" pitchFamily="18" charset="0"/>
+                <a:cs typeface="Times New Roman" panose="02020603050405020304" pitchFamily="18" charset="0"/>
+              </a:rPr>
+            </a:br>
+            <a:r>
+              <a:rPr lang="ru-RU" sz="2800" dirty="0">
+                <a:latin typeface="Times New Roman" panose="02020603050405020304" pitchFamily="18" charset="0"/>
+                <a:cs typeface="Times New Roman" panose="02020603050405020304" pitchFamily="18" charset="0"/>
+              </a:rPr>
+              <a:t>«Инженерно-техническая поддержка сопровождения ИС»</a:t>
+            </a:r>
+          </a:p>
+        </p:txBody>
+      </p:sp>
+      <p:sp>
+        <p:nvSpPr>
+          <p:cNvPr id="3" name="Объект 2">
+            <a:extLst>
+              <a:ext uri="{FF2B5EF4-FFF2-40B4-BE49-F238E27FC236}">
+                <a16:creationId xmlns:a16="http://schemas.microsoft.com/office/drawing/2014/main" id="{6516423C-DD94-4FA6-B224-896093420068}"/>
+              </a:ext>
+            </a:extLst>
+          </p:cNvPr>
+          <p:cNvSpPr>
+            <a:spLocks noGrp="1"/>
+          </p:cNvSpPr>
+          <p:nvPr>
+            <p:ph idx="1"/>
+          </p:nvPr>
+        </p:nvSpPr>
+        <p:spPr>
+          <a:xfrm>
+            <a:off x="457200" y="1830391"/>
+            <a:ext cx="8229600" cy="4525963"/>
+          </a:xfrm>
+        </p:spPr>
+        <p:txBody>
+          <a:bodyPr>
+            <a:normAutofit fontScale="92500" lnSpcReduction="10000"/>
+          </a:bodyPr>
+          <a:lstStyle/>
+          <a:p>
+            <a:pPr>
+              <a:buFont typeface="Courier New" panose="02070309020205020404" pitchFamily="49" charset="0"/>
+              <a:buChar char="o"/>
+            </a:pPr>
+            <a:r>
+              <a:rPr lang="ru-RU" sz="2400" dirty="0">
+                <a:latin typeface="Times New Roman" panose="02020603050405020304" pitchFamily="18" charset="0"/>
+                <a:cs typeface="Times New Roman" panose="02020603050405020304" pitchFamily="18" charset="0"/>
+              </a:rPr>
+              <a:t>Основы </a:t>
+            </a:r>
+            <a:r>
+              <a:rPr lang="ru-RU" sz="2400" dirty="0" err="1">
+                <a:latin typeface="Times New Roman" panose="02020603050405020304" pitchFamily="18" charset="0"/>
+                <a:cs typeface="Times New Roman" panose="02020603050405020304" pitchFamily="18" charset="0"/>
+              </a:rPr>
+              <a:t>Git</a:t>
+            </a:r>
+            <a:r>
+              <a:rPr lang="ru-RU" sz="2400" dirty="0">
+                <a:latin typeface="Times New Roman" panose="02020603050405020304" pitchFamily="18" charset="0"/>
+                <a:cs typeface="Times New Roman" panose="02020603050405020304" pitchFamily="18" charset="0"/>
+              </a:rPr>
+              <a:t> и командной работы</a:t>
+            </a:r>
+          </a:p>
+          <a:p>
+            <a:pPr>
+              <a:buFont typeface="Courier New" panose="02070309020205020404" pitchFamily="49" charset="0"/>
+              <a:buChar char="o"/>
+            </a:pPr>
+            <a:r>
+              <a:rPr lang="ru-RU" sz="2400" dirty="0">
+                <a:latin typeface="Times New Roman" panose="02020603050405020304" pitchFamily="18" charset="0"/>
+                <a:cs typeface="Times New Roman" panose="02020603050405020304" pitchFamily="18" charset="0"/>
+              </a:rPr>
+              <a:t>Подбор комплектующих и периферийных устройств персонального компьютера</a:t>
+            </a:r>
+          </a:p>
+          <a:p>
+            <a:pPr>
+              <a:buFont typeface="Courier New" panose="02070309020205020404" pitchFamily="49" charset="0"/>
+              <a:buChar char="o"/>
+            </a:pPr>
+            <a:r>
+              <a:rPr lang="ru-RU" sz="2400" dirty="0">
+                <a:latin typeface="Times New Roman" panose="02020603050405020304" pitchFamily="18" charset="0"/>
+                <a:cs typeface="Times New Roman" panose="02020603050405020304" pitchFamily="18" charset="0"/>
+              </a:rPr>
+              <a:t>Хранение данных в ЭВМ</a:t>
+            </a:r>
+          </a:p>
+          <a:p>
+            <a:pPr>
+              <a:buFont typeface="Courier New" panose="02070309020205020404" pitchFamily="49" charset="0"/>
+              <a:buChar char="o"/>
+            </a:pPr>
+            <a:r>
+              <a:rPr lang="ru-RU" sz="2400" dirty="0">
+                <a:latin typeface="Times New Roman" panose="02020603050405020304" pitchFamily="18" charset="0"/>
+                <a:cs typeface="Times New Roman" panose="02020603050405020304" pitchFamily="18" charset="0"/>
+              </a:rPr>
+              <a:t>Работа с </a:t>
+            </a:r>
+            <a:r>
+              <a:rPr lang="en-US" sz="2400" dirty="0">
+                <a:latin typeface="Times New Roman" panose="02020603050405020304" pitchFamily="18" charset="0"/>
+                <a:cs typeface="Times New Roman" panose="02020603050405020304" pitchFamily="18" charset="0"/>
+              </a:rPr>
+              <a:t>BIOS/UEFI</a:t>
+            </a:r>
+            <a:endParaRPr lang="ru-RU" sz="2400" dirty="0">
+              <a:latin typeface="Times New Roman" panose="02020603050405020304" pitchFamily="18" charset="0"/>
+              <a:cs typeface="Times New Roman" panose="02020603050405020304" pitchFamily="18" charset="0"/>
+            </a:endParaRPr>
+          </a:p>
+          <a:p>
+            <a:pPr>
+              <a:buFont typeface="Courier New" panose="02070309020205020404" pitchFamily="49" charset="0"/>
+              <a:buChar char="o"/>
+            </a:pPr>
+            <a:r>
+              <a:rPr lang="ru-RU" sz="2400" dirty="0">
+                <a:latin typeface="Times New Roman" panose="02020603050405020304" pitchFamily="18" charset="0"/>
+                <a:cs typeface="Times New Roman" panose="02020603050405020304" pitchFamily="18" charset="0"/>
+              </a:rPr>
+              <a:t>Оценка состояния жёстких дисков при помощи S.M.A.R.T.</a:t>
+            </a:r>
+          </a:p>
+          <a:p>
+            <a:pPr>
+              <a:buFont typeface="Courier New" panose="02070309020205020404" pitchFamily="49" charset="0"/>
+              <a:buChar char="o"/>
+            </a:pPr>
+            <a:r>
+              <a:rPr lang="ru-RU" sz="2400" dirty="0">
+                <a:latin typeface="Times New Roman" panose="02020603050405020304" pitchFamily="18" charset="0"/>
+                <a:cs typeface="Times New Roman" panose="02020603050405020304" pitchFamily="18" charset="0"/>
+              </a:rPr>
+              <a:t>Программы для диагностики дисковых накопителей</a:t>
+            </a:r>
+          </a:p>
+          <a:p>
+            <a:pPr>
+              <a:buFont typeface="Courier New" panose="02070309020205020404" pitchFamily="49" charset="0"/>
+              <a:buChar char="o"/>
+            </a:pPr>
+            <a:r>
+              <a:rPr lang="ru-RU" sz="2400" dirty="0">
+                <a:latin typeface="Times New Roman" panose="02020603050405020304" pitchFamily="18" charset="0"/>
+                <a:cs typeface="Times New Roman" panose="02020603050405020304" pitchFamily="18" charset="0"/>
+              </a:rPr>
+              <a:t>Средства мониторинга серверного оборудования</a:t>
+            </a:r>
+          </a:p>
+          <a:p>
+            <a:pPr>
+              <a:buFont typeface="Courier New" panose="02070309020205020404" pitchFamily="49" charset="0"/>
+              <a:buChar char="o"/>
+            </a:pPr>
+            <a:r>
+              <a:rPr lang="ru-RU" sz="2400" dirty="0">
+                <a:latin typeface="Times New Roman" panose="02020603050405020304" pitchFamily="18" charset="0"/>
+                <a:cs typeface="Times New Roman" panose="02020603050405020304" pitchFamily="18" charset="0"/>
+              </a:rPr>
+              <a:t>Средства мониторинга сетевого оборудования</a:t>
+            </a:r>
+          </a:p>
+          <a:p>
+            <a:pPr>
+              <a:buFont typeface="Courier New" panose="02070309020205020404" pitchFamily="49" charset="0"/>
+              <a:buChar char="o"/>
+            </a:pPr>
+            <a:r>
+              <a:rPr lang="ru-RU" sz="2400" dirty="0">
+                <a:latin typeface="Times New Roman" panose="02020603050405020304" pitchFamily="18" charset="0"/>
+                <a:cs typeface="Times New Roman" panose="02020603050405020304" pitchFamily="18" charset="0"/>
+              </a:rPr>
+              <a:t>Системы </a:t>
+            </a:r>
+            <a:r>
+              <a:rPr lang="en-US" sz="2400" dirty="0" err="1">
+                <a:latin typeface="Times New Roman" panose="02020603050405020304" pitchFamily="18" charset="0"/>
+                <a:cs typeface="Times New Roman" panose="02020603050405020304" pitchFamily="18" charset="0"/>
+              </a:rPr>
+              <a:t>HelpDesk</a:t>
+            </a:r>
+            <a:r>
+              <a:rPr lang="en-US" sz="2400" dirty="0">
+                <a:latin typeface="Times New Roman" panose="02020603050405020304" pitchFamily="18" charset="0"/>
+                <a:cs typeface="Times New Roman" panose="02020603050405020304" pitchFamily="18" charset="0"/>
+              </a:rPr>
+              <a:t> </a:t>
+            </a:r>
+            <a:r>
+              <a:rPr lang="ru-RU" sz="2400" dirty="0">
+                <a:latin typeface="Times New Roman" panose="02020603050405020304" pitchFamily="18" charset="0"/>
+                <a:cs typeface="Times New Roman" panose="02020603050405020304" pitchFamily="18" charset="0"/>
+              </a:rPr>
+              <a:t>и </a:t>
+            </a:r>
+            <a:r>
+              <a:rPr lang="en-US" sz="2400" dirty="0">
+                <a:latin typeface="Times New Roman" panose="02020603050405020304" pitchFamily="18" charset="0"/>
+                <a:cs typeface="Times New Roman" panose="02020603050405020304" pitchFamily="18" charset="0"/>
+              </a:rPr>
+              <a:t>ServiceDesk</a:t>
+            </a:r>
+            <a:endParaRPr lang="ru-RU" sz="2400" dirty="0">
+              <a:latin typeface="Times New Roman" panose="02020603050405020304" pitchFamily="18" charset="0"/>
+              <a:cs typeface="Times New Roman" panose="02020603050405020304" pitchFamily="18" charset="0"/>
+            </a:endParaRPr>
+          </a:p>
+          <a:p>
+            <a:pPr>
+              <a:buFont typeface="Courier New" panose="02070309020205020404" pitchFamily="49" charset="0"/>
+              <a:buChar char="o"/>
+            </a:pPr>
+            <a:r>
+              <a:rPr lang="ru-RU" sz="2400" dirty="0">
+                <a:latin typeface="Times New Roman" panose="02020603050405020304" pitchFamily="18" charset="0"/>
+                <a:cs typeface="Times New Roman" panose="02020603050405020304" pitchFamily="18" charset="0"/>
+              </a:rPr>
+              <a:t>Введение в </a:t>
+            </a:r>
+            <a:r>
+              <a:rPr lang="en-US" sz="2400" dirty="0">
+                <a:latin typeface="Times New Roman" panose="02020603050405020304" pitchFamily="18" charset="0"/>
+                <a:cs typeface="Times New Roman" panose="02020603050405020304" pitchFamily="18" charset="0"/>
+              </a:rPr>
+              <a:t>Linux</a:t>
+            </a:r>
+            <a:endParaRPr lang="ru-RU" sz="2400" dirty="0">
+              <a:latin typeface="Times New Roman" panose="02020603050405020304" pitchFamily="18" charset="0"/>
+              <a:cs typeface="Times New Roman" panose="02020603050405020304" pitchFamily="18" charset="0"/>
+            </a:endParaRPr>
+          </a:p>
+          <a:p>
+            <a:pPr>
+              <a:buFont typeface="Courier New" panose="02070309020205020404" pitchFamily="49" charset="0"/>
+              <a:buChar char="o"/>
+            </a:pPr>
+            <a:r>
+              <a:rPr lang="ru-RU" sz="2400" dirty="0">
+                <a:latin typeface="Times New Roman" panose="02020603050405020304" pitchFamily="18" charset="0"/>
+                <a:cs typeface="Times New Roman" panose="02020603050405020304" pitchFamily="18" charset="0"/>
+              </a:rPr>
+              <a:t>Создание информационной системы для организации</a:t>
+            </a:r>
+          </a:p>
+        </p:txBody>
+      </p:sp>
+      <p:sp>
+        <p:nvSpPr>
+          <p:cNvPr id="4" name="Номер слайда 3">
+            <a:extLst>
+              <a:ext uri="{FF2B5EF4-FFF2-40B4-BE49-F238E27FC236}">
+                <a16:creationId xmlns:a16="http://schemas.microsoft.com/office/drawing/2014/main" id="{9BAD6EB1-83EC-4FCB-9CD1-7AB1CEA9FCE5}"/>
+              </a:ext>
+            </a:extLst>
+          </p:cNvPr>
+          <p:cNvSpPr>
+            <a:spLocks noGrp="1"/>
+          </p:cNvSpPr>
+          <p:nvPr>
+            <p:ph type="sldNum" sz="quarter" idx="12"/>
           </p:nvPr>
         </p:nvSpPr>
         <p:spPr/>
@@ -4734,100 +6234,20 @@
           <a:bodyPr/>
           <a:lstStyle/>
           <a:p>
-            <a:r>
-              <a:rPr lang="ru-RU" dirty="0"/>
-              <a:t>Формат сдачи</a:t>
-            </a:r>
-          </a:p>
-        </p:txBody>
-      </p:sp>
-      <p:sp>
-        <p:nvSpPr>
-          <p:cNvPr id="3" name="Content Placeholder 2"/>
-          <p:cNvSpPr>
-            <a:spLocks noGrp="1"/>
-          </p:cNvSpPr>
-          <p:nvPr>
-            <p:ph idx="1"/>
-          </p:nvPr>
-        </p:nvSpPr>
-        <p:spPr/>
-        <p:txBody>
-          <a:bodyPr>
-            <a:normAutofit fontScale="92500"/>
-          </a:bodyPr>
-          <a:lstStyle/>
-          <a:p>
-            <a:pPr marL="0" indent="0">
-              <a:buNone/>
-            </a:pPr>
-            <a:r>
-              <a:rPr lang="ru-RU" dirty="0"/>
-              <a:t>Отчёт — в формате .</a:t>
-            </a:r>
-            <a:r>
-              <a:rPr lang="ru-RU" dirty="0" err="1"/>
-              <a:t>docx</a:t>
-            </a:r>
-            <a:r>
-              <a:rPr lang="ru-RU" dirty="0"/>
-              <a:t>.</a:t>
-            </a:r>
-          </a:p>
-          <a:p>
-            <a:pPr marL="0" indent="0">
-              <a:buNone/>
-            </a:pPr>
-            <a:r>
-              <a:rPr lang="ru-RU" dirty="0"/>
-              <a:t>Название файла строго:</a:t>
-            </a:r>
-          </a:p>
-          <a:p>
-            <a:pPr marL="0" indent="0">
-              <a:buNone/>
-            </a:pPr>
-            <a:r>
-              <a:rPr lang="ru-RU" dirty="0"/>
-              <a:t>Лабораторная работа №___.docx</a:t>
-            </a:r>
-          </a:p>
-          <a:p>
-            <a:pPr marL="0" indent="0">
-              <a:buNone/>
-            </a:pPr>
-            <a:r>
-              <a:rPr lang="ru-RU" dirty="0"/>
-              <a:t>(например, Лабораторная работа №01.docx).</a:t>
-            </a:r>
-          </a:p>
-          <a:p>
-            <a:pPr marL="0" indent="0">
-              <a:buNone/>
-            </a:pPr>
-            <a:r>
-              <a:rPr lang="ru-RU" dirty="0"/>
-              <a:t>Исходные файлы — все необходимые скрипты, конфиги, проекты, используемые в работе.</a:t>
-            </a:r>
-          </a:p>
-          <a:p>
-            <a:pPr marL="0" indent="0">
-              <a:buNone/>
-            </a:pPr>
-            <a:r>
-              <a:rPr lang="ru-RU" dirty="0"/>
-              <a:t>Скриншоты — вставлены в отчёт, иллюстрируют результат выполнения.</a:t>
-            </a:r>
-          </a:p>
-          <a:p>
-            <a:pPr marL="0" indent="0">
-              <a:buNone/>
-            </a:pPr>
-            <a:endParaRPr dirty="0"/>
+            <a:fld id="{C1FF6DA9-008F-8B48-92A6-B652298478BF}" type="slidenum">
+              <a:rPr lang="en-US" sz="2000" smtClean="0"/>
+              <a:t>7</a:t>
+            </a:fld>
+            <a:endParaRPr lang="en-US" sz="2000" dirty="0"/>
           </a:p>
         </p:txBody>
       </p:sp>
     </p:spTree>
+    <p:extLst>
+      <p:ext uri="{BB962C8B-B14F-4D97-AF65-F5344CB8AC3E}">
+        <p14:creationId xmlns:p14="http://schemas.microsoft.com/office/powerpoint/2010/main" val="664629624"/>
+      </p:ext>
+    </p:extLst>
   </p:cSld>
   <p:clrMapOvr>
     <a:masterClrMapping/>
@@ -4864,173 +6284,358 @@
         </p:nvSpPr>
         <p:spPr/>
         <p:txBody>
+          <a:bodyPr>
+            <a:normAutofit/>
+          </a:bodyPr>
+          <a:lstStyle/>
+          <a:p>
+            <a:r>
+              <a:rPr sz="3600" dirty="0" err="1">
+                <a:latin typeface="Times New Roman" panose="02020603050405020304" pitchFamily="18" charset="0"/>
+                <a:cs typeface="Times New Roman" panose="02020603050405020304" pitchFamily="18" charset="0"/>
+              </a:rPr>
+              <a:t>Что</a:t>
+            </a:r>
+            <a:r>
+              <a:rPr sz="3600" dirty="0">
+                <a:latin typeface="Times New Roman" panose="02020603050405020304" pitchFamily="18" charset="0"/>
+                <a:cs typeface="Times New Roman" panose="02020603050405020304" pitchFamily="18" charset="0"/>
+              </a:rPr>
+              <a:t> </a:t>
+            </a:r>
+            <a:r>
+              <a:rPr sz="3600" dirty="0" err="1">
+                <a:latin typeface="Times New Roman" panose="02020603050405020304" pitchFamily="18" charset="0"/>
+                <a:cs typeface="Times New Roman" panose="02020603050405020304" pitchFamily="18" charset="0"/>
+              </a:rPr>
+              <a:t>такое</a:t>
+            </a:r>
+            <a:r>
+              <a:rPr sz="3600" dirty="0">
+                <a:latin typeface="Times New Roman" panose="02020603050405020304" pitchFamily="18" charset="0"/>
+                <a:cs typeface="Times New Roman" panose="02020603050405020304" pitchFamily="18" charset="0"/>
+              </a:rPr>
+              <a:t> Git</a:t>
+            </a:r>
+          </a:p>
+        </p:txBody>
+      </p:sp>
+      <p:sp>
+        <p:nvSpPr>
+          <p:cNvPr id="3" name="Content Placeholder 2"/>
+          <p:cNvSpPr>
+            <a:spLocks noGrp="1"/>
+          </p:cNvSpPr>
+          <p:nvPr>
+            <p:ph idx="1"/>
+          </p:nvPr>
+        </p:nvSpPr>
+        <p:spPr/>
+        <p:txBody>
           <a:bodyPr/>
           <a:lstStyle/>
           <a:p>
-            <a:r>
-              <a:t>Система оценивания</a:t>
-            </a:r>
-          </a:p>
-        </p:txBody>
-      </p:sp>
-      <p:sp>
-        <p:nvSpPr>
-          <p:cNvPr id="3" name="Content Placeholder 2"/>
-          <p:cNvSpPr>
-            <a:spLocks noGrp="1"/>
-          </p:cNvSpPr>
-          <p:nvPr>
-            <p:ph idx="1"/>
+            <a:pPr marL="0" indent="0">
+              <a:buNone/>
+            </a:pPr>
+            <a:r>
+              <a:rPr dirty="0" err="1">
+                <a:latin typeface="Times New Roman" panose="02020603050405020304" pitchFamily="18" charset="0"/>
+                <a:cs typeface="Times New Roman" panose="02020603050405020304" pitchFamily="18" charset="0"/>
+              </a:rPr>
+              <a:t>Система</a:t>
+            </a:r>
+            <a:r>
+              <a:rPr dirty="0">
+                <a:latin typeface="Times New Roman" panose="02020603050405020304" pitchFamily="18" charset="0"/>
+                <a:cs typeface="Times New Roman" panose="02020603050405020304" pitchFamily="18" charset="0"/>
+              </a:rPr>
+              <a:t> </a:t>
+            </a:r>
+            <a:r>
+              <a:rPr dirty="0" err="1">
+                <a:latin typeface="Times New Roman" panose="02020603050405020304" pitchFamily="18" charset="0"/>
+                <a:cs typeface="Times New Roman" panose="02020603050405020304" pitchFamily="18" charset="0"/>
+              </a:rPr>
+              <a:t>контроля</a:t>
+            </a:r>
+            <a:r>
+              <a:rPr dirty="0">
+                <a:latin typeface="Times New Roman" panose="02020603050405020304" pitchFamily="18" charset="0"/>
+                <a:cs typeface="Times New Roman" panose="02020603050405020304" pitchFamily="18" charset="0"/>
+              </a:rPr>
+              <a:t> </a:t>
+            </a:r>
+            <a:r>
+              <a:rPr dirty="0" err="1">
+                <a:latin typeface="Times New Roman" panose="02020603050405020304" pitchFamily="18" charset="0"/>
+                <a:cs typeface="Times New Roman" panose="02020603050405020304" pitchFamily="18" charset="0"/>
+              </a:rPr>
+              <a:t>версий</a:t>
+            </a:r>
+            <a:endParaRPr lang="ru-RU" dirty="0">
+              <a:latin typeface="Times New Roman" panose="02020603050405020304" pitchFamily="18" charset="0"/>
+              <a:cs typeface="Times New Roman" panose="02020603050405020304" pitchFamily="18" charset="0"/>
+            </a:endParaRPr>
+          </a:p>
+          <a:p>
+            <a:pPr marL="0" indent="0">
+              <a:buNone/>
+            </a:pPr>
+            <a:r>
+              <a:rPr dirty="0" err="1">
+                <a:latin typeface="Times New Roman" panose="02020603050405020304" pitchFamily="18" charset="0"/>
+                <a:cs typeface="Times New Roman" panose="02020603050405020304" pitchFamily="18" charset="0"/>
+              </a:rPr>
+              <a:t>Позволяет</a:t>
+            </a:r>
+            <a:r>
+              <a:rPr dirty="0">
+                <a:latin typeface="Times New Roman" panose="02020603050405020304" pitchFamily="18" charset="0"/>
+                <a:cs typeface="Times New Roman" panose="02020603050405020304" pitchFamily="18" charset="0"/>
+              </a:rPr>
+              <a:t> </a:t>
+            </a:r>
+            <a:r>
+              <a:rPr dirty="0" err="1">
+                <a:latin typeface="Times New Roman" panose="02020603050405020304" pitchFamily="18" charset="0"/>
+                <a:cs typeface="Times New Roman" panose="02020603050405020304" pitchFamily="18" charset="0"/>
+              </a:rPr>
+              <a:t>хранить</a:t>
+            </a:r>
+            <a:r>
+              <a:rPr dirty="0">
+                <a:latin typeface="Times New Roman" panose="02020603050405020304" pitchFamily="18" charset="0"/>
+                <a:cs typeface="Times New Roman" panose="02020603050405020304" pitchFamily="18" charset="0"/>
+              </a:rPr>
+              <a:t> и </a:t>
+            </a:r>
+            <a:r>
+              <a:rPr dirty="0" err="1">
+                <a:latin typeface="Times New Roman" panose="02020603050405020304" pitchFamily="18" charset="0"/>
+                <a:cs typeface="Times New Roman" panose="02020603050405020304" pitchFamily="18" charset="0"/>
+              </a:rPr>
+              <a:t>отслеживать</a:t>
+            </a:r>
+            <a:r>
+              <a:rPr dirty="0">
+                <a:latin typeface="Times New Roman" panose="02020603050405020304" pitchFamily="18" charset="0"/>
+                <a:cs typeface="Times New Roman" panose="02020603050405020304" pitchFamily="18" charset="0"/>
+              </a:rPr>
+              <a:t> </a:t>
+            </a:r>
+            <a:r>
+              <a:rPr dirty="0" err="1">
+                <a:latin typeface="Times New Roman" panose="02020603050405020304" pitchFamily="18" charset="0"/>
+                <a:cs typeface="Times New Roman" panose="02020603050405020304" pitchFamily="18" charset="0"/>
+              </a:rPr>
+              <a:t>изменения</a:t>
+            </a:r>
+            <a:r>
+              <a:rPr dirty="0">
+                <a:latin typeface="Times New Roman" panose="02020603050405020304" pitchFamily="18" charset="0"/>
+                <a:cs typeface="Times New Roman" panose="02020603050405020304" pitchFamily="18" charset="0"/>
+              </a:rPr>
+              <a:t> в </a:t>
+            </a:r>
+            <a:r>
+              <a:rPr dirty="0" err="1">
+                <a:latin typeface="Times New Roman" panose="02020603050405020304" pitchFamily="18" charset="0"/>
+                <a:cs typeface="Times New Roman" panose="02020603050405020304" pitchFamily="18" charset="0"/>
+              </a:rPr>
+              <a:t>проектах</a:t>
+            </a:r>
+            <a:endParaRPr dirty="0">
+              <a:latin typeface="Times New Roman" panose="02020603050405020304" pitchFamily="18" charset="0"/>
+              <a:cs typeface="Times New Roman" panose="02020603050405020304" pitchFamily="18" charset="0"/>
+            </a:endParaRPr>
+          </a:p>
+          <a:p>
+            <a:pPr marL="0" indent="0">
+              <a:buNone/>
+            </a:pPr>
+            <a:r>
+              <a:rPr dirty="0" err="1">
+                <a:latin typeface="Times New Roman" panose="02020603050405020304" pitchFamily="18" charset="0"/>
+                <a:cs typeface="Times New Roman" panose="02020603050405020304" pitchFamily="18" charset="0"/>
+              </a:rPr>
+              <a:t>Даёт</a:t>
+            </a:r>
+            <a:r>
+              <a:rPr dirty="0">
+                <a:latin typeface="Times New Roman" panose="02020603050405020304" pitchFamily="18" charset="0"/>
+                <a:cs typeface="Times New Roman" panose="02020603050405020304" pitchFamily="18" charset="0"/>
+              </a:rPr>
+              <a:t> </a:t>
+            </a:r>
+            <a:r>
+              <a:rPr dirty="0" err="1">
+                <a:latin typeface="Times New Roman" panose="02020603050405020304" pitchFamily="18" charset="0"/>
+                <a:cs typeface="Times New Roman" panose="02020603050405020304" pitchFamily="18" charset="0"/>
+              </a:rPr>
+              <a:t>возможность</a:t>
+            </a:r>
+            <a:r>
+              <a:rPr dirty="0">
+                <a:latin typeface="Times New Roman" panose="02020603050405020304" pitchFamily="18" charset="0"/>
+                <a:cs typeface="Times New Roman" panose="02020603050405020304" pitchFamily="18" charset="0"/>
+              </a:rPr>
+              <a:t> </a:t>
+            </a:r>
+            <a:r>
+              <a:rPr dirty="0" err="1">
+                <a:latin typeface="Times New Roman" panose="02020603050405020304" pitchFamily="18" charset="0"/>
+                <a:cs typeface="Times New Roman" panose="02020603050405020304" pitchFamily="18" charset="0"/>
+              </a:rPr>
+              <a:t>вернуться</a:t>
+            </a:r>
+            <a:r>
+              <a:rPr dirty="0">
+                <a:latin typeface="Times New Roman" panose="02020603050405020304" pitchFamily="18" charset="0"/>
+                <a:cs typeface="Times New Roman" panose="02020603050405020304" pitchFamily="18" charset="0"/>
+              </a:rPr>
+              <a:t> к </a:t>
+            </a:r>
+            <a:r>
+              <a:rPr dirty="0" err="1">
+                <a:latin typeface="Times New Roman" panose="02020603050405020304" pitchFamily="18" charset="0"/>
+                <a:cs typeface="Times New Roman" panose="02020603050405020304" pitchFamily="18" charset="0"/>
+              </a:rPr>
+              <a:t>любому</a:t>
+            </a:r>
+            <a:r>
+              <a:rPr dirty="0">
+                <a:latin typeface="Times New Roman" panose="02020603050405020304" pitchFamily="18" charset="0"/>
+                <a:cs typeface="Times New Roman" panose="02020603050405020304" pitchFamily="18" charset="0"/>
+              </a:rPr>
+              <a:t> </a:t>
+            </a:r>
+            <a:r>
+              <a:rPr dirty="0" err="1">
+                <a:latin typeface="Times New Roman" panose="02020603050405020304" pitchFamily="18" charset="0"/>
+                <a:cs typeface="Times New Roman" panose="02020603050405020304" pitchFamily="18" charset="0"/>
+              </a:rPr>
+              <a:t>состоянию</a:t>
+            </a:r>
+            <a:r>
+              <a:rPr dirty="0">
+                <a:latin typeface="Times New Roman" panose="02020603050405020304" pitchFamily="18" charset="0"/>
+                <a:cs typeface="Times New Roman" panose="02020603050405020304" pitchFamily="18" charset="0"/>
+              </a:rPr>
+              <a:t> </a:t>
+            </a:r>
+            <a:r>
+              <a:rPr dirty="0" err="1">
+                <a:latin typeface="Times New Roman" panose="02020603050405020304" pitchFamily="18" charset="0"/>
+                <a:cs typeface="Times New Roman" panose="02020603050405020304" pitchFamily="18" charset="0"/>
+              </a:rPr>
+              <a:t>проекта</a:t>
+            </a:r>
+            <a:endParaRPr dirty="0">
+              <a:latin typeface="Times New Roman" panose="02020603050405020304" pitchFamily="18" charset="0"/>
+              <a:cs typeface="Times New Roman" panose="02020603050405020304" pitchFamily="18" charset="0"/>
+            </a:endParaRPr>
+          </a:p>
+          <a:p>
+            <a:pPr marL="0" indent="0">
+              <a:buNone/>
+            </a:pPr>
+            <a:r>
+              <a:rPr dirty="0" err="1">
+                <a:latin typeface="Times New Roman" panose="02020603050405020304" pitchFamily="18" charset="0"/>
+                <a:cs typeface="Times New Roman" panose="02020603050405020304" pitchFamily="18" charset="0"/>
+              </a:rPr>
+              <a:t>Обязательный</a:t>
+            </a:r>
+            <a:r>
+              <a:rPr dirty="0">
+                <a:latin typeface="Times New Roman" panose="02020603050405020304" pitchFamily="18" charset="0"/>
+                <a:cs typeface="Times New Roman" panose="02020603050405020304" pitchFamily="18" charset="0"/>
+              </a:rPr>
+              <a:t> </a:t>
+            </a:r>
+            <a:r>
+              <a:rPr dirty="0" err="1">
+                <a:latin typeface="Times New Roman" panose="02020603050405020304" pitchFamily="18" charset="0"/>
+                <a:cs typeface="Times New Roman" panose="02020603050405020304" pitchFamily="18" charset="0"/>
+              </a:rPr>
+              <a:t>инструмент</a:t>
+            </a:r>
+            <a:r>
+              <a:rPr dirty="0">
+                <a:latin typeface="Times New Roman" panose="02020603050405020304" pitchFamily="18" charset="0"/>
+                <a:cs typeface="Times New Roman" panose="02020603050405020304" pitchFamily="18" charset="0"/>
+              </a:rPr>
+              <a:t> в </a:t>
+            </a:r>
+            <a:r>
+              <a:rPr dirty="0" err="1">
+                <a:latin typeface="Times New Roman" panose="02020603050405020304" pitchFamily="18" charset="0"/>
+                <a:cs typeface="Times New Roman" panose="02020603050405020304" pitchFamily="18" charset="0"/>
+              </a:rPr>
+              <a:t>работе</a:t>
+            </a:r>
+            <a:r>
+              <a:rPr dirty="0">
+                <a:latin typeface="Times New Roman" panose="02020603050405020304" pitchFamily="18" charset="0"/>
+                <a:cs typeface="Times New Roman" panose="02020603050405020304" pitchFamily="18" charset="0"/>
+              </a:rPr>
+              <a:t> </a:t>
+            </a:r>
+            <a:r>
+              <a:rPr dirty="0" err="1">
+                <a:latin typeface="Times New Roman" panose="02020603050405020304" pitchFamily="18" charset="0"/>
+                <a:cs typeface="Times New Roman" panose="02020603050405020304" pitchFamily="18" charset="0"/>
+              </a:rPr>
+              <a:t>инженеров</a:t>
+            </a:r>
+            <a:r>
+              <a:rPr dirty="0">
+                <a:latin typeface="Times New Roman" panose="02020603050405020304" pitchFamily="18" charset="0"/>
+                <a:cs typeface="Times New Roman" panose="02020603050405020304" pitchFamily="18" charset="0"/>
+              </a:rPr>
+              <a:t> и </a:t>
+            </a:r>
+            <a:r>
+              <a:rPr dirty="0" err="1">
+                <a:latin typeface="Times New Roman" panose="02020603050405020304" pitchFamily="18" charset="0"/>
+                <a:cs typeface="Times New Roman" panose="02020603050405020304" pitchFamily="18" charset="0"/>
+              </a:rPr>
+              <a:t>разработчиков</a:t>
+            </a:r>
+            <a:endParaRPr dirty="0">
+              <a:latin typeface="Times New Roman" panose="02020603050405020304" pitchFamily="18" charset="0"/>
+              <a:cs typeface="Times New Roman" panose="02020603050405020304" pitchFamily="18" charset="0"/>
+            </a:endParaRPr>
+          </a:p>
+        </p:txBody>
+      </p:sp>
+      <p:sp>
+        <p:nvSpPr>
+          <p:cNvPr id="4" name="Номер слайда 3">
+            <a:extLst>
+              <a:ext uri="{FF2B5EF4-FFF2-40B4-BE49-F238E27FC236}">
+                <a16:creationId xmlns:a16="http://schemas.microsoft.com/office/drawing/2014/main" id="{0AB8FF7E-8B44-4F3B-9ECA-FAEF6596D636}"/>
+              </a:ext>
+            </a:extLst>
+          </p:cNvPr>
+          <p:cNvSpPr>
+            <a:spLocks noGrp="1"/>
+          </p:cNvSpPr>
+          <p:nvPr>
+            <p:ph type="sldNum" sz="quarter" idx="12"/>
           </p:nvPr>
         </p:nvSpPr>
         <p:spPr/>
         <p:txBody>
-          <a:bodyPr>
-            <a:normAutofit lnSpcReduction="10000"/>
-          </a:bodyPr>
+          <a:bodyPr/>
           <a:lstStyle/>
           <a:p>
-            <a:pPr marL="0" indent="0">
-              <a:buNone/>
-            </a:pPr>
-            <a:r>
-              <a:rPr dirty="0" err="1"/>
-              <a:t>Каждая</a:t>
-            </a:r>
-            <a:r>
-              <a:rPr dirty="0"/>
-              <a:t> </a:t>
-            </a:r>
-            <a:r>
-              <a:rPr dirty="0" err="1"/>
-              <a:t>работа</a:t>
-            </a:r>
-            <a:r>
-              <a:rPr dirty="0"/>
-              <a:t> </a:t>
-            </a:r>
-            <a:r>
-              <a:rPr dirty="0" err="1"/>
-              <a:t>оценивается</a:t>
-            </a:r>
-            <a:r>
-              <a:rPr dirty="0"/>
-              <a:t> </a:t>
-            </a:r>
-            <a:r>
-              <a:rPr dirty="0" err="1"/>
-              <a:t>по</a:t>
-            </a:r>
-            <a:r>
-              <a:rPr dirty="0"/>
-              <a:t> </a:t>
-            </a:r>
-            <a:r>
-              <a:rPr dirty="0" err="1"/>
-              <a:t>критериям</a:t>
-            </a:r>
-            <a:r>
-              <a:rPr dirty="0"/>
-              <a:t>:</a:t>
-            </a:r>
-            <a:endParaRPr lang="ru-RU" dirty="0"/>
-          </a:p>
-          <a:p>
-            <a:pPr marL="0" indent="0">
-              <a:buNone/>
-            </a:pPr>
-            <a:r>
-              <a:rPr lang="ru-RU" dirty="0"/>
-              <a:t>Своевременность</a:t>
-            </a:r>
-          </a:p>
-          <a:p>
-            <a:pPr marL="0" indent="0">
-              <a:buNone/>
-            </a:pPr>
-            <a:r>
-              <a:rPr dirty="0" err="1"/>
-              <a:t>Работоспособность</a:t>
-            </a:r>
-            <a:endParaRPr dirty="0"/>
-          </a:p>
-          <a:p>
-            <a:pPr marL="0" indent="0">
-              <a:buNone/>
-            </a:pPr>
-            <a:r>
-              <a:rPr dirty="0" err="1"/>
-              <a:t>Оформление</a:t>
-            </a:r>
-            <a:endParaRPr dirty="0"/>
-          </a:p>
-          <a:p>
-            <a:pPr marL="0" indent="0">
-              <a:buNone/>
-            </a:pPr>
-            <a:r>
-              <a:rPr dirty="0" err="1"/>
-              <a:t>Практика</a:t>
-            </a:r>
-            <a:r>
-              <a:rPr dirty="0"/>
-              <a:t> Git</a:t>
-            </a:r>
-          </a:p>
-          <a:p>
-            <a:pPr marL="0" indent="0">
-              <a:buNone/>
-            </a:pPr>
-            <a:r>
-              <a:rPr dirty="0" err="1"/>
-              <a:t>Документация</a:t>
-            </a:r>
-            <a:endParaRPr lang="ru-RU" dirty="0"/>
-          </a:p>
-          <a:p>
-            <a:pPr marL="0" indent="0">
-              <a:buNone/>
-            </a:pPr>
-            <a:r>
-              <a:rPr dirty="0" err="1"/>
-              <a:t>Итог</a:t>
-            </a:r>
-            <a:r>
-              <a:rPr dirty="0"/>
-              <a:t> </a:t>
-            </a:r>
-            <a:r>
-              <a:rPr dirty="0" err="1"/>
-              <a:t>фиксируется</a:t>
-            </a:r>
-            <a:r>
-              <a:rPr dirty="0"/>
-              <a:t> в Excel-</a:t>
-            </a:r>
-            <a:r>
-              <a:rPr dirty="0" err="1"/>
-              <a:t>файле</a:t>
-            </a:r>
-            <a:r>
-              <a:rPr dirty="0"/>
-              <a:t> «</a:t>
-            </a:r>
-            <a:r>
-              <a:rPr dirty="0" err="1"/>
-              <a:t>Оценки_Лабораторные</a:t>
-            </a:r>
-            <a:r>
-              <a:rPr dirty="0"/>
-              <a:t>_&lt;</a:t>
-            </a:r>
-            <a:r>
-              <a:rPr dirty="0" err="1"/>
-              <a:t>Группа</a:t>
-            </a:r>
-            <a:r>
-              <a:rPr dirty="0"/>
-              <a:t>&gt;.xlsx»</a:t>
-            </a:r>
+            <a:fld id="{C1FF6DA9-008F-8B48-92A6-B652298478BF}" type="slidenum">
+              <a:rPr lang="en-US" sz="2000" smtClean="0"/>
+              <a:t>8</a:t>
+            </a:fld>
+            <a:endParaRPr lang="en-US" sz="2000" dirty="0"/>
           </a:p>
         </p:txBody>
       </p:sp>
@@ -5072,12 +6677,16 @@
         <p:spPr/>
         <p:txBody>
           <a:bodyPr>
-            <a:normAutofit fontScale="90000"/>
+            <a:normAutofit/>
           </a:bodyPr>
           <a:lstStyle/>
           <a:p>
             <a:r>
-              <a:t>Пример работы в GitHub Classroom</a:t>
+              <a:rPr sz="3600" dirty="0">
+                <a:latin typeface="Times New Roman" panose="02020603050405020304" pitchFamily="18" charset="0"/>
+                <a:cs typeface="Times New Roman" panose="02020603050405020304" pitchFamily="18" charset="0"/>
+              </a:rPr>
+              <a:t>GitHub Classroom</a:t>
             </a:r>
           </a:p>
         </p:txBody>
@@ -5090,6 +6699,223 @@
           </p:cNvSpPr>
           <p:nvPr>
             <p:ph idx="1"/>
+          </p:nvPr>
+        </p:nvSpPr>
+        <p:spPr>
+          <a:xfrm>
+            <a:off x="457200" y="1600200"/>
+            <a:ext cx="8229600" cy="4756150"/>
+          </a:xfrm>
+        </p:spPr>
+        <p:txBody>
+          <a:bodyPr>
+            <a:normAutofit fontScale="85000" lnSpcReduction="20000"/>
+          </a:bodyPr>
+          <a:lstStyle/>
+          <a:p>
+            <a:pPr marL="0" indent="0">
+              <a:buNone/>
+            </a:pPr>
+            <a:r>
+              <a:rPr lang="ru-RU" b="1" dirty="0">
+                <a:latin typeface="Times New Roman" panose="02020603050405020304" pitchFamily="18" charset="0"/>
+                <a:cs typeface="Times New Roman" panose="02020603050405020304" pitchFamily="18" charset="0"/>
+              </a:rPr>
+              <a:t>Для преподавателя: </a:t>
+            </a:r>
+          </a:p>
+          <a:p>
+            <a:pPr marL="0" indent="0">
+              <a:buNone/>
+            </a:pPr>
+            <a:r>
+              <a:rPr lang="ru-RU" dirty="0">
+                <a:latin typeface="Times New Roman" panose="02020603050405020304" pitchFamily="18" charset="0"/>
+                <a:cs typeface="Times New Roman" panose="02020603050405020304" pitchFamily="18" charset="0"/>
+              </a:rPr>
+              <a:t>Легко создавать и проверять задания.</a:t>
+            </a:r>
+          </a:p>
+          <a:p>
+            <a:pPr marL="0" indent="0">
+              <a:buNone/>
+            </a:pPr>
+            <a:r>
+              <a:rPr lang="ru-RU" dirty="0">
+                <a:latin typeface="Times New Roman" panose="02020603050405020304" pitchFamily="18" charset="0"/>
+                <a:cs typeface="Times New Roman" panose="02020603050405020304" pitchFamily="18" charset="0"/>
+              </a:rPr>
+              <a:t>Стартовый код для всех студентов.</a:t>
+            </a:r>
+          </a:p>
+          <a:p>
+            <a:pPr marL="0" indent="0">
+              <a:buNone/>
+            </a:pPr>
+            <a:r>
+              <a:rPr lang="ru-RU" dirty="0">
+                <a:latin typeface="Times New Roman" panose="02020603050405020304" pitchFamily="18" charset="0"/>
+                <a:cs typeface="Times New Roman" panose="02020603050405020304" pitchFamily="18" charset="0"/>
+              </a:rPr>
+              <a:t>Автопроверка тестов (</a:t>
+            </a:r>
+            <a:r>
+              <a:rPr lang="ru-RU" dirty="0" err="1">
+                <a:latin typeface="Times New Roman" panose="02020603050405020304" pitchFamily="18" charset="0"/>
+                <a:cs typeface="Times New Roman" panose="02020603050405020304" pitchFamily="18" charset="0"/>
+              </a:rPr>
+              <a:t>Autograding</a:t>
+            </a:r>
+            <a:r>
+              <a:rPr lang="ru-RU" dirty="0">
+                <a:latin typeface="Times New Roman" panose="02020603050405020304" pitchFamily="18" charset="0"/>
+                <a:cs typeface="Times New Roman" panose="02020603050405020304" pitchFamily="18" charset="0"/>
+              </a:rPr>
+              <a:t>).</a:t>
+            </a:r>
+          </a:p>
+          <a:p>
+            <a:pPr marL="0" indent="0">
+              <a:buNone/>
+            </a:pPr>
+            <a:r>
+              <a:rPr lang="ru-RU" dirty="0" err="1">
+                <a:latin typeface="Times New Roman" panose="02020603050405020304" pitchFamily="18" charset="0"/>
+                <a:cs typeface="Times New Roman" panose="02020603050405020304" pitchFamily="18" charset="0"/>
+              </a:rPr>
+              <a:t>Dashboard</a:t>
+            </a:r>
+            <a:r>
+              <a:rPr lang="ru-RU" dirty="0">
+                <a:latin typeface="Times New Roman" panose="02020603050405020304" pitchFamily="18" charset="0"/>
+                <a:cs typeface="Times New Roman" panose="02020603050405020304" pitchFamily="18" charset="0"/>
+              </a:rPr>
+              <a:t> для отслеживания прогресса.</a:t>
+            </a:r>
+            <a:br>
+              <a:rPr lang="ru-RU" dirty="0">
+                <a:latin typeface="Times New Roman" panose="02020603050405020304" pitchFamily="18" charset="0"/>
+                <a:cs typeface="Times New Roman" panose="02020603050405020304" pitchFamily="18" charset="0"/>
+              </a:rPr>
+            </a:br>
+            <a:endParaRPr lang="ru-RU" dirty="0">
+              <a:latin typeface="Times New Roman" panose="02020603050405020304" pitchFamily="18" charset="0"/>
+              <a:cs typeface="Times New Roman" panose="02020603050405020304" pitchFamily="18" charset="0"/>
+            </a:endParaRPr>
+          </a:p>
+          <a:p>
+            <a:pPr marL="0" indent="0">
+              <a:buNone/>
+            </a:pPr>
+            <a:r>
+              <a:rPr lang="ru-RU" b="1" dirty="0">
+                <a:latin typeface="Times New Roman" panose="02020603050405020304" pitchFamily="18" charset="0"/>
+                <a:cs typeface="Times New Roman" panose="02020603050405020304" pitchFamily="18" charset="0"/>
+              </a:rPr>
+              <a:t>Для студента: </a:t>
+            </a:r>
+          </a:p>
+          <a:p>
+            <a:pPr marL="0" indent="0">
+              <a:buNone/>
+            </a:pPr>
+            <a:r>
+              <a:rPr lang="ru-RU" dirty="0">
+                <a:latin typeface="Times New Roman" panose="02020603050405020304" pitchFamily="18" charset="0"/>
+                <a:cs typeface="Times New Roman" panose="02020603050405020304" pitchFamily="18" charset="0"/>
+              </a:rPr>
+              <a:t>Простой старт и обратная связь.</a:t>
+            </a:r>
+          </a:p>
+          <a:p>
+            <a:pPr marL="0" indent="0">
+              <a:buNone/>
+            </a:pPr>
+            <a:r>
+              <a:rPr lang="ru-RU" dirty="0">
+                <a:latin typeface="Times New Roman" panose="02020603050405020304" pitchFamily="18" charset="0"/>
+                <a:cs typeface="Times New Roman" panose="02020603050405020304" pitchFamily="18" charset="0"/>
+              </a:rPr>
+              <a:t>Личный репозиторий создается в 1 клик.</a:t>
+            </a:r>
+          </a:p>
+          <a:p>
+            <a:pPr marL="0" indent="0">
+              <a:buNone/>
+            </a:pPr>
+            <a:r>
+              <a:rPr lang="ru-RU" dirty="0">
+                <a:latin typeface="Times New Roman" panose="02020603050405020304" pitchFamily="18" charset="0"/>
+                <a:cs typeface="Times New Roman" panose="02020603050405020304" pitchFamily="18" charset="0"/>
+              </a:rPr>
+              <a:t>Интеграция с IDE (</a:t>
+            </a:r>
+            <a:r>
+              <a:rPr lang="ru-RU" dirty="0" err="1">
+                <a:latin typeface="Times New Roman" panose="02020603050405020304" pitchFamily="18" charset="0"/>
+                <a:cs typeface="Times New Roman" panose="02020603050405020304" pitchFamily="18" charset="0"/>
+              </a:rPr>
+              <a:t>VSCode</a:t>
+            </a:r>
+            <a:r>
+              <a:rPr lang="ru-RU" dirty="0">
+                <a:latin typeface="Times New Roman" panose="02020603050405020304" pitchFamily="18" charset="0"/>
+                <a:cs typeface="Times New Roman" panose="02020603050405020304" pitchFamily="18" charset="0"/>
+              </a:rPr>
+              <a:t>, </a:t>
+            </a:r>
+            <a:r>
+              <a:rPr lang="ru-RU" dirty="0" err="1">
+                <a:latin typeface="Times New Roman" panose="02020603050405020304" pitchFamily="18" charset="0"/>
+                <a:cs typeface="Times New Roman" panose="02020603050405020304" pitchFamily="18" charset="0"/>
+              </a:rPr>
+              <a:t>PyCharm</a:t>
+            </a:r>
+            <a:r>
+              <a:rPr lang="ru-RU" dirty="0">
+                <a:latin typeface="Times New Roman" panose="02020603050405020304" pitchFamily="18" charset="0"/>
+                <a:cs typeface="Times New Roman" panose="02020603050405020304" pitchFamily="18" charset="0"/>
+              </a:rPr>
+              <a:t>).</a:t>
+            </a:r>
+          </a:p>
+          <a:p>
+            <a:pPr marL="0" indent="0">
+              <a:buNone/>
+            </a:pPr>
+            <a:r>
+              <a:rPr lang="ru-RU" dirty="0">
+                <a:latin typeface="Times New Roman" panose="02020603050405020304" pitchFamily="18" charset="0"/>
+                <a:cs typeface="Times New Roman" panose="02020603050405020304" pitchFamily="18" charset="0"/>
+              </a:rPr>
+              <a:t>Мгновенный фидбек от тестов.</a:t>
+            </a:r>
+          </a:p>
+          <a:p>
+            <a:pPr marL="0" indent="0">
+              <a:buNone/>
+            </a:pPr>
+            <a:endParaRPr lang="ru-RU" dirty="0">
+              <a:latin typeface="Times New Roman" panose="02020603050405020304" pitchFamily="18" charset="0"/>
+              <a:cs typeface="Times New Roman" panose="02020603050405020304" pitchFamily="18" charset="0"/>
+            </a:endParaRPr>
+          </a:p>
+        </p:txBody>
+      </p:sp>
+      <p:sp>
+        <p:nvSpPr>
+          <p:cNvPr id="4" name="Номер слайда 3">
+            <a:extLst>
+              <a:ext uri="{FF2B5EF4-FFF2-40B4-BE49-F238E27FC236}">
+                <a16:creationId xmlns:a16="http://schemas.microsoft.com/office/drawing/2014/main" id="{1CD990E0-79CA-4245-A009-D270279911BC}"/>
+              </a:ext>
+            </a:extLst>
+          </p:cNvPr>
+          <p:cNvSpPr>
+            <a:spLocks noGrp="1"/>
+          </p:cNvSpPr>
+          <p:nvPr>
+            <p:ph type="sldNum" sz="quarter" idx="12"/>
           </p:nvPr>
         </p:nvSpPr>
         <p:spPr/>
@@ -5097,185 +6923,11 @@
           <a:bodyPr/>
           <a:lstStyle/>
           <a:p>
-            <a:pPr marL="0" indent="0">
-              <a:buNone/>
-            </a:pPr>
-            <a:r>
-              <a:rPr dirty="0"/>
-              <a:t>1.</a:t>
-            </a:r>
-            <a:r>
-              <a:rPr lang="ru-RU" dirty="0"/>
-              <a:t> </a:t>
-            </a:r>
-            <a:r>
-              <a:rPr dirty="0" err="1"/>
-              <a:t>Студент</a:t>
-            </a:r>
-            <a:r>
-              <a:rPr dirty="0"/>
-              <a:t> </a:t>
-            </a:r>
-            <a:r>
-              <a:rPr dirty="0" err="1"/>
-              <a:t>получает</a:t>
-            </a:r>
-            <a:r>
-              <a:rPr dirty="0"/>
-              <a:t> </a:t>
-            </a:r>
-            <a:r>
-              <a:rPr dirty="0" err="1"/>
-              <a:t>ссылку</a:t>
-            </a:r>
-            <a:r>
-              <a:rPr dirty="0"/>
-              <a:t> и </a:t>
-            </a:r>
-            <a:r>
-              <a:rPr dirty="0" err="1"/>
-              <a:t>принимает</a:t>
-            </a:r>
-            <a:r>
-              <a:rPr dirty="0"/>
-              <a:t> </a:t>
-            </a:r>
-            <a:r>
-              <a:rPr dirty="0" err="1"/>
-              <a:t>задание</a:t>
-            </a:r>
-            <a:endParaRPr dirty="0"/>
-          </a:p>
-          <a:p>
-            <a:pPr marL="0" indent="0">
-              <a:buNone/>
-            </a:pPr>
-            <a:r>
-              <a:rPr dirty="0"/>
-              <a:t>2. </a:t>
-            </a:r>
-            <a:r>
-              <a:rPr dirty="0" err="1"/>
-              <a:t>Клонирует</a:t>
-            </a:r>
-            <a:r>
-              <a:rPr dirty="0"/>
-              <a:t> </a:t>
-            </a:r>
-            <a:r>
-              <a:rPr dirty="0" err="1"/>
-              <a:t>свой</a:t>
-            </a:r>
-            <a:r>
-              <a:rPr dirty="0"/>
-              <a:t> </a:t>
-            </a:r>
-            <a:r>
-              <a:rPr dirty="0" err="1"/>
-              <a:t>приватный</a:t>
-            </a:r>
-            <a:r>
-              <a:rPr dirty="0"/>
-              <a:t> </a:t>
-            </a:r>
-            <a:r>
-              <a:rPr dirty="0" err="1"/>
-              <a:t>репозиторий</a:t>
-            </a:r>
-            <a:endParaRPr dirty="0"/>
-          </a:p>
-          <a:p>
-            <a:pPr marL="0" indent="0">
-              <a:buNone/>
-            </a:pPr>
-            <a:r>
-              <a:rPr dirty="0"/>
-              <a:t>3. </a:t>
-            </a:r>
-            <a:r>
-              <a:rPr dirty="0" err="1"/>
-              <a:t>Добавляет</a:t>
-            </a:r>
-            <a:r>
-              <a:rPr dirty="0"/>
-              <a:t> </a:t>
-            </a:r>
-            <a:r>
-              <a:rPr dirty="0" err="1"/>
-              <a:t>отчёт</a:t>
-            </a:r>
-            <a:r>
-              <a:rPr dirty="0"/>
-              <a:t> и </a:t>
-            </a:r>
-            <a:r>
-              <a:rPr dirty="0" err="1"/>
-              <a:t>файлы</a:t>
-            </a:r>
-            <a:endParaRPr dirty="0"/>
-          </a:p>
-          <a:p>
-            <a:pPr marL="0" indent="0">
-              <a:buNone/>
-            </a:pPr>
-            <a:r>
-              <a:rPr dirty="0"/>
-              <a:t>4. </a:t>
-            </a:r>
-            <a:r>
-              <a:rPr dirty="0" err="1"/>
-              <a:t>Делает</a:t>
-            </a:r>
-            <a:r>
-              <a:rPr dirty="0"/>
-              <a:t> commit и push</a:t>
-            </a:r>
-          </a:p>
-          <a:p>
-            <a:pPr marL="0" indent="0">
-              <a:buNone/>
-            </a:pPr>
-            <a:r>
-              <a:rPr dirty="0"/>
-              <a:t>5. </a:t>
-            </a:r>
-            <a:r>
-              <a:rPr dirty="0" err="1"/>
-              <a:t>Преподаватель</a:t>
-            </a:r>
-            <a:r>
-              <a:rPr dirty="0"/>
-              <a:t> </a:t>
-            </a:r>
-            <a:r>
-              <a:rPr dirty="0" err="1"/>
-              <a:t>видит</a:t>
-            </a:r>
-            <a:r>
-              <a:rPr dirty="0"/>
-              <a:t> </a:t>
-            </a:r>
-            <a:r>
-              <a:rPr dirty="0" err="1"/>
-              <a:t>изменения</a:t>
-            </a:r>
-            <a:r>
-              <a:rPr dirty="0"/>
-              <a:t> и </a:t>
-            </a:r>
-            <a:r>
-              <a:rPr dirty="0" err="1"/>
-              <a:t>выставляет</a:t>
-            </a:r>
-            <a:r>
-              <a:rPr dirty="0"/>
-              <a:t> </a:t>
-            </a:r>
-            <a:r>
-              <a:rPr dirty="0" err="1"/>
-              <a:t>баллы</a:t>
-            </a:r>
-            <a:endParaRPr dirty="0"/>
+            <a:fld id="{C1FF6DA9-008F-8B48-92A6-B652298478BF}" type="slidenum">
+              <a:rPr lang="en-US" sz="2000" smtClean="0"/>
+              <a:t>9</a:t>
+            </a:fld>
+            <a:endParaRPr lang="en-US" sz="2000" dirty="0"/>
           </a:p>
         </p:txBody>
       </p:sp>
@@ -5605,4 +7257,594 @@
   </a:objectDefaults>
   <a:extraClrSchemeLst/>
 </a:theme>
+</file>
+
+<file path=ppt/theme/theme2.xml><?xml version="1.0" encoding="utf-8"?>
+<a:theme xmlns:a="http://schemas.openxmlformats.org/drawingml/2006/main" name="Тема Office">
+  <a:themeElements>
+    <a:clrScheme name="Стандартная">
+      <a:dk1>
+        <a:sysClr val="windowText" lastClr="000000"/>
+      </a:dk1>
+      <a:lt1>
+        <a:sysClr val="window" lastClr="FFFFFF"/>
+      </a:lt1>
+      <a:dk2>
+        <a:srgbClr val="44546A"/>
+      </a:dk2>
+      <a:lt2>
+        <a:srgbClr val="E7E6E6"/>
+      </a:lt2>
+      <a:accent1>
+        <a:srgbClr val="4472C4"/>
+      </a:accent1>
+      <a:accent2>
+        <a:srgbClr val="ED7D31"/>
+      </a:accent2>
+      <a:accent3>
+        <a:srgbClr val="A5A5A5"/>
+      </a:accent3>
+      <a:accent4>
+        <a:srgbClr val="FFC000"/>
+      </a:accent4>
+      <a:accent5>
+        <a:srgbClr val="5B9BD5"/>
+      </a:accent5>
+      <a:accent6>
+        <a:srgbClr val="70AD47"/>
+      </a:accent6>
+      <a:hlink>
+        <a:srgbClr val="0563C1"/>
+      </a:hlink>
+      <a:folHlink>
+        <a:srgbClr val="954F72"/>
+      </a:folHlink>
+    </a:clrScheme>
+    <a:fontScheme name="Стандартная">
+      <a:majorFont>
+        <a:latin typeface="Calibri Light" panose="020F0302020204030204"/>
+        <a:ea typeface=""/>
+        <a:cs typeface=""/>
+        <a:font script="Jpan" typeface="游ゴシック Light"/>
+        <a:font script="Hang" typeface="맑은 고딕"/>
+        <a:font script="Hans" typeface="等线 Light"/>
+        <a:font script="Hant" typeface="新細明體"/>
+        <a:font script="Arab" typeface="Times New Roman"/>
+        <a:font script="Hebr" typeface="Times New Roman"/>
+        <a:font script="Thai" typeface="Angsana New"/>
+        <a:font script="Ethi" typeface="Nyala"/>
+        <a:font script="Beng" typeface="Vrinda"/>
+        <a:font script="Gujr" typeface="Shruti"/>
+        <a:font script="Khmr" typeface="MoolBoran"/>
+        <a:font script="Knda" typeface="Tunga"/>
+        <a:font script="Guru" typeface="Raavi"/>
+        <a:font script="Cans" typeface="Euphemia"/>
+        <a:font script="Cher" typeface="Plantagenet Cherokee"/>
+        <a:font script="Yiii" typeface="Microsoft Yi Baiti"/>
+        <a:font script="Tibt" typeface="Microsoft Himalaya"/>
+        <a:font script="Thaa" typeface="MV Boli"/>
+        <a:font script="Deva" typeface="Mangal"/>
+        <a:font script="Telu" typeface="Gautami"/>
+        <a:font script="Taml" typeface="Latha"/>
+        <a:font script="Syrc" typeface="Estrangelo Edessa"/>
+        <a:font script="Orya" typeface="Kalinga"/>
+        <a:font script="Mlym" typeface="Kartika"/>
+        <a:font script="Laoo" typeface="DokChampa"/>
+        <a:font script="Sinh" typeface="Iskoola Pota"/>
+        <a:font script="Mong" typeface="Mongolian Baiti"/>
+        <a:font script="Viet" typeface="Times New Roman"/>
+        <a:font script="Uigh" typeface="Microsoft Uighur"/>
+        <a:font script="Geor" typeface="Sylfaen"/>
+        <a:font script="Armn" typeface="Arial"/>
+        <a:font script="Bugi" typeface="Leelawadee UI"/>
+        <a:font script="Bopo" typeface="Microsoft JhengHei"/>
+        <a:font script="Java" typeface="Javanese Text"/>
+        <a:font script="Lisu" typeface="Segoe UI"/>
+        <a:font script="Mymr" typeface="Myanmar Text"/>
+        <a:font script="Nkoo" typeface="Ebrima"/>
+        <a:font script="Olck" typeface="Nirmala UI"/>
+        <a:font script="Osma" typeface="Ebrima"/>
+        <a:font script="Phag" typeface="Phagspa"/>
+        <a:font script="Syrn" typeface="Estrangelo Edessa"/>
+        <a:font script="Syrj" typeface="Estrangelo Edessa"/>
+        <a:font script="Syre" typeface="Estrangelo Edessa"/>
+        <a:font script="Sora" typeface="Nirmala UI"/>
+        <a:font script="Tale" typeface="Microsoft Tai Le"/>
+        <a:font script="Talu" typeface="Microsoft New Tai Lue"/>
+        <a:font script="Tfng" typeface="Ebrima"/>
+      </a:majorFont>
+      <a:minorFont>
+        <a:latin typeface="Calibri" panose="020F0502020204030204"/>
+        <a:ea typeface=""/>
+        <a:cs typeface=""/>
+        <a:font script="Jpan" typeface="游ゴシック"/>
+        <a:font script="Hang" typeface="맑은 고딕"/>
+        <a:font script="Hans" typeface="等线"/>
+        <a:font script="Hant" typeface="新細明體"/>
+        <a:font script="Arab" typeface="Arial"/>
+        <a:font script="Hebr" typeface="Arial"/>
+        <a:font script="Thai" typeface="Cordia New"/>
+        <a:font script="Ethi" typeface="Nyala"/>
+        <a:font script="Beng" typeface="Vrinda"/>
+        <a:font script="Gujr" typeface="Shruti"/>
+        <a:font script="Khmr" typeface="DaunPenh"/>
+        <a:font script="Knda" typeface="Tunga"/>
+        <a:font script="Guru" typeface="Raavi"/>
+        <a:font script="Cans" typeface="Euphemia"/>
+        <a:font script="Cher" typeface="Plantagenet Cherokee"/>
+        <a:font script="Yiii" typeface="Microsoft Yi Baiti"/>
+        <a:font script="Tibt" typeface="Microsoft Himalaya"/>
+        <a:font script="Thaa" typeface="MV Boli"/>
+        <a:font script="Deva" typeface="Mangal"/>
+        <a:font script="Telu" typeface="Gautami"/>
+        <a:font script="Taml" typeface="Latha"/>
+        <a:font script="Syrc" typeface="Estrangelo Edessa"/>
+        <a:font script="Orya" typeface="Kalinga"/>
+        <a:font script="Mlym" typeface="Kartika"/>
+        <a:font script="Laoo" typeface="DokChampa"/>
+        <a:font script="Sinh" typeface="Iskoola Pota"/>
+        <a:font script="Mong" typeface="Mongolian Baiti"/>
+        <a:font script="Viet" typeface="Arial"/>
+        <a:font script="Uigh" typeface="Microsoft Uighur"/>
+        <a:font script="Geor" typeface="Sylfaen"/>
+        <a:font script="Armn" typeface="Arial"/>
+        <a:font script="Bugi" typeface="Leelawadee UI"/>
+        <a:font script="Bopo" typeface="Microsoft JhengHei"/>
+        <a:font script="Java" typeface="Javanese Text"/>
+        <a:font script="Lisu" typeface="Segoe UI"/>
+        <a:font script="Mymr" typeface="Myanmar Text"/>
+        <a:font script="Nkoo" typeface="Ebrima"/>
+        <a:font script="Olck" typeface="Nirmala UI"/>
+        <a:font script="Osma" typeface="Ebrima"/>
+        <a:font script="Phag" typeface="Phagspa"/>
+        <a:font script="Syrn" typeface="Estrangelo Edessa"/>
+        <a:font script="Syrj" typeface="Estrangelo Edessa"/>
+        <a:font script="Syre" typeface="Estrangelo Edessa"/>
+        <a:font script="Sora" typeface="Nirmala UI"/>
+        <a:font script="Tale" typeface="Microsoft Tai Le"/>
+        <a:font script="Talu" typeface="Microsoft New Tai Lue"/>
+        <a:font script="Tfng" typeface="Ebrima"/>
+      </a:minorFont>
+    </a:fontScheme>
+    <a:fmtScheme name="Стандартная">
+      <a:fillStyleLst>
+        <a:solidFill>
+          <a:schemeClr val="phClr"/>
+        </a:solidFill>
+        <a:gradFill rotWithShape="1">
+          <a:gsLst>
+            <a:gs pos="0">
+              <a:schemeClr val="phClr">
+                <a:lumMod val="110000"/>
+                <a:satMod val="105000"/>
+                <a:tint val="67000"/>
+              </a:schemeClr>
+            </a:gs>
+            <a:gs pos="50000">
+              <a:schemeClr val="phClr">
+                <a:lumMod val="105000"/>
+                <a:satMod val="103000"/>
+                <a:tint val="73000"/>
+              </a:schemeClr>
+            </a:gs>
+            <a:gs pos="100000">
+              <a:schemeClr val="phClr">
+                <a:lumMod val="105000"/>
+                <a:satMod val="109000"/>
+                <a:tint val="81000"/>
+              </a:schemeClr>
+            </a:gs>
+          </a:gsLst>
+          <a:lin ang="5400000" scaled="0"/>
+        </a:gradFill>
+        <a:gradFill rotWithShape="1">
+          <a:gsLst>
+            <a:gs pos="0">
+              <a:schemeClr val="phClr">
+                <a:satMod val="103000"/>
+                <a:lumMod val="102000"/>
+                <a:tint val="94000"/>
+              </a:schemeClr>
+            </a:gs>
+            <a:gs pos="50000">
+              <a:schemeClr val="phClr">
+                <a:satMod val="110000"/>
+                <a:lumMod val="100000"/>
+                <a:shade val="100000"/>
+              </a:schemeClr>
+            </a:gs>
+            <a:gs pos="100000">
+              <a:schemeClr val="phClr">
+                <a:lumMod val="99000"/>
+                <a:satMod val="120000"/>
+                <a:shade val="78000"/>
+              </a:schemeClr>
+            </a:gs>
+          </a:gsLst>
+          <a:lin ang="5400000" scaled="0"/>
+        </a:gradFill>
+      </a:fillStyleLst>
+      <a:lnStyleLst>
+        <a:ln w="6350" cap="flat" cmpd="sng" algn="ctr">
+          <a:solidFill>
+            <a:schemeClr val="phClr"/>
+          </a:solidFill>
+          <a:prstDash val="solid"/>
+          <a:miter lim="800000"/>
+        </a:ln>
+        <a:ln w="12700" cap="flat" cmpd="sng" algn="ctr">
+          <a:solidFill>
+            <a:schemeClr val="phClr"/>
+          </a:solidFill>
+          <a:prstDash val="solid"/>
+          <a:miter lim="800000"/>
+        </a:ln>
+        <a:ln w="19050" cap="flat" cmpd="sng" algn="ctr">
+          <a:solidFill>
+            <a:schemeClr val="phClr"/>
+          </a:solidFill>
+          <a:prstDash val="solid"/>
+          <a:miter lim="800000"/>
+        </a:ln>
+      </a:lnStyleLst>
+      <a:effectStyleLst>
+        <a:effectStyle>
+          <a:effectLst/>
+        </a:effectStyle>
+        <a:effectStyle>
+          <a:effectLst/>
+        </a:effectStyle>
+        <a:effectStyle>
+          <a:effectLst>
+            <a:outerShdw blurRad="57150" dist="19050" dir="5400000" algn="ctr" rotWithShape="0">
+              <a:srgbClr val="000000">
+                <a:alpha val="63000"/>
+              </a:srgbClr>
+            </a:outerShdw>
+          </a:effectLst>
+        </a:effectStyle>
+      </a:effectStyleLst>
+      <a:bgFillStyleLst>
+        <a:solidFill>
+          <a:schemeClr val="phClr"/>
+        </a:solidFill>
+        <a:solidFill>
+          <a:schemeClr val="phClr">
+            <a:tint val="95000"/>
+            <a:satMod val="170000"/>
+          </a:schemeClr>
+        </a:solidFill>
+        <a:gradFill rotWithShape="1">
+          <a:gsLst>
+            <a:gs pos="0">
+              <a:schemeClr val="phClr">
+                <a:tint val="93000"/>
+                <a:satMod val="150000"/>
+                <a:shade val="98000"/>
+                <a:lumMod val="102000"/>
+              </a:schemeClr>
+            </a:gs>
+            <a:gs pos="50000">
+              <a:schemeClr val="phClr">
+                <a:tint val="98000"/>
+                <a:satMod val="130000"/>
+                <a:shade val="90000"/>
+                <a:lumMod val="103000"/>
+              </a:schemeClr>
+            </a:gs>
+            <a:gs pos="100000">
+              <a:schemeClr val="phClr">
+                <a:shade val="63000"/>
+                <a:satMod val="120000"/>
+              </a:schemeClr>
+            </a:gs>
+          </a:gsLst>
+          <a:lin ang="5400000" scaled="0"/>
+        </a:gradFill>
+      </a:bgFillStyleLst>
+    </a:fmtScheme>
+  </a:themeElements>
+  <a:objectDefaults/>
+  <a:extraClrSchemeLst/>
+  <a:extLst>
+    <a:ext uri="{05A4C25C-085E-4340-85A3-A5531E510DB2}">
+      <thm15:themeFamily xmlns:thm15="http://schemas.microsoft.com/office/thememl/2012/main" name="Office Theme" id="{62F939B6-93AF-4DB8-9C6B-D6C7DFDC589F}" vid="{4A3C46E8-61CC-4603-A589-7422A47A8E4A}"/>
+    </a:ext>
+  </a:extLst>
+</a:theme>
+</file>
+
+<file path=ppt/theme/theme3.xml><?xml version="1.0" encoding="utf-8"?>
+<a:theme xmlns:a="http://schemas.openxmlformats.org/drawingml/2006/main" name="Тема Office">
+  <a:themeElements>
+    <a:clrScheme name="Стандартная">
+      <a:dk1>
+        <a:sysClr val="windowText" lastClr="000000"/>
+      </a:dk1>
+      <a:lt1>
+        <a:sysClr val="window" lastClr="FFFFFF"/>
+      </a:lt1>
+      <a:dk2>
+        <a:srgbClr val="44546A"/>
+      </a:dk2>
+      <a:lt2>
+        <a:srgbClr val="E7E6E6"/>
+      </a:lt2>
+      <a:accent1>
+        <a:srgbClr val="4472C4"/>
+      </a:accent1>
+      <a:accent2>
+        <a:srgbClr val="ED7D31"/>
+      </a:accent2>
+      <a:accent3>
+        <a:srgbClr val="A5A5A5"/>
+      </a:accent3>
+      <a:accent4>
+        <a:srgbClr val="FFC000"/>
+      </a:accent4>
+      <a:accent5>
+        <a:srgbClr val="5B9BD5"/>
+      </a:accent5>
+      <a:accent6>
+        <a:srgbClr val="70AD47"/>
+      </a:accent6>
+      <a:hlink>
+        <a:srgbClr val="0563C1"/>
+      </a:hlink>
+      <a:folHlink>
+        <a:srgbClr val="954F72"/>
+      </a:folHlink>
+    </a:clrScheme>
+    <a:fontScheme name="Стандартная">
+      <a:majorFont>
+        <a:latin typeface="Calibri Light" panose="020F0302020204030204"/>
+        <a:ea typeface=""/>
+        <a:cs typeface=""/>
+        <a:font script="Jpan" typeface="游ゴシック Light"/>
+        <a:font script="Hang" typeface="맑은 고딕"/>
+        <a:font script="Hans" typeface="等线 Light"/>
+        <a:font script="Hant" typeface="新細明體"/>
+        <a:font script="Arab" typeface="Times New Roman"/>
+        <a:font script="Hebr" typeface="Times New Roman"/>
+        <a:font script="Thai" typeface="Angsana New"/>
+        <a:font script="Ethi" typeface="Nyala"/>
+        <a:font script="Beng" typeface="Vrinda"/>
+        <a:font script="Gujr" typeface="Shruti"/>
+        <a:font script="Khmr" typeface="MoolBoran"/>
+        <a:font script="Knda" typeface="Tunga"/>
+        <a:font script="Guru" typeface="Raavi"/>
+        <a:font script="Cans" typeface="Euphemia"/>
+        <a:font script="Cher" typeface="Plantagenet Cherokee"/>
+        <a:font script="Yiii" typeface="Microsoft Yi Baiti"/>
+        <a:font script="Tibt" typeface="Microsoft Himalaya"/>
+        <a:font script="Thaa" typeface="MV Boli"/>
+        <a:font script="Deva" typeface="Mangal"/>
+        <a:font script="Telu" typeface="Gautami"/>
+        <a:font script="Taml" typeface="Latha"/>
+        <a:font script="Syrc" typeface="Estrangelo Edessa"/>
+        <a:font script="Orya" typeface="Kalinga"/>
+        <a:font script="Mlym" typeface="Kartika"/>
+        <a:font script="Laoo" typeface="DokChampa"/>
+        <a:font script="Sinh" typeface="Iskoola Pota"/>
+        <a:font script="Mong" typeface="Mongolian Baiti"/>
+        <a:font script="Viet" typeface="Times New Roman"/>
+        <a:font script="Uigh" typeface="Microsoft Uighur"/>
+        <a:font script="Geor" typeface="Sylfaen"/>
+        <a:font script="Armn" typeface="Arial"/>
+        <a:font script="Bugi" typeface="Leelawadee UI"/>
+        <a:font script="Bopo" typeface="Microsoft JhengHei"/>
+        <a:font script="Java" typeface="Javanese Text"/>
+        <a:font script="Lisu" typeface="Segoe UI"/>
+        <a:font script="Mymr" typeface="Myanmar Text"/>
+        <a:font script="Nkoo" typeface="Ebrima"/>
+        <a:font script="Olck" typeface="Nirmala UI"/>
+        <a:font script="Osma" typeface="Ebrima"/>
+        <a:font script="Phag" typeface="Phagspa"/>
+        <a:font script="Syrn" typeface="Estrangelo Edessa"/>
+        <a:font script="Syrj" typeface="Estrangelo Edessa"/>
+        <a:font script="Syre" typeface="Estrangelo Edessa"/>
+        <a:font script="Sora" typeface="Nirmala UI"/>
+        <a:font script="Tale" typeface="Microsoft Tai Le"/>
+        <a:font script="Talu" typeface="Microsoft New Tai Lue"/>
+        <a:font script="Tfng" typeface="Ebrima"/>
+      </a:majorFont>
+      <a:minorFont>
+        <a:latin typeface="Calibri" panose="020F0502020204030204"/>
+        <a:ea typeface=""/>
+        <a:cs typeface=""/>
+        <a:font script="Jpan" typeface="游ゴシック"/>
+        <a:font script="Hang" typeface="맑은 고딕"/>
+        <a:font script="Hans" typeface="等线"/>
+        <a:font script="Hant" typeface="新細明體"/>
+        <a:font script="Arab" typeface="Arial"/>
+        <a:font script="Hebr" typeface="Arial"/>
+        <a:font script="Thai" typeface="Cordia New"/>
+        <a:font script="Ethi" typeface="Nyala"/>
+        <a:font script="Beng" typeface="Vrinda"/>
+        <a:font script="Gujr" typeface="Shruti"/>
+        <a:font script="Khmr" typeface="DaunPenh"/>
+        <a:font script="Knda" typeface="Tunga"/>
+        <a:font script="Guru" typeface="Raavi"/>
+        <a:font script="Cans" typeface="Euphemia"/>
+        <a:font script="Cher" typeface="Plantagenet Cherokee"/>
+        <a:font script="Yiii" typeface="Microsoft Yi Baiti"/>
+        <a:font script="Tibt" typeface="Microsoft Himalaya"/>
+        <a:font script="Thaa" typeface="MV Boli"/>
+        <a:font script="Deva" typeface="Mangal"/>
+        <a:font script="Telu" typeface="Gautami"/>
+        <a:font script="Taml" typeface="Latha"/>
+        <a:font script="Syrc" typeface="Estrangelo Edessa"/>
+        <a:font script="Orya" typeface="Kalinga"/>
+        <a:font script="Mlym" typeface="Kartika"/>
+        <a:font script="Laoo" typeface="DokChampa"/>
+        <a:font script="Sinh" typeface="Iskoola Pota"/>
+        <a:font script="Mong" typeface="Mongolian Baiti"/>
+        <a:font script="Viet" typeface="Arial"/>
+        <a:font script="Uigh" typeface="Microsoft Uighur"/>
+        <a:font script="Geor" typeface="Sylfaen"/>
+        <a:font script="Armn" typeface="Arial"/>
+        <a:font script="Bugi" typeface="Leelawadee UI"/>
+        <a:font script="Bopo" typeface="Microsoft JhengHei"/>
+        <a:font script="Java" typeface="Javanese Text"/>
+        <a:font script="Lisu" typeface="Segoe UI"/>
+        <a:font script="Mymr" typeface="Myanmar Text"/>
+        <a:font script="Nkoo" typeface="Ebrima"/>
+        <a:font script="Olck" typeface="Nirmala UI"/>
+        <a:font script="Osma" typeface="Ebrima"/>
+        <a:font script="Phag" typeface="Phagspa"/>
+        <a:font script="Syrn" typeface="Estrangelo Edessa"/>
+        <a:font script="Syrj" typeface="Estrangelo Edessa"/>
+        <a:font script="Syre" typeface="Estrangelo Edessa"/>
+        <a:font script="Sora" typeface="Nirmala UI"/>
+        <a:font script="Tale" typeface="Microsoft Tai Le"/>
+        <a:font script="Talu" typeface="Microsoft New Tai Lue"/>
+        <a:font script="Tfng" typeface="Ebrima"/>
+      </a:minorFont>
+    </a:fontScheme>
+    <a:fmtScheme name="Стандартная">
+      <a:fillStyleLst>
+        <a:solidFill>
+          <a:schemeClr val="phClr"/>
+        </a:solidFill>
+        <a:gradFill rotWithShape="1">
+          <a:gsLst>
+            <a:gs pos="0">
+              <a:schemeClr val="phClr">
+                <a:lumMod val="110000"/>
+                <a:satMod val="105000"/>
+                <a:tint val="67000"/>
+              </a:schemeClr>
+            </a:gs>
+            <a:gs pos="50000">
+              <a:schemeClr val="phClr">
+                <a:lumMod val="105000"/>
+                <a:satMod val="103000"/>
+                <a:tint val="73000"/>
+              </a:schemeClr>
+            </a:gs>
+            <a:gs pos="100000">
+              <a:schemeClr val="phClr">
+                <a:lumMod val="105000"/>
+                <a:satMod val="109000"/>
+                <a:tint val="81000"/>
+              </a:schemeClr>
+            </a:gs>
+          </a:gsLst>
+          <a:lin ang="5400000" scaled="0"/>
+        </a:gradFill>
+        <a:gradFill rotWithShape="1">
+          <a:gsLst>
+            <a:gs pos="0">
+              <a:schemeClr val="phClr">
+                <a:satMod val="103000"/>
+                <a:lumMod val="102000"/>
+                <a:tint val="94000"/>
+              </a:schemeClr>
+            </a:gs>
+            <a:gs pos="50000">
+              <a:schemeClr val="phClr">
+                <a:satMod val="110000"/>
+                <a:lumMod val="100000"/>
+                <a:shade val="100000"/>
+              </a:schemeClr>
+            </a:gs>
+            <a:gs pos="100000">
+              <a:schemeClr val="phClr">
+                <a:lumMod val="99000"/>
+                <a:satMod val="120000"/>
+                <a:shade val="78000"/>
+              </a:schemeClr>
+            </a:gs>
+          </a:gsLst>
+          <a:lin ang="5400000" scaled="0"/>
+        </a:gradFill>
+      </a:fillStyleLst>
+      <a:lnStyleLst>
+        <a:ln w="6350" cap="flat" cmpd="sng" algn="ctr">
+          <a:solidFill>
+            <a:schemeClr val="phClr"/>
+          </a:solidFill>
+          <a:prstDash val="solid"/>
+          <a:miter lim="800000"/>
+        </a:ln>
+        <a:ln w="12700" cap="flat" cmpd="sng" algn="ctr">
+          <a:solidFill>
+            <a:schemeClr val="phClr"/>
+          </a:solidFill>
+          <a:prstDash val="solid"/>
+          <a:miter lim="800000"/>
+        </a:ln>
+        <a:ln w="19050" cap="flat" cmpd="sng" algn="ctr">
+          <a:solidFill>
+            <a:schemeClr val="phClr"/>
+          </a:solidFill>
+          <a:prstDash val="solid"/>
+          <a:miter lim="800000"/>
+        </a:ln>
+      </a:lnStyleLst>
+      <a:effectStyleLst>
+        <a:effectStyle>
+          <a:effectLst/>
+        </a:effectStyle>
+        <a:effectStyle>
+          <a:effectLst/>
+        </a:effectStyle>
+        <a:effectStyle>
+          <a:effectLst>
+            <a:outerShdw blurRad="57150" dist="19050" dir="5400000" algn="ctr" rotWithShape="0">
+              <a:srgbClr val="000000">
+                <a:alpha val="63000"/>
+              </a:srgbClr>
+            </a:outerShdw>
+          </a:effectLst>
+        </a:effectStyle>
+      </a:effectStyleLst>
+      <a:bgFillStyleLst>
+        <a:solidFill>
+          <a:schemeClr val="phClr"/>
+        </a:solidFill>
+        <a:solidFill>
+          <a:schemeClr val="phClr">
+            <a:tint val="95000"/>
+            <a:satMod val="170000"/>
+          </a:schemeClr>
+        </a:solidFill>
+        <a:gradFill rotWithShape="1">
+          <a:gsLst>
+            <a:gs pos="0">
+              <a:schemeClr val="phClr">
+                <a:tint val="93000"/>
+                <a:satMod val="150000"/>
+                <a:shade val="98000"/>
+                <a:lumMod val="102000"/>
+              </a:schemeClr>
+            </a:gs>
+            <a:gs pos="50000">
+              <a:schemeClr val="phClr">
+                <a:tint val="98000"/>
+                <a:satMod val="130000"/>
+                <a:shade val="90000"/>
+                <a:lumMod val="103000"/>
+              </a:schemeClr>
+            </a:gs>
+            <a:gs pos="100000">
+              <a:schemeClr val="phClr">
+                <a:shade val="63000"/>
+                <a:satMod val="120000"/>
+              </a:schemeClr>
+            </a:gs>
+          </a:gsLst>
+          <a:lin ang="5400000" scaled="0"/>
+        </a:gradFill>
+      </a:bgFillStyleLst>
+    </a:fmtScheme>
+  </a:themeElements>
+  <a:objectDefaults/>
+  <a:extraClrSchemeLst/>
+  <a:extLst>
+    <a:ext uri="{05A4C25C-085E-4340-85A3-A5531E510DB2}">
+      <thm15:themeFamily xmlns:thm15="http://schemas.microsoft.com/office/thememl/2012/main" name="Office Theme" id="{62F939B6-93AF-4DB8-9C6B-D6C7DFDC589F}" vid="{4A3C46E8-61CC-4603-A589-7422A47A8E4A}"/>
+    </a:ext>
+  </a:extLst>
+</a:theme>
 </file>